--- a/04_ML_Concepts_I_Foundations/machine_learning_bootcamp.pptx
+++ b/04_ML_Concepts_I_Foundations/machine_learning_bootcamp.pptx
@@ -5,10 +5,10 @@
     <p:sldMasterId id="2147483648" r:id="rId1"/>
   </p:sldMasterIdLst>
   <p:notesMasterIdLst>
-    <p:notesMasterId r:id="rId48"/>
+    <p:notesMasterId r:id="rId49"/>
   </p:notesMasterIdLst>
   <p:handoutMasterIdLst>
-    <p:handoutMasterId r:id="rId49"/>
+    <p:handoutMasterId r:id="rId50"/>
   </p:handoutMasterIdLst>
   <p:sldIdLst>
     <p:sldId id="2391" r:id="rId2"/>
@@ -16,21 +16,21 @@
     <p:sldId id="366" r:id="rId4"/>
     <p:sldId id="2437" r:id="rId5"/>
     <p:sldId id="2425" r:id="rId6"/>
-    <p:sldId id="2404" r:id="rId7"/>
-    <p:sldId id="2372" r:id="rId8"/>
-    <p:sldId id="2362" r:id="rId9"/>
-    <p:sldId id="410" r:id="rId10"/>
-    <p:sldId id="2360" r:id="rId11"/>
-    <p:sldId id="2361" r:id="rId12"/>
-    <p:sldId id="2375" r:id="rId13"/>
-    <p:sldId id="2373" r:id="rId14"/>
-    <p:sldId id="2424" r:id="rId15"/>
-    <p:sldId id="334" r:id="rId16"/>
-    <p:sldId id="339" r:id="rId17"/>
-    <p:sldId id="337" r:id="rId18"/>
-    <p:sldId id="341" r:id="rId19"/>
-    <p:sldId id="342" r:id="rId20"/>
-    <p:sldId id="343" r:id="rId21"/>
+    <p:sldId id="2372" r:id="rId7"/>
+    <p:sldId id="2362" r:id="rId8"/>
+    <p:sldId id="410" r:id="rId9"/>
+    <p:sldId id="2360" r:id="rId10"/>
+    <p:sldId id="2361" r:id="rId11"/>
+    <p:sldId id="2375" r:id="rId12"/>
+    <p:sldId id="2424" r:id="rId13"/>
+    <p:sldId id="334" r:id="rId14"/>
+    <p:sldId id="339" r:id="rId15"/>
+    <p:sldId id="337" r:id="rId16"/>
+    <p:sldId id="341" r:id="rId17"/>
+    <p:sldId id="342" r:id="rId18"/>
+    <p:sldId id="343" r:id="rId19"/>
+    <p:sldId id="2453" r:id="rId20"/>
+    <p:sldId id="2454" r:id="rId21"/>
     <p:sldId id="2438" r:id="rId22"/>
     <p:sldId id="2427" r:id="rId23"/>
     <p:sldId id="2441" r:id="rId24"/>
@@ -57,6 +57,7 @@
     <p:sldId id="2395" r:id="rId45"/>
     <p:sldId id="2400" r:id="rId46"/>
     <p:sldId id="2401" r:id="rId47"/>
+    <p:sldId id="2373" r:id="rId48"/>
   </p:sldIdLst>
   <p:sldSz cx="12192000" cy="6858000"/>
   <p:notesSz cx="6858000" cy="9144000"/>
@@ -260,7 +261,7 @@
           <a:p>
             <a:fld id="{27160A0F-9B86-4581-85D6-AE4500F6A801}" type="datetimeFigureOut">
               <a:rPr lang="en-US" smtClean="0"/>
-              <a:t>1/19/2022</a:t>
+              <a:t>2/4/2022</a:t>
             </a:fld>
             <a:endParaRPr lang="en-US"/>
           </a:p>
@@ -486,7 +487,7 @@
           <a:p>
             <a:fld id="{27BE458A-CC06-48BE-991B-B3ACDD14B597}" type="datetimeFigureOut">
               <a:rPr lang="en-US" smtClean="0"/>
-              <a:t>1/19/2022</a:t>
+              <a:t>2/4/2022</a:t>
             </a:fld>
             <a:endParaRPr lang="en-US"/>
           </a:p>
@@ -907,8 +908,13 @@
           <a:p>
             <a:r>
               <a:rPr lang="en-US" dirty="0"/>
-              <a:t>3 – Often we don’t know because humans don’t have the answer</a:t>
-            </a:r>
+              <a:t>Mimic a human, often a group to learn processes</a:t>
+            </a:r>
+            <a:r>
+              <a:rPr lang="en-US" baseline="0" dirty="0"/>
+              <a:t> </a:t>
+            </a:r>
+            <a:endParaRPr lang="en-US" dirty="0"/>
           </a:p>
         </p:txBody>
       </p:sp>
@@ -929,7 +935,7 @@
           <a:p>
             <a:fld id="{72459E79-B3EA-453E-BDBA-60E25D7173B4}" type="slidenum">
               <a:rPr lang="en-US" smtClean="0"/>
-              <a:t>20</a:t>
+              <a:t>44</a:t>
             </a:fld>
             <a:endParaRPr lang="en-US"/>
           </a:p>
@@ -938,7 +944,7 @@
     </p:spTree>
     <p:extLst>
       <p:ext uri="{BB962C8B-B14F-4D97-AF65-F5344CB8AC3E}">
-        <p14:creationId xmlns:p14="http://schemas.microsoft.com/office/powerpoint/2010/main" val="328829507"/>
+        <p14:creationId xmlns:p14="http://schemas.microsoft.com/office/powerpoint/2010/main" val="657499873"/>
       </p:ext>
     </p:extLst>
   </p:cSld>
@@ -1021,7 +1027,7 @@
           <a:p>
             <a:fld id="{72459E79-B3EA-453E-BDBA-60E25D7173B4}" type="slidenum">
               <a:rPr lang="en-US" smtClean="0"/>
-              <a:t>44</a:t>
+              <a:t>45</a:t>
             </a:fld>
             <a:endParaRPr lang="en-US"/>
           </a:p>
@@ -1030,7 +1036,7 @@
     </p:spTree>
     <p:extLst>
       <p:ext uri="{BB962C8B-B14F-4D97-AF65-F5344CB8AC3E}">
-        <p14:creationId xmlns:p14="http://schemas.microsoft.com/office/powerpoint/2010/main" val="657499873"/>
+        <p14:creationId xmlns:p14="http://schemas.microsoft.com/office/powerpoint/2010/main" val="2880069894"/>
       </p:ext>
     </p:extLst>
   </p:cSld>
@@ -1113,7 +1119,7 @@
           <a:p>
             <a:fld id="{72459E79-B3EA-453E-BDBA-60E25D7173B4}" type="slidenum">
               <a:rPr lang="en-US" smtClean="0"/>
-              <a:t>45</a:t>
+              <a:t>46</a:t>
             </a:fld>
             <a:endParaRPr lang="en-US"/>
           </a:p>
@@ -1122,7 +1128,7 @@
     </p:spTree>
     <p:extLst>
       <p:ext uri="{BB962C8B-B14F-4D97-AF65-F5344CB8AC3E}">
-        <p14:creationId xmlns:p14="http://schemas.microsoft.com/office/powerpoint/2010/main" val="2880069894"/>
+        <p14:creationId xmlns:p14="http://schemas.microsoft.com/office/powerpoint/2010/main" val="2601564657"/>
       </p:ext>
     </p:extLst>
   </p:cSld>
@@ -1176,14 +1182,6 @@
           <a:bodyPr/>
           <a:lstStyle/>
           <a:p>
-            <a:r>
-              <a:rPr lang="en-US" dirty="0"/>
-              <a:t>Mimic a human, often a group to learn processes</a:t>
-            </a:r>
-            <a:r>
-              <a:rPr lang="en-US" baseline="0" dirty="0"/>
-              <a:t> </a:t>
-            </a:r>
             <a:endParaRPr lang="en-US" dirty="0"/>
           </a:p>
         </p:txBody>
@@ -1195,7 +1193,7 @@
             <a:spLocks noGrp="1"/>
           </p:cNvSpPr>
           <p:nvPr>
-            <p:ph type="sldNum" sz="quarter" idx="10"/>
+            <p:ph type="sldNum" sz="quarter" idx="5"/>
           </p:nvPr>
         </p:nvSpPr>
         <p:spPr/>
@@ -1205,7 +1203,7 @@
           <a:p>
             <a:fld id="{72459E79-B3EA-453E-BDBA-60E25D7173B4}" type="slidenum">
               <a:rPr lang="en-US" smtClean="0"/>
-              <a:t>46</a:t>
+              <a:t>47</a:t>
             </a:fld>
             <a:endParaRPr lang="en-US"/>
           </a:p>
@@ -1214,7 +1212,7 @@
     </p:spTree>
     <p:extLst>
       <p:ext uri="{BB962C8B-B14F-4D97-AF65-F5344CB8AC3E}">
-        <p14:creationId xmlns:p14="http://schemas.microsoft.com/office/powerpoint/2010/main" val="2601564657"/>
+        <p14:creationId xmlns:p14="http://schemas.microsoft.com/office/powerpoint/2010/main" val="29061564"/>
       </p:ext>
     </p:extLst>
   </p:cSld>
@@ -1373,7 +1371,7 @@
           <a:p>
             <a:fld id="{72459E79-B3EA-453E-BDBA-60E25D7173B4}" type="slidenum">
               <a:rPr lang="en-US" smtClean="0"/>
-              <a:t>7</a:t>
+              <a:t>6</a:t>
             </a:fld>
             <a:endParaRPr lang="en-US"/>
           </a:p>
@@ -1458,7 +1456,7 @@
             <a:fld id="{4A39B329-E67A-6D49-B442-03542797CA5D}" type="slidenum">
               <a:rPr lang="en-US" smtClean="0"/>
               <a:pPr/>
-              <a:t>8</a:t>
+              <a:t>7</a:t>
             </a:fld>
             <a:endParaRPr lang="en-US" dirty="0"/>
           </a:p>
@@ -1569,7 +1567,7 @@
             <a:fld id="{4A39B329-E67A-6D49-B442-03542797CA5D}" type="slidenum">
               <a:rPr lang="en-US" smtClean="0"/>
               <a:pPr/>
-              <a:t>10</a:t>
+              <a:t>9</a:t>
             </a:fld>
             <a:endParaRPr lang="en-US" dirty="0"/>
           </a:p>
@@ -1680,7 +1678,7 @@
             <a:fld id="{4A39B329-E67A-6D49-B442-03542797CA5D}" type="slidenum">
               <a:rPr lang="en-US" smtClean="0"/>
               <a:pPr/>
-              <a:t>11</a:t>
+              <a:t>10</a:t>
             </a:fld>
             <a:endParaRPr lang="en-US" dirty="0"/>
           </a:p>
@@ -1743,6 +1741,14 @@
           <a:bodyPr/>
           <a:lstStyle/>
           <a:p>
+            <a:r>
+              <a:rPr lang="en-US" dirty="0"/>
+              <a:t>Mimic a human, often a group to learn processes</a:t>
+            </a:r>
+            <a:r>
+              <a:rPr lang="en-US" baseline="0" dirty="0"/>
+              <a:t> </a:t>
+            </a:r>
             <a:endParaRPr lang="en-US" dirty="0"/>
           </a:p>
         </p:txBody>
@@ -1754,7 +1760,7 @@
             <a:spLocks noGrp="1"/>
           </p:cNvSpPr>
           <p:nvPr>
-            <p:ph type="sldNum" sz="quarter" idx="5"/>
+            <p:ph type="sldNum" sz="quarter" idx="10"/>
           </p:nvPr>
         </p:nvSpPr>
         <p:spPr/>
@@ -1764,7 +1770,7 @@
           <a:p>
             <a:fld id="{72459E79-B3EA-453E-BDBA-60E25D7173B4}" type="slidenum">
               <a:rPr lang="en-US" smtClean="0"/>
-              <a:t>13</a:t>
+              <a:t>16</a:t>
             </a:fld>
             <a:endParaRPr lang="en-US"/>
           </a:p>
@@ -1773,7 +1779,7 @@
     </p:spTree>
     <p:extLst>
       <p:ext uri="{BB962C8B-B14F-4D97-AF65-F5344CB8AC3E}">
-        <p14:creationId xmlns:p14="http://schemas.microsoft.com/office/powerpoint/2010/main" val="29061564"/>
+        <p14:creationId xmlns:p14="http://schemas.microsoft.com/office/powerpoint/2010/main" val="3876972131"/>
       </p:ext>
     </p:extLst>
   </p:cSld>
@@ -1829,13 +1835,8 @@
           <a:p>
             <a:r>
               <a:rPr lang="en-US" dirty="0"/>
-              <a:t>Mimic a human, often a group to learn processes</a:t>
-            </a:r>
-            <a:r>
-              <a:rPr lang="en-US" baseline="0" dirty="0"/>
-              <a:t> </a:t>
-            </a:r>
-            <a:endParaRPr lang="en-US" dirty="0"/>
+              <a:t>3 – Often we don’t know because humans don’t have the answer</a:t>
+            </a:r>
           </a:p>
         </p:txBody>
       </p:sp>
@@ -1856,7 +1857,7 @@
           <a:p>
             <a:fld id="{72459E79-B3EA-453E-BDBA-60E25D7173B4}" type="slidenum">
               <a:rPr lang="en-US" smtClean="0"/>
-              <a:t>18</a:t>
+              <a:t>17</a:t>
             </a:fld>
             <a:endParaRPr lang="en-US"/>
           </a:p>
@@ -1865,7 +1866,7 @@
     </p:spTree>
     <p:extLst>
       <p:ext uri="{BB962C8B-B14F-4D97-AF65-F5344CB8AC3E}">
-        <p14:creationId xmlns:p14="http://schemas.microsoft.com/office/powerpoint/2010/main" val="3876972131"/>
+        <p14:creationId xmlns:p14="http://schemas.microsoft.com/office/powerpoint/2010/main" val="3867841181"/>
       </p:ext>
     </p:extLst>
   </p:cSld>
@@ -1943,7 +1944,7 @@
           <a:p>
             <a:fld id="{72459E79-B3EA-453E-BDBA-60E25D7173B4}" type="slidenum">
               <a:rPr lang="en-US" smtClean="0"/>
-              <a:t>19</a:t>
+              <a:t>18</a:t>
             </a:fld>
             <a:endParaRPr lang="en-US"/>
           </a:p>
@@ -1952,7 +1953,7 @@
     </p:spTree>
     <p:extLst>
       <p:ext uri="{BB962C8B-B14F-4D97-AF65-F5344CB8AC3E}">
-        <p14:creationId xmlns:p14="http://schemas.microsoft.com/office/powerpoint/2010/main" val="3867841181"/>
+        <p14:creationId xmlns:p14="http://schemas.microsoft.com/office/powerpoint/2010/main" val="328829507"/>
       </p:ext>
     </p:extLst>
   </p:cSld>
@@ -2096,7 +2097,7 @@
           <a:p>
             <a:fld id="{04C01D68-98F0-4413-A543-950947CC53F4}" type="datetime1">
               <a:rPr lang="en-US" smtClean="0"/>
-              <a:t>1/19/2022</a:t>
+              <a:t>2/4/2022</a:t>
             </a:fld>
             <a:endParaRPr lang="en-US"/>
           </a:p>
@@ -2253,7 +2254,7 @@
           <a:p>
             <a:fld id="{F5166586-FB24-4278-9591-82C4BBCDCA89}" type="datetime1">
               <a:rPr lang="en-US" smtClean="0"/>
-              <a:t>1/19/2022</a:t>
+              <a:t>2/4/2022</a:t>
             </a:fld>
             <a:endParaRPr lang="en-US"/>
           </a:p>
@@ -2447,7 +2448,7 @@
           <a:p>
             <a:fld id="{D5A5CA0D-3537-42D6-B0CE-3FBC0D012150}" type="datetime1">
               <a:rPr lang="en-US" smtClean="0"/>
-              <a:t>1/19/2022</a:t>
+              <a:t>2/4/2022</a:t>
             </a:fld>
             <a:endParaRPr lang="en-US"/>
           </a:p>
@@ -3502,7 +3503,7 @@
           <a:p>
             <a:fld id="{FDB3EDF1-F613-4DA2-A80A-754A6940B2FC}" type="datetime1">
               <a:rPr lang="en-US" smtClean="0"/>
-              <a:t>1/19/2022</a:t>
+              <a:t>2/4/2022</a:t>
             </a:fld>
             <a:endParaRPr lang="en-US"/>
           </a:p>
@@ -3747,7 +3748,7 @@
           <a:p>
             <a:fld id="{FD3B0033-72B4-4535-88FF-3AD028C99723}" type="datetime1">
               <a:rPr lang="en-US" smtClean="0"/>
-              <a:t>1/19/2022</a:t>
+              <a:t>2/4/2022</a:t>
             </a:fld>
             <a:endParaRPr lang="en-US"/>
           </a:p>
@@ -4127,7 +4128,7 @@
           <a:p>
             <a:fld id="{96B2EC89-E834-484E-B15B-8A782CBE7E42}" type="datetime1">
               <a:rPr lang="en-US" smtClean="0"/>
-              <a:t>1/19/2022</a:t>
+              <a:t>2/4/2022</a:t>
             </a:fld>
             <a:endParaRPr lang="en-US"/>
           </a:p>
@@ -4260,7 +4261,7 @@
           <a:p>
             <a:fld id="{B0BFDB64-FBD6-4851-B5A5-2376FDD55407}" type="datetime1">
               <a:rPr lang="en-US" smtClean="0"/>
-              <a:t>1/19/2022</a:t>
+              <a:t>2/4/2022</a:t>
             </a:fld>
             <a:endParaRPr lang="en-US"/>
           </a:p>
@@ -4371,7 +4372,7 @@
           <a:p>
             <a:fld id="{A796691A-4010-4E41-AAA5-8BA8423BEAFA}" type="datetime1">
               <a:rPr lang="en-US" smtClean="0"/>
-              <a:t>1/19/2022</a:t>
+              <a:t>2/4/2022</a:t>
             </a:fld>
             <a:endParaRPr lang="en-US"/>
           </a:p>
@@ -4662,7 +4663,7 @@
           <a:p>
             <a:fld id="{19A26292-8CED-46F0-BBB1-1BA0D2A33D09}" type="datetime1">
               <a:rPr lang="en-US" smtClean="0"/>
-              <a:t>1/19/2022</a:t>
+              <a:t>2/4/2022</a:t>
             </a:fld>
             <a:endParaRPr lang="en-US"/>
           </a:p>
@@ -4930,7 +4931,7 @@
           <a:p>
             <a:fld id="{961AD9AB-7BFD-44AF-B1FE-05602162B8C3}" type="datetime1">
               <a:rPr lang="en-US" smtClean="0"/>
-              <a:t>1/19/2022</a:t>
+              <a:t>2/4/2022</a:t>
             </a:fld>
             <a:endParaRPr lang="en-US"/>
           </a:p>
@@ -5157,7 +5158,7 @@
           <a:p>
             <a:fld id="{475570EF-A0EC-4C7C-9082-FFE56C4913AF}" type="datetime1">
               <a:rPr lang="en-US" smtClean="0"/>
-              <a:t>1/19/2022</a:t>
+              <a:t>2/4/2022</a:t>
             </a:fld>
             <a:endParaRPr lang="en-US"/>
           </a:p>
@@ -6151,397 +6152,6 @@
             <p:ph type="body" sz="quarter" idx="15"/>
           </p:nvPr>
         </p:nvSpPr>
-        <p:spPr/>
-        <p:txBody>
-          <a:bodyPr/>
-          <a:lstStyle/>
-          <a:p>
-            <a:r>
-              <a:rPr lang="en-US" b="1" dirty="0">
-                <a:latin typeface="Lato Bold"/>
-                <a:cs typeface="Lato Bold"/>
-              </a:rPr>
-              <a:t>Pattern discovery when inputs (x) and outputs (y) are known</a:t>
-            </a:r>
-          </a:p>
-        </p:txBody>
-      </p:sp>
-      <p:sp>
-        <p:nvSpPr>
-          <p:cNvPr id="3" name="Title 2"/>
-          <p:cNvSpPr>
-            <a:spLocks noGrp="1"/>
-          </p:cNvSpPr>
-          <p:nvPr>
-            <p:ph type="title"/>
-          </p:nvPr>
-        </p:nvSpPr>
-        <p:spPr/>
-        <p:txBody>
-          <a:bodyPr/>
-          <a:lstStyle/>
-          <a:p>
-            <a:r>
-              <a:rPr lang="en-US" dirty="0"/>
-              <a:t>Supervised machine learning</a:t>
-            </a:r>
-          </a:p>
-        </p:txBody>
-      </p:sp>
-      <p:cxnSp>
-        <p:nvCxnSpPr>
-          <p:cNvPr id="7" name="Shape 67"/>
-          <p:cNvCxnSpPr/>
-          <p:nvPr/>
-        </p:nvCxnSpPr>
-        <p:spPr>
-          <a:xfrm>
-            <a:off x="4763852" y="3912367"/>
-            <a:ext cx="1396907" cy="0"/>
-          </a:xfrm>
-          <a:prstGeom prst="straightConnector1">
-            <a:avLst/>
-          </a:prstGeom>
-          <a:noFill/>
-          <a:ln w="127000" cap="flat">
-            <a:solidFill>
-              <a:srgbClr val="000000"/>
-            </a:solidFill>
-            <a:prstDash val="solid"/>
-            <a:round/>
-            <a:headEnd type="none" w="lg" len="lg"/>
-            <a:tailEnd type="stealth" w="lg" len="lg"/>
-          </a:ln>
-        </p:spPr>
-      </p:cxnSp>
-      <p:sp>
-        <p:nvSpPr>
-          <p:cNvPr id="23" name="Shape 63"/>
-          <p:cNvSpPr txBox="1"/>
-          <p:nvPr/>
-        </p:nvSpPr>
-        <p:spPr>
-          <a:xfrm>
-            <a:off x="165343" y="3222780"/>
-            <a:ext cx="1908212" cy="830983"/>
-          </a:xfrm>
-          <a:prstGeom prst="rect">
-            <a:avLst/>
-          </a:prstGeom>
-          <a:noFill/>
-          <a:ln>
-            <a:noFill/>
-          </a:ln>
-        </p:spPr>
-        <p:txBody>
-          <a:bodyPr wrap="square" lIns="45713" tIns="45713" rIns="45713" bIns="45713" anchor="ctr" anchorCtr="0">
-            <a:spAutoFit/>
-          </a:bodyPr>
-          <a:lstStyle/>
-          <a:p>
-            <a:pPr algn="ctr"/>
-            <a:r>
-              <a:rPr lang="en" sz="2400" u="sng" dirty="0">
-                <a:solidFill>
-                  <a:schemeClr val="dk1"/>
-                </a:solidFill>
-                <a:latin typeface="Lato Light" panose="020F0502020204030203" pitchFamily="34" charset="0"/>
-                <a:ea typeface="Lato Light" panose="020F0502020204030203" pitchFamily="34" charset="0"/>
-                <a:cs typeface="Lato Light" panose="020F0502020204030203" pitchFamily="34" charset="0"/>
-                <a:sym typeface="Roboto Condensed"/>
-              </a:rPr>
-              <a:t>Input </a:t>
-            </a:r>
-            <a:r>
-              <a:rPr lang="en" sz="2400" i="1" u="sng" dirty="0">
-                <a:solidFill>
-                  <a:schemeClr val="dk1"/>
-                </a:solidFill>
-                <a:latin typeface="Lato Light" panose="020F0502020204030203" pitchFamily="34" charset="0"/>
-                <a:ea typeface="Lato Light" panose="020F0502020204030203" pitchFamily="34" charset="0"/>
-                <a:cs typeface="Lato Light" panose="020F0502020204030203" pitchFamily="34" charset="0"/>
-                <a:sym typeface="Georgia"/>
-              </a:rPr>
-              <a:t>x:</a:t>
-            </a:r>
-          </a:p>
-          <a:p>
-            <a:pPr algn="ctr"/>
-            <a:r>
-              <a:rPr lang="en-US" sz="2400" dirty="0">
-                <a:solidFill>
-                  <a:schemeClr val="dk1"/>
-                </a:solidFill>
-                <a:latin typeface="Lato Light" panose="020F0502020204030203" pitchFamily="34" charset="0"/>
-                <a:ea typeface="Lato Light" panose="020F0502020204030203" pitchFamily="34" charset="0"/>
-                <a:cs typeface="Lato Light" panose="020F0502020204030203" pitchFamily="34" charset="0"/>
-                <a:sym typeface="Roboto Condensed"/>
-              </a:rPr>
-              <a:t>Voter</a:t>
-            </a:r>
-            <a:endParaRPr lang="en" sz="2400" dirty="0">
-              <a:solidFill>
-                <a:schemeClr val="dk1"/>
-              </a:solidFill>
-              <a:latin typeface="Lato Light" panose="020F0502020204030203" pitchFamily="34" charset="0"/>
-              <a:ea typeface="Lato Light" panose="020F0502020204030203" pitchFamily="34" charset="0"/>
-              <a:cs typeface="Lato Light" panose="020F0502020204030203" pitchFamily="34" charset="0"/>
-              <a:sym typeface="Roboto Condensed"/>
-            </a:endParaRPr>
-          </a:p>
-        </p:txBody>
-      </p:sp>
-      <p:sp>
-        <p:nvSpPr>
-          <p:cNvPr id="24" name="Shape 64"/>
-          <p:cNvSpPr txBox="1"/>
-          <p:nvPr/>
-        </p:nvSpPr>
-        <p:spPr>
-          <a:xfrm>
-            <a:off x="9624392" y="3038115"/>
-            <a:ext cx="2124236" cy="1200314"/>
-          </a:xfrm>
-          <a:prstGeom prst="rect">
-            <a:avLst/>
-          </a:prstGeom>
-          <a:noFill/>
-          <a:ln>
-            <a:noFill/>
-          </a:ln>
-        </p:spPr>
-        <p:txBody>
-          <a:bodyPr wrap="square" lIns="45713" tIns="45713" rIns="45713" bIns="45713" anchor="ctr" anchorCtr="0">
-            <a:spAutoFit/>
-          </a:bodyPr>
-          <a:lstStyle/>
-          <a:p>
-            <a:pPr algn="ctr"/>
-            <a:r>
-              <a:rPr lang="en" sz="2400" u="sng" dirty="0">
-                <a:solidFill>
-                  <a:schemeClr val="dk1"/>
-                </a:solidFill>
-                <a:latin typeface="Lato Light" panose="020F0502020204030203" pitchFamily="34" charset="0"/>
-                <a:ea typeface="Lato Light" panose="020F0502020204030203" pitchFamily="34" charset="0"/>
-                <a:cs typeface="Lato Light" panose="020F0502020204030203" pitchFamily="34" charset="0"/>
-                <a:sym typeface="Roboto Condensed"/>
-              </a:rPr>
-              <a:t>Output </a:t>
-            </a:r>
-            <a:r>
-              <a:rPr lang="en" sz="2400" i="1" u="sng" dirty="0">
-                <a:solidFill>
-                  <a:schemeClr val="dk1"/>
-                </a:solidFill>
-                <a:latin typeface="Lato Light" panose="020F0502020204030203" pitchFamily="34" charset="0"/>
-                <a:ea typeface="Lato Light" panose="020F0502020204030203" pitchFamily="34" charset="0"/>
-                <a:cs typeface="Lato Light" panose="020F0502020204030203" pitchFamily="34" charset="0"/>
-                <a:sym typeface="Georgia"/>
-              </a:rPr>
-              <a:t>y:</a:t>
-            </a:r>
-            <a:endParaRPr lang="en" sz="2400" dirty="0">
-              <a:solidFill>
-                <a:schemeClr val="dk1"/>
-              </a:solidFill>
-              <a:latin typeface="Lato Light" panose="020F0502020204030203" pitchFamily="34" charset="0"/>
-              <a:ea typeface="Lato Light" panose="020F0502020204030203" pitchFamily="34" charset="0"/>
-              <a:cs typeface="Lato Light" panose="020F0502020204030203" pitchFamily="34" charset="0"/>
-              <a:sym typeface="Roboto Condensed"/>
-            </a:endParaRPr>
-          </a:p>
-          <a:p>
-            <a:pPr algn="ctr"/>
-            <a:r>
-              <a:rPr lang="en-US" sz="2400" dirty="0">
-                <a:solidFill>
-                  <a:schemeClr val="dk1"/>
-                </a:solidFill>
-                <a:latin typeface="Lato Light" panose="020F0502020204030203" pitchFamily="34" charset="0"/>
-                <a:ea typeface="Lato Light" panose="020F0502020204030203" pitchFamily="34" charset="0"/>
-                <a:cs typeface="Lato Light" panose="020F0502020204030203" pitchFamily="34" charset="0"/>
-                <a:sym typeface="Roboto Condensed"/>
-              </a:rPr>
-              <a:t>Political affiliation</a:t>
-            </a:r>
-            <a:endParaRPr lang="en" sz="2400" dirty="0">
-              <a:solidFill>
-                <a:schemeClr val="dk1"/>
-              </a:solidFill>
-              <a:latin typeface="Lato Light" panose="020F0502020204030203" pitchFamily="34" charset="0"/>
-              <a:ea typeface="Lato Light" panose="020F0502020204030203" pitchFamily="34" charset="0"/>
-              <a:cs typeface="Lato Light" panose="020F0502020204030203" pitchFamily="34" charset="0"/>
-              <a:sym typeface="Georgia"/>
-            </a:endParaRPr>
-          </a:p>
-        </p:txBody>
-      </p:sp>
-      <p:sp>
-        <p:nvSpPr>
-          <p:cNvPr id="25" name="Rectangle 24"/>
-          <p:cNvSpPr/>
-          <p:nvPr/>
-        </p:nvSpPr>
-        <p:spPr>
-          <a:xfrm>
-            <a:off x="623392" y="5481228"/>
-            <a:ext cx="11229716" cy="230832"/>
-          </a:xfrm>
-          <a:prstGeom prst="rect">
-            <a:avLst/>
-          </a:prstGeom>
-        </p:spPr>
-        <p:txBody>
-          <a:bodyPr wrap="square">
-            <a:spAutoFit/>
-          </a:bodyPr>
-          <a:lstStyle/>
-          <a:p>
-            <a:r>
-              <a:rPr lang="en-US" sz="900" u="sng" dirty="0">
-                <a:latin typeface="Lato Light" panose="020F0502020204030203" pitchFamily="34" charset="0"/>
-                <a:ea typeface="Lato Light" panose="020F0502020204030203" pitchFamily="34" charset="0"/>
-                <a:cs typeface="Lato Light" panose="020F0502020204030203" pitchFamily="34" charset="0"/>
-              </a:rPr>
-              <a:t>Examples:</a:t>
-            </a:r>
-            <a:r>
-              <a:rPr lang="en-US" sz="900" dirty="0">
-                <a:latin typeface="Lato Light" panose="020F0502020204030203" pitchFamily="34" charset="0"/>
-                <a:ea typeface="Lato Light" panose="020F0502020204030203" pitchFamily="34" charset="0"/>
-                <a:cs typeface="Lato Light" panose="020F0502020204030203" pitchFamily="34" charset="0"/>
-              </a:rPr>
-              <a:t>  Classification and regression are supervised machine learning </a:t>
-            </a:r>
-            <a:endParaRPr lang="en-US" sz="900" u="sng" dirty="0">
-              <a:latin typeface="Lato Light" panose="020F0502020204030203" pitchFamily="34" charset="0"/>
-              <a:ea typeface="Lato Light" panose="020F0502020204030203" pitchFamily="34" charset="0"/>
-              <a:cs typeface="Lato Light" panose="020F0502020204030203" pitchFamily="34" charset="0"/>
-            </a:endParaRPr>
-          </a:p>
-        </p:txBody>
-      </p:sp>
-      <p:pic>
-        <p:nvPicPr>
-          <p:cNvPr id="4" name="Picture 3"/>
-          <p:cNvPicPr>
-            <a:picLocks noChangeAspect="1"/>
-          </p:cNvPicPr>
-          <p:nvPr/>
-        </p:nvPicPr>
-        <p:blipFill>
-          <a:blip r:embed="rId3"/>
-          <a:stretch>
-            <a:fillRect/>
-          </a:stretch>
-        </p:blipFill>
-        <p:spPr>
-          <a:xfrm>
-            <a:off x="6312024" y="2924944"/>
-            <a:ext cx="3651250" cy="1727200"/>
-          </a:xfrm>
-          <a:prstGeom prst="rect">
-            <a:avLst/>
-          </a:prstGeom>
-        </p:spPr>
-      </p:pic>
-      <p:pic>
-        <p:nvPicPr>
-          <p:cNvPr id="14" name="Picture 13"/>
-          <p:cNvPicPr>
-            <a:picLocks noChangeAspect="1"/>
-          </p:cNvPicPr>
-          <p:nvPr/>
-        </p:nvPicPr>
-        <p:blipFill rotWithShape="1">
-          <a:blip r:embed="rId4"/>
-          <a:srcRect b="12548"/>
-          <a:stretch/>
-        </p:blipFill>
-        <p:spPr>
-          <a:xfrm>
-            <a:off x="2351584" y="3032956"/>
-            <a:ext cx="1800200" cy="1784230"/>
-          </a:xfrm>
-          <a:prstGeom prst="rect">
-            <a:avLst/>
-          </a:prstGeom>
-        </p:spPr>
-      </p:pic>
-      <p:sp>
-        <p:nvSpPr>
-          <p:cNvPr id="13" name="Slide Number Placeholder 2"/>
-          <p:cNvSpPr>
-            <a:spLocks noGrp="1"/>
-          </p:cNvSpPr>
-          <p:nvPr>
-            <p:ph type="sldNum" sz="quarter" idx="4"/>
-          </p:nvPr>
-        </p:nvSpPr>
-        <p:spPr>
-          <a:xfrm>
-            <a:off x="9331106" y="6494594"/>
-            <a:ext cx="2844800" cy="365125"/>
-          </a:xfrm>
-          <a:prstGeom prst="rect">
-            <a:avLst/>
-          </a:prstGeom>
-        </p:spPr>
-        <p:txBody>
-          <a:bodyPr/>
-          <a:lstStyle/>
-          <a:p>
-            <a:pPr algn="r"/>
-            <a:fld id="{A2644288-DBB5-B146-A4C9-3FE617AA0A71}" type="slidenum">
-              <a:rPr lang="en-US"/>
-              <a:pPr algn="r"/>
-              <a:t>10</a:t>
-            </a:fld>
-            <a:endParaRPr lang="en-US" dirty="0"/>
-          </a:p>
-        </p:txBody>
-      </p:sp>
-    </p:spTree>
-    <p:extLst>
-      <p:ext uri="{BB962C8B-B14F-4D97-AF65-F5344CB8AC3E}">
-        <p14:creationId xmlns:p14="http://schemas.microsoft.com/office/powerpoint/2010/main" val="1587074856"/>
-      </p:ext>
-    </p:extLst>
-  </p:cSld>
-  <p:clrMapOvr>
-    <a:masterClrMapping/>
-  </p:clrMapOvr>
-</p:sld>
-</file>
-
-<file path=ppt/slides/slide11.xml><?xml version="1.0" encoding="utf-8"?>
-<p:sld xmlns:a="http://schemas.openxmlformats.org/drawingml/2006/main" xmlns:r="http://schemas.openxmlformats.org/officeDocument/2006/relationships" xmlns:p="http://schemas.openxmlformats.org/presentationml/2006/main">
-  <p:cSld>
-    <p:spTree>
-      <p:nvGrpSpPr>
-        <p:cNvPr id="1" name=""/>
-        <p:cNvGrpSpPr/>
-        <p:nvPr/>
-      </p:nvGrpSpPr>
-      <p:grpSpPr>
-        <a:xfrm>
-          <a:off x="0" y="0"/>
-          <a:ext cx="0" cy="0"/>
-          <a:chOff x="0" y="0"/>
-          <a:chExt cx="0" cy="0"/>
-        </a:xfrm>
-      </p:grpSpPr>
-      <p:sp>
-        <p:nvSpPr>
-          <p:cNvPr id="2" name="Text Placeholder 1"/>
-          <p:cNvSpPr>
-            <a:spLocks noGrp="1"/>
-          </p:cNvSpPr>
-          <p:nvPr>
-            <p:ph type="body" sz="quarter" idx="15"/>
-          </p:nvPr>
-        </p:nvSpPr>
         <p:spPr>
           <a:xfrm>
             <a:off x="695401" y="1700808"/>
@@ -6930,7 +6540,7 @@
             <a:fld id="{A2644288-DBB5-B146-A4C9-3FE617AA0A71}" type="slidenum">
               <a:rPr lang="en-US"/>
               <a:pPr algn="r"/>
-              <a:t>11</a:t>
+              <a:t>10</a:t>
             </a:fld>
             <a:endParaRPr lang="en-US" dirty="0"/>
           </a:p>
@@ -7049,7 +6659,7 @@
 </p:sld>
 </file>
 
-<file path=ppt/slides/slide12.xml><?xml version="1.0" encoding="utf-8"?>
+<file path=ppt/slides/slide11.xml><?xml version="1.0" encoding="utf-8"?>
 <p:sld xmlns:a="http://schemas.openxmlformats.org/drawingml/2006/main" xmlns:r="http://schemas.openxmlformats.org/officeDocument/2006/relationships" xmlns:p="http://schemas.openxmlformats.org/presentationml/2006/main">
   <p:cSld>
     <p:bg>
@@ -7152,7 +6762,7 @@
                   <a:spcPts val="600"/>
                 </a:spcAft>
               </a:pPr>
-              <a:t>12</a:t>
+              <a:t>11</a:t>
             </a:fld>
             <a:endParaRPr lang="en-US" sz="1200">
               <a:solidFill>
@@ -7170,6 +6780,123 @@
     <p:extLst>
       <p:ext uri="{BB962C8B-B14F-4D97-AF65-F5344CB8AC3E}">
         <p14:creationId xmlns:p14="http://schemas.microsoft.com/office/powerpoint/2010/main" val="3454705253"/>
+      </p:ext>
+    </p:extLst>
+  </p:cSld>
+  <p:clrMapOvr>
+    <a:masterClrMapping/>
+  </p:clrMapOvr>
+</p:sld>
+</file>
+
+<file path=ppt/slides/slide12.xml><?xml version="1.0" encoding="utf-8"?>
+<p:sld xmlns:a="http://schemas.openxmlformats.org/drawingml/2006/main" xmlns:r="http://schemas.openxmlformats.org/officeDocument/2006/relationships" xmlns:p="http://schemas.openxmlformats.org/presentationml/2006/main">
+  <p:cSld>
+    <p:spTree>
+      <p:nvGrpSpPr>
+        <p:cNvPr id="1" name=""/>
+        <p:cNvGrpSpPr/>
+        <p:nvPr/>
+      </p:nvGrpSpPr>
+      <p:grpSpPr>
+        <a:xfrm>
+          <a:off x="0" y="0"/>
+          <a:ext cx="0" cy="0"/>
+          <a:chOff x="0" y="0"/>
+          <a:chExt cx="0" cy="0"/>
+        </a:xfrm>
+      </p:grpSpPr>
+      <p:sp>
+        <p:nvSpPr>
+          <p:cNvPr id="4" name="Slide Number Placeholder 3">
+            <a:extLst>
+              <a:ext uri="{FF2B5EF4-FFF2-40B4-BE49-F238E27FC236}">
+                <a16:creationId xmlns:a16="http://schemas.microsoft.com/office/drawing/2014/main" id="{9C9FFE13-F397-4340-AE28-9AE96E56F414}"/>
+              </a:ext>
+            </a:extLst>
+          </p:cNvPr>
+          <p:cNvSpPr>
+            <a:spLocks noGrp="1"/>
+          </p:cNvSpPr>
+          <p:nvPr>
+            <p:ph type="sldNum" sz="quarter" idx="12"/>
+          </p:nvPr>
+        </p:nvSpPr>
+        <p:spPr/>
+        <p:txBody>
+          <a:bodyPr/>
+          <a:lstStyle/>
+          <a:p>
+            <a:fld id="{5ACD0CF0-90CC-9C41-A77B-2776398A8C8B}" type="slidenum">
+              <a:rPr lang="en-US" smtClean="0"/>
+              <a:pPr/>
+              <a:t>12</a:t>
+            </a:fld>
+            <a:endParaRPr lang="en-US"/>
+          </a:p>
+        </p:txBody>
+      </p:sp>
+      <p:sp>
+        <p:nvSpPr>
+          <p:cNvPr id="5" name="Rectangle 4">
+            <a:extLst>
+              <a:ext uri="{FF2B5EF4-FFF2-40B4-BE49-F238E27FC236}">
+                <a16:creationId xmlns:a16="http://schemas.microsoft.com/office/drawing/2014/main" id="{BBD9ADDE-BA09-449C-A1B4-28422D7C76D2}"/>
+              </a:ext>
+            </a:extLst>
+          </p:cNvPr>
+          <p:cNvSpPr/>
+          <p:nvPr/>
+        </p:nvSpPr>
+        <p:spPr>
+          <a:xfrm>
+            <a:off x="1504950" y="2334186"/>
+            <a:ext cx="9315450" cy="1839632"/>
+          </a:xfrm>
+          <a:prstGeom prst="rect">
+            <a:avLst/>
+          </a:prstGeom>
+        </p:spPr>
+        <p:style>
+          <a:lnRef idx="2">
+            <a:schemeClr val="accent1">
+              <a:shade val="50000"/>
+            </a:schemeClr>
+          </a:lnRef>
+          <a:fillRef idx="1">
+            <a:schemeClr val="accent1"/>
+          </a:fillRef>
+          <a:effectRef idx="0">
+            <a:schemeClr val="accent1"/>
+          </a:effectRef>
+          <a:fontRef idx="minor">
+            <a:schemeClr val="lt1"/>
+          </a:fontRef>
+        </p:style>
+        <p:txBody>
+          <a:bodyPr rtlCol="0" anchor="ctr"/>
+          <a:lstStyle/>
+          <a:p>
+            <a:pPr marL="0" indent="0" algn="ctr">
+              <a:buNone/>
+            </a:pPr>
+            <a:r>
+              <a:rPr lang="en-US" sz="3200" b="1" dirty="0">
+                <a:solidFill>
+                  <a:schemeClr val="bg1"/>
+                </a:solidFill>
+                <a:latin typeface="Aharoni" panose="02010803020104030203" pitchFamily="2" charset="-79"/>
+                <a:cs typeface="Aharoni" panose="02010803020104030203" pitchFamily="2" charset="-79"/>
+              </a:rPr>
+              <a:t>Machine Learning is a general use technology what does that mean?</a:t>
+            </a:r>
+          </a:p>
+        </p:txBody>
+      </p:sp>
+    </p:spTree>
+    <p:extLst>
+      <p:ext uri="{BB962C8B-B14F-4D97-AF65-F5344CB8AC3E}">
+        <p14:creationId xmlns:p14="http://schemas.microsoft.com/office/powerpoint/2010/main" val="1367715098"/>
       </p:ext>
     </p:extLst>
   </p:cSld>
@@ -7198,18 +6925,12 @@
       </p:grpSpPr>
       <p:sp>
         <p:nvSpPr>
-          <p:cNvPr id="5" name="Slide Number Placeholder 4">
-            <a:extLst>
-              <a:ext uri="{FF2B5EF4-FFF2-40B4-BE49-F238E27FC236}">
-                <a16:creationId xmlns:a16="http://schemas.microsoft.com/office/drawing/2014/main" id="{40A8C93C-2B59-4D4D-972C-D9811E7A01C8}"/>
-              </a:ext>
-            </a:extLst>
-          </p:cNvPr>
+          <p:cNvPr id="2" name="Title 1"/>
           <p:cNvSpPr>
             <a:spLocks noGrp="1"/>
           </p:cNvSpPr>
           <p:nvPr>
-            <p:ph type="sldNum" sz="quarter" idx="4"/>
+            <p:ph type="title"/>
           </p:nvPr>
         </p:nvSpPr>
         <p:spPr/>
@@ -7217,850 +6938,185 @@
           <a:bodyPr/>
           <a:lstStyle/>
           <a:p>
-            <a:fld id="{A2644288-DBB5-B146-A4C9-3FE617AA0A71}" type="slidenum">
+            <a:r>
+              <a:rPr lang="en-US" dirty="0">
+                <a:solidFill>
+                  <a:srgbClr val="002060"/>
+                </a:solidFill>
+                <a:latin typeface="Times New Roman" panose="02020603050405020304" pitchFamily="18" charset="0"/>
+                <a:cs typeface="Times New Roman" panose="02020603050405020304" pitchFamily="18" charset="0"/>
+              </a:rPr>
+              <a:t>Machine Learning Overview </a:t>
+            </a:r>
+          </a:p>
+        </p:txBody>
+      </p:sp>
+      <p:sp>
+        <p:nvSpPr>
+          <p:cNvPr id="3" name="Content Placeholder 2"/>
+          <p:cNvSpPr>
+            <a:spLocks noGrp="1"/>
+          </p:cNvSpPr>
+          <p:nvPr>
+            <p:ph idx="1"/>
+          </p:nvPr>
+        </p:nvSpPr>
+        <p:spPr>
+          <a:xfrm>
+            <a:off x="-37289" y="761548"/>
+            <a:ext cx="10515600" cy="4890315"/>
+          </a:xfrm>
+        </p:spPr>
+        <p:txBody>
+          <a:bodyPr>
+            <a:normAutofit/>
+          </a:bodyPr>
+          <a:lstStyle/>
+          <a:p>
+            <a:r>
+              <a:rPr lang="en-US" sz="3200" dirty="0">
+                <a:solidFill>
+                  <a:srgbClr val="002060"/>
+                </a:solidFill>
+                <a:latin typeface="Times New Roman" panose="02020603050405020304" pitchFamily="18" charset="0"/>
+                <a:cs typeface="Times New Roman" panose="02020603050405020304" pitchFamily="18" charset="0"/>
+              </a:rPr>
+              <a:t> </a:t>
+            </a:r>
+            <a:r>
+              <a:rPr lang="en-US" dirty="0">
+                <a:solidFill>
+                  <a:srgbClr val="002060"/>
+                </a:solidFill>
+                <a:latin typeface="Times New Roman" panose="02020603050405020304" pitchFamily="18" charset="0"/>
+                <a:cs typeface="Times New Roman" panose="02020603050405020304" pitchFamily="18" charset="0"/>
+              </a:rPr>
+              <a:t>A </a:t>
+            </a:r>
+            <a:r>
+              <a:rPr lang="en-US" b="1" dirty="0">
+                <a:solidFill>
+                  <a:srgbClr val="C00000"/>
+                </a:solidFill>
+                <a:latin typeface="Times New Roman" panose="02020603050405020304" pitchFamily="18" charset="0"/>
+                <a:cs typeface="Times New Roman" panose="02020603050405020304" pitchFamily="18" charset="0"/>
+              </a:rPr>
+              <a:t>general-purpose technology</a:t>
+            </a:r>
+            <a:r>
+              <a:rPr lang="en-US" dirty="0">
+                <a:solidFill>
+                  <a:srgbClr val="C00000"/>
+                </a:solidFill>
+                <a:latin typeface="Times New Roman" panose="02020603050405020304" pitchFamily="18" charset="0"/>
+                <a:cs typeface="Times New Roman" panose="02020603050405020304" pitchFamily="18" charset="0"/>
+              </a:rPr>
+              <a:t> </a:t>
+            </a:r>
+            <a:r>
+              <a:rPr lang="en-US" dirty="0">
+                <a:solidFill>
+                  <a:srgbClr val="002060"/>
+                </a:solidFill>
+                <a:latin typeface="Times New Roman" panose="02020603050405020304" pitchFamily="18" charset="0"/>
+                <a:cs typeface="Times New Roman" panose="02020603050405020304" pitchFamily="18" charset="0"/>
+              </a:rPr>
+              <a:t>or</a:t>
+            </a:r>
+            <a:r>
+              <a:rPr lang="en-US" dirty="0">
+                <a:solidFill>
+                  <a:srgbClr val="C00000"/>
+                </a:solidFill>
+                <a:latin typeface="Times New Roman" panose="02020603050405020304" pitchFamily="18" charset="0"/>
+                <a:cs typeface="Times New Roman" panose="02020603050405020304" pitchFamily="18" charset="0"/>
+              </a:rPr>
+              <a:t> </a:t>
+            </a:r>
+            <a:r>
+              <a:rPr lang="en-US" b="1" dirty="0">
+                <a:solidFill>
+                  <a:srgbClr val="C00000"/>
+                </a:solidFill>
+                <a:latin typeface="Times New Roman" panose="02020603050405020304" pitchFamily="18" charset="0"/>
+                <a:cs typeface="Times New Roman" panose="02020603050405020304" pitchFamily="18" charset="0"/>
+              </a:rPr>
+              <a:t>GPT</a:t>
+            </a:r>
+            <a:r>
+              <a:rPr lang="en-US" dirty="0">
+                <a:solidFill>
+                  <a:srgbClr val="C00000"/>
+                </a:solidFill>
+                <a:latin typeface="Times New Roman" panose="02020603050405020304" pitchFamily="18" charset="0"/>
+                <a:cs typeface="Times New Roman" panose="02020603050405020304" pitchFamily="18" charset="0"/>
+              </a:rPr>
+              <a:t> </a:t>
+            </a:r>
+            <a:r>
+              <a:rPr lang="en-US" dirty="0">
+                <a:solidFill>
+                  <a:srgbClr val="002060"/>
+                </a:solidFill>
+                <a:latin typeface="Times New Roman" panose="02020603050405020304" pitchFamily="18" charset="0"/>
+                <a:cs typeface="Times New Roman" panose="02020603050405020304" pitchFamily="18" charset="0"/>
+              </a:rPr>
+              <a:t>is a term coined to describe a new method of producing and inventing that is important enough to have a protracted aggregate impact.</a:t>
+            </a:r>
+          </a:p>
+          <a:p>
+            <a:pPr marL="0" indent="0">
+              <a:buNone/>
+            </a:pPr>
+            <a:endParaRPr lang="en-US" dirty="0">
+              <a:solidFill>
+                <a:srgbClr val="002060"/>
+              </a:solidFill>
+              <a:latin typeface="Times New Roman" panose="02020603050405020304" pitchFamily="18" charset="0"/>
+              <a:cs typeface="Times New Roman" panose="02020603050405020304" pitchFamily="18" charset="0"/>
+            </a:endParaRPr>
+          </a:p>
+          <a:p>
+            <a:r>
+              <a:rPr lang="en-US" dirty="0">
+                <a:solidFill>
+                  <a:srgbClr val="002060"/>
+                </a:solidFill>
+                <a:latin typeface="Times New Roman" panose="02020603050405020304" pitchFamily="18" charset="0"/>
+                <a:cs typeface="Times New Roman" panose="02020603050405020304" pitchFamily="18" charset="0"/>
+              </a:rPr>
+              <a:t> Similar to electricity or the internet, in that it can be applied across domains and work to improve market outcomes. </a:t>
+            </a:r>
+          </a:p>
+        </p:txBody>
+      </p:sp>
+      <p:sp>
+        <p:nvSpPr>
+          <p:cNvPr id="5" name="Slide Number Placeholder 4"/>
+          <p:cNvSpPr>
+            <a:spLocks noGrp="1"/>
+          </p:cNvSpPr>
+          <p:nvPr>
+            <p:ph type="sldNum" sz="quarter" idx="12"/>
+          </p:nvPr>
+        </p:nvSpPr>
+        <p:spPr/>
+        <p:txBody>
+          <a:bodyPr/>
+          <a:lstStyle/>
+          <a:p>
+            <a:fld id="{5ACD0CF0-90CC-9C41-A77B-2776398A8C8B}" type="slidenum">
               <a:rPr lang="en-US" smtClean="0"/>
-              <a:pPr/>
               <a:t>13</a:t>
             </a:fld>
             <a:endParaRPr lang="en-US" dirty="0"/>
           </a:p>
         </p:txBody>
       </p:sp>
-      <p:sp>
-        <p:nvSpPr>
-          <p:cNvPr id="7" name="Rectangle 3">
-            <a:extLst>
-              <a:ext uri="{FF2B5EF4-FFF2-40B4-BE49-F238E27FC236}">
-                <a16:creationId xmlns:a16="http://schemas.microsoft.com/office/drawing/2014/main" id="{E19A70A2-C308-42AC-B6FE-E0944A34C9B5}"/>
-              </a:ext>
-            </a:extLst>
-          </p:cNvPr>
-          <p:cNvSpPr txBox="1">
-            <a:spLocks noChangeArrowheads="1"/>
-          </p:cNvSpPr>
-          <p:nvPr/>
-        </p:nvSpPr>
-        <p:spPr bwMode="auto">
-          <a:xfrm>
-            <a:off x="1391477" y="1214560"/>
-            <a:ext cx="9144001" cy="5026025"/>
-          </a:xfrm>
-          <a:prstGeom prst="rect">
-            <a:avLst/>
-          </a:prstGeom>
-          <a:solidFill>
-            <a:schemeClr val="bg1"/>
-          </a:solidFill>
-          <a:ln w="9525">
-            <a:noFill/>
-            <a:miter lim="800000"/>
-            <a:headEnd/>
-            <a:tailEnd/>
-          </a:ln>
-        </p:spPr>
-        <p:txBody>
-          <a:bodyPr lIns="91395" tIns="45695" rIns="91395" bIns="45695"/>
-          <a:lstStyle/>
-          <a:p>
-            <a:pPr marL="343309" indent="-343309" defTabSz="913901" eaLnBrk="1" hangingPunct="1">
-              <a:lnSpc>
-                <a:spcPct val="120000"/>
-              </a:lnSpc>
-              <a:spcBef>
-                <a:spcPct val="20000"/>
-              </a:spcBef>
-              <a:buClr>
-                <a:srgbClr val="3333CC"/>
-              </a:buClr>
-              <a:buSzPct val="60000"/>
-              <a:buFont typeface="Wingdings" pitchFamily="2" charset="2"/>
-              <a:buChar char="n"/>
-              <a:defRPr/>
-            </a:pPr>
-            <a:r>
-              <a:rPr lang="en-US" sz="2600" kern="0" dirty="0">
-                <a:solidFill>
-                  <a:schemeClr val="accent1">
-                    <a:lumMod val="50000"/>
-                  </a:schemeClr>
-                </a:solidFill>
-                <a:latin typeface="Tahoma"/>
-              </a:rPr>
-              <a:t>Given  </a:t>
-            </a:r>
-            <a:r>
-              <a:rPr lang="en-US" sz="2600" b="1" i="1" kern="0" dirty="0">
-                <a:solidFill>
-                  <a:schemeClr val="accent1">
-                    <a:lumMod val="50000"/>
-                  </a:schemeClr>
-                </a:solidFill>
-                <a:latin typeface="Tahoma"/>
-              </a:rPr>
-              <a:t>D </a:t>
-            </a:r>
-            <a:r>
-              <a:rPr lang="en-US" sz="2600" kern="0" dirty="0">
-                <a:solidFill>
-                  <a:schemeClr val="accent1">
-                    <a:lumMod val="50000"/>
-                  </a:schemeClr>
-                </a:solidFill>
-                <a:latin typeface="Tahoma"/>
-              </a:rPr>
-              <a:t>:{2,4,10,12,3,11,20,25,30},  and  k=2 clusters</a:t>
-            </a:r>
-          </a:p>
-          <a:p>
-            <a:pPr marL="343309" indent="-343309" defTabSz="913901" eaLnBrk="1" hangingPunct="1">
-              <a:lnSpc>
-                <a:spcPct val="120000"/>
-              </a:lnSpc>
-              <a:spcBef>
-                <a:spcPct val="20000"/>
-              </a:spcBef>
-              <a:buClr>
-                <a:srgbClr val="3333CC"/>
-              </a:buClr>
-              <a:buSzPct val="60000"/>
-              <a:buFont typeface="Wingdings" pitchFamily="2" charset="2"/>
-              <a:buChar char="n"/>
-              <a:defRPr/>
-            </a:pPr>
-            <a:r>
-              <a:rPr lang="en-US" sz="2600" kern="0" dirty="0">
-                <a:solidFill>
-                  <a:schemeClr val="accent1">
-                    <a:lumMod val="50000"/>
-                  </a:schemeClr>
-                </a:solidFill>
-                <a:latin typeface="Tahoma"/>
-              </a:rPr>
-              <a:t>Randomly assign the means:  m</a:t>
-            </a:r>
-            <a:r>
-              <a:rPr lang="en-US" sz="2600" kern="0" baseline="-25000" dirty="0">
-                <a:solidFill>
-                  <a:schemeClr val="accent1">
-                    <a:lumMod val="50000"/>
-                  </a:schemeClr>
-                </a:solidFill>
-                <a:latin typeface="Tahoma"/>
-              </a:rPr>
-              <a:t>1</a:t>
-            </a:r>
-            <a:r>
-              <a:rPr lang="en-US" sz="2600" kern="0" dirty="0">
-                <a:solidFill>
-                  <a:schemeClr val="accent1">
-                    <a:lumMod val="50000"/>
-                  </a:schemeClr>
-                </a:solidFill>
-                <a:latin typeface="Tahoma"/>
-              </a:rPr>
-              <a:t>=3, m</a:t>
-            </a:r>
-            <a:r>
-              <a:rPr lang="en-US" sz="2600" kern="0" baseline="-25000" dirty="0">
-                <a:solidFill>
-                  <a:schemeClr val="accent1">
-                    <a:lumMod val="50000"/>
-                  </a:schemeClr>
-                </a:solidFill>
-                <a:latin typeface="Tahoma"/>
-              </a:rPr>
-              <a:t>2</a:t>
-            </a:r>
-            <a:r>
-              <a:rPr lang="en-US" sz="2600" kern="0" dirty="0">
-                <a:solidFill>
-                  <a:schemeClr val="accent1">
-                    <a:lumMod val="50000"/>
-                  </a:schemeClr>
-                </a:solidFill>
-                <a:latin typeface="Tahoma"/>
-              </a:rPr>
-              <a:t>=4</a:t>
-            </a:r>
-          </a:p>
-          <a:p>
-            <a:pPr marL="343309" indent="-343309" defTabSz="913901" eaLnBrk="1" hangingPunct="1">
-              <a:lnSpc>
-                <a:spcPct val="120000"/>
-              </a:lnSpc>
-              <a:spcBef>
-                <a:spcPct val="20000"/>
-              </a:spcBef>
-              <a:buClr>
-                <a:srgbClr val="3333CC"/>
-              </a:buClr>
-              <a:buSzPct val="60000"/>
-              <a:buFont typeface="Wingdings" pitchFamily="2" charset="2"/>
-              <a:buChar char="n"/>
-              <a:defRPr/>
-            </a:pPr>
-            <a:r>
-              <a:rPr lang="en-US" sz="2500" kern="0" dirty="0">
-                <a:solidFill>
-                  <a:schemeClr val="accent1">
-                    <a:lumMod val="50000"/>
-                  </a:schemeClr>
-                </a:solidFill>
-                <a:latin typeface="Tahoma"/>
-              </a:rPr>
-              <a:t>K</a:t>
-            </a:r>
-            <a:r>
-              <a:rPr lang="en-US" sz="2500" kern="0" baseline="-25000" dirty="0">
-                <a:solidFill>
-                  <a:schemeClr val="accent1">
-                    <a:lumMod val="50000"/>
-                  </a:schemeClr>
-                </a:solidFill>
-                <a:latin typeface="Tahoma"/>
-              </a:rPr>
-              <a:t>1</a:t>
-            </a:r>
-            <a:r>
-              <a:rPr lang="en-US" sz="2500" kern="0" dirty="0">
-                <a:solidFill>
-                  <a:schemeClr val="accent1">
-                    <a:lumMod val="50000"/>
-                  </a:schemeClr>
-                </a:solidFill>
-                <a:latin typeface="Tahoma"/>
-              </a:rPr>
-              <a:t>={2,3}, K</a:t>
-            </a:r>
-            <a:r>
-              <a:rPr lang="en-US" sz="2500" kern="0" baseline="-25000" dirty="0">
-                <a:solidFill>
-                  <a:schemeClr val="accent1">
-                    <a:lumMod val="50000"/>
-                  </a:schemeClr>
-                </a:solidFill>
-                <a:latin typeface="Tahoma"/>
-              </a:rPr>
-              <a:t>2</a:t>
-            </a:r>
-            <a:r>
-              <a:rPr lang="en-US" sz="2500" kern="0" dirty="0">
-                <a:solidFill>
-                  <a:schemeClr val="accent1">
-                    <a:lumMod val="50000"/>
-                  </a:schemeClr>
-                </a:solidFill>
-                <a:latin typeface="Tahoma"/>
-              </a:rPr>
-              <a:t>={4,10,12,11,20,25,30}, m</a:t>
-            </a:r>
-            <a:r>
-              <a:rPr lang="en-US" sz="2500" kern="0" baseline="-25000" dirty="0">
-                <a:solidFill>
-                  <a:schemeClr val="accent1">
-                    <a:lumMod val="50000"/>
-                  </a:schemeClr>
-                </a:solidFill>
-                <a:latin typeface="Tahoma"/>
-              </a:rPr>
-              <a:t>1</a:t>
-            </a:r>
-            <a:r>
-              <a:rPr lang="en-US" sz="2500" kern="0" dirty="0">
-                <a:solidFill>
-                  <a:schemeClr val="accent1">
-                    <a:lumMod val="50000"/>
-                  </a:schemeClr>
-                </a:solidFill>
-                <a:latin typeface="Tahoma"/>
-              </a:rPr>
-              <a:t>=2.5, m</a:t>
-            </a:r>
-            <a:r>
-              <a:rPr lang="en-US" sz="2500" kern="0" baseline="-25000" dirty="0">
-                <a:solidFill>
-                  <a:schemeClr val="accent1">
-                    <a:lumMod val="50000"/>
-                  </a:schemeClr>
-                </a:solidFill>
-                <a:latin typeface="Tahoma"/>
-              </a:rPr>
-              <a:t>2</a:t>
-            </a:r>
-            <a:r>
-              <a:rPr lang="en-US" sz="2500" kern="0" dirty="0">
-                <a:solidFill>
-                  <a:schemeClr val="accent1">
-                    <a:lumMod val="50000"/>
-                  </a:schemeClr>
-                </a:solidFill>
-                <a:latin typeface="Tahoma"/>
-              </a:rPr>
-              <a:t>=16</a:t>
-            </a:r>
-          </a:p>
-          <a:p>
-            <a:pPr marL="343309" indent="-343309" defTabSz="913901" eaLnBrk="1" hangingPunct="1">
-              <a:lnSpc>
-                <a:spcPct val="120000"/>
-              </a:lnSpc>
-              <a:spcBef>
-                <a:spcPct val="20000"/>
-              </a:spcBef>
-              <a:buClr>
-                <a:srgbClr val="3333CC"/>
-              </a:buClr>
-              <a:buSzPct val="60000"/>
-              <a:buFont typeface="Wingdings" pitchFamily="2" charset="2"/>
-              <a:buChar char="n"/>
-              <a:defRPr/>
-            </a:pPr>
-            <a:r>
-              <a:rPr lang="en-US" sz="2500" kern="0" dirty="0">
-                <a:solidFill>
-                  <a:schemeClr val="accent1">
-                    <a:lumMod val="50000"/>
-                  </a:schemeClr>
-                </a:solidFill>
-                <a:latin typeface="Tahoma"/>
-              </a:rPr>
-              <a:t>K</a:t>
-            </a:r>
-            <a:r>
-              <a:rPr lang="en-US" sz="2500" kern="0" baseline="-25000" dirty="0">
-                <a:solidFill>
-                  <a:schemeClr val="accent1">
-                    <a:lumMod val="50000"/>
-                  </a:schemeClr>
-                </a:solidFill>
-                <a:latin typeface="Tahoma"/>
-              </a:rPr>
-              <a:t>1</a:t>
-            </a:r>
-            <a:r>
-              <a:rPr lang="en-US" sz="2500" kern="0" dirty="0">
-                <a:solidFill>
-                  <a:schemeClr val="accent1">
-                    <a:lumMod val="50000"/>
-                  </a:schemeClr>
-                </a:solidFill>
-                <a:latin typeface="Tahoma"/>
-              </a:rPr>
-              <a:t>={2,3,4}, K</a:t>
-            </a:r>
-            <a:r>
-              <a:rPr lang="en-US" sz="2500" kern="0" baseline="-25000" dirty="0">
-                <a:solidFill>
-                  <a:schemeClr val="accent1">
-                    <a:lumMod val="50000"/>
-                  </a:schemeClr>
-                </a:solidFill>
-                <a:latin typeface="Tahoma"/>
-              </a:rPr>
-              <a:t>2</a:t>
-            </a:r>
-            <a:r>
-              <a:rPr lang="en-US" sz="2500" kern="0" dirty="0">
-                <a:solidFill>
-                  <a:schemeClr val="accent1">
-                    <a:lumMod val="50000"/>
-                  </a:schemeClr>
-                </a:solidFill>
-                <a:latin typeface="Tahoma"/>
-              </a:rPr>
-              <a:t>={10,12,11,20,25,30}, m</a:t>
-            </a:r>
-            <a:r>
-              <a:rPr lang="en-US" sz="2500" kern="0" baseline="-25000" dirty="0">
-                <a:solidFill>
-                  <a:schemeClr val="accent1">
-                    <a:lumMod val="50000"/>
-                  </a:schemeClr>
-                </a:solidFill>
-                <a:latin typeface="Tahoma"/>
-              </a:rPr>
-              <a:t>1</a:t>
-            </a:r>
-            <a:r>
-              <a:rPr lang="en-US" sz="2500" kern="0" dirty="0">
-                <a:solidFill>
-                  <a:schemeClr val="accent1">
-                    <a:lumMod val="50000"/>
-                  </a:schemeClr>
-                </a:solidFill>
-                <a:latin typeface="Tahoma"/>
-              </a:rPr>
-              <a:t>=3, m</a:t>
-            </a:r>
-            <a:r>
-              <a:rPr lang="en-US" sz="2500" kern="0" baseline="-25000" dirty="0">
-                <a:solidFill>
-                  <a:schemeClr val="accent1">
-                    <a:lumMod val="50000"/>
-                  </a:schemeClr>
-                </a:solidFill>
-                <a:latin typeface="Tahoma"/>
-              </a:rPr>
-              <a:t>2</a:t>
-            </a:r>
-            <a:r>
-              <a:rPr lang="en-US" sz="2500" kern="0" dirty="0">
-                <a:solidFill>
-                  <a:schemeClr val="accent1">
-                    <a:lumMod val="50000"/>
-                  </a:schemeClr>
-                </a:solidFill>
-                <a:latin typeface="Tahoma"/>
-              </a:rPr>
-              <a:t>=18</a:t>
-            </a:r>
-          </a:p>
-          <a:p>
-            <a:pPr marL="343309" indent="-343309" defTabSz="913901" eaLnBrk="1" hangingPunct="1">
-              <a:lnSpc>
-                <a:spcPct val="120000"/>
-              </a:lnSpc>
-              <a:spcBef>
-                <a:spcPct val="20000"/>
-              </a:spcBef>
-              <a:buClr>
-                <a:srgbClr val="3333CC"/>
-              </a:buClr>
-              <a:buSzPct val="60000"/>
-              <a:buFont typeface="Wingdings" pitchFamily="2" charset="2"/>
-              <a:buChar char="n"/>
-              <a:defRPr/>
-            </a:pPr>
-            <a:r>
-              <a:rPr lang="en-US" sz="2500" kern="0" dirty="0">
-                <a:solidFill>
-                  <a:schemeClr val="accent1">
-                    <a:lumMod val="50000"/>
-                  </a:schemeClr>
-                </a:solidFill>
-                <a:latin typeface="Tahoma"/>
-              </a:rPr>
-              <a:t>K</a:t>
-            </a:r>
-            <a:r>
-              <a:rPr lang="en-US" sz="2500" kern="0" baseline="-25000" dirty="0">
-                <a:solidFill>
-                  <a:schemeClr val="accent1">
-                    <a:lumMod val="50000"/>
-                  </a:schemeClr>
-                </a:solidFill>
-                <a:latin typeface="Tahoma"/>
-              </a:rPr>
-              <a:t>1</a:t>
-            </a:r>
-            <a:r>
-              <a:rPr lang="en-US" sz="2500" kern="0" dirty="0">
-                <a:solidFill>
-                  <a:schemeClr val="accent1">
-                    <a:lumMod val="50000"/>
-                  </a:schemeClr>
-                </a:solidFill>
-                <a:latin typeface="Tahoma"/>
-              </a:rPr>
-              <a:t>={2,3,4,10}, K</a:t>
-            </a:r>
-            <a:r>
-              <a:rPr lang="en-US" sz="2500" kern="0" baseline="-25000" dirty="0">
-                <a:solidFill>
-                  <a:schemeClr val="accent1">
-                    <a:lumMod val="50000"/>
-                  </a:schemeClr>
-                </a:solidFill>
-                <a:latin typeface="Tahoma"/>
-              </a:rPr>
-              <a:t>2</a:t>
-            </a:r>
-            <a:r>
-              <a:rPr lang="en-US" sz="2500" kern="0" dirty="0">
-                <a:solidFill>
-                  <a:schemeClr val="accent1">
-                    <a:lumMod val="50000"/>
-                  </a:schemeClr>
-                </a:solidFill>
-                <a:latin typeface="Tahoma"/>
-              </a:rPr>
-              <a:t>={12,11,20,25,30}, m</a:t>
-            </a:r>
-            <a:r>
-              <a:rPr lang="en-US" sz="2500" kern="0" baseline="-25000" dirty="0">
-                <a:solidFill>
-                  <a:schemeClr val="accent1">
-                    <a:lumMod val="50000"/>
-                  </a:schemeClr>
-                </a:solidFill>
-                <a:latin typeface="Tahoma"/>
-              </a:rPr>
-              <a:t>1</a:t>
-            </a:r>
-            <a:r>
-              <a:rPr lang="en-US" sz="2500" kern="0" dirty="0">
-                <a:solidFill>
-                  <a:schemeClr val="accent1">
-                    <a:lumMod val="50000"/>
-                  </a:schemeClr>
-                </a:solidFill>
-                <a:latin typeface="Tahoma"/>
-              </a:rPr>
-              <a:t>=4.75, m</a:t>
-            </a:r>
-            <a:r>
-              <a:rPr lang="en-US" sz="2500" kern="0" baseline="-25000" dirty="0">
-                <a:solidFill>
-                  <a:schemeClr val="accent1">
-                    <a:lumMod val="50000"/>
-                  </a:schemeClr>
-                </a:solidFill>
-                <a:latin typeface="Tahoma"/>
-              </a:rPr>
-              <a:t>2</a:t>
-            </a:r>
-            <a:r>
-              <a:rPr lang="en-US" sz="2500" kern="0" dirty="0">
-                <a:solidFill>
-                  <a:schemeClr val="accent1">
-                    <a:lumMod val="50000"/>
-                  </a:schemeClr>
-                </a:solidFill>
-                <a:latin typeface="Tahoma"/>
-              </a:rPr>
-              <a:t>=19.6</a:t>
-            </a:r>
-          </a:p>
-          <a:p>
-            <a:pPr marL="343309" indent="-343309" defTabSz="913901" eaLnBrk="1" hangingPunct="1">
-              <a:lnSpc>
-                <a:spcPct val="120000"/>
-              </a:lnSpc>
-              <a:spcBef>
-                <a:spcPct val="20000"/>
-              </a:spcBef>
-              <a:buClr>
-                <a:srgbClr val="3333CC"/>
-              </a:buClr>
-              <a:buSzPct val="60000"/>
-              <a:buFont typeface="Wingdings" pitchFamily="2" charset="2"/>
-              <a:buChar char="n"/>
-              <a:defRPr/>
-            </a:pPr>
-            <a:r>
-              <a:rPr lang="en-US" sz="2500" kern="0" dirty="0">
-                <a:solidFill>
-                  <a:schemeClr val="accent1">
-                    <a:lumMod val="50000"/>
-                  </a:schemeClr>
-                </a:solidFill>
-                <a:latin typeface="Tahoma"/>
-              </a:rPr>
-              <a:t>K</a:t>
-            </a:r>
-            <a:r>
-              <a:rPr lang="en-US" sz="2500" kern="0" baseline="-25000" dirty="0">
-                <a:solidFill>
-                  <a:schemeClr val="accent1">
-                    <a:lumMod val="50000"/>
-                  </a:schemeClr>
-                </a:solidFill>
-                <a:latin typeface="Tahoma"/>
-              </a:rPr>
-              <a:t>1</a:t>
-            </a:r>
-            <a:r>
-              <a:rPr lang="en-US" sz="2500" kern="0" dirty="0">
-                <a:solidFill>
-                  <a:schemeClr val="accent1">
-                    <a:lumMod val="50000"/>
-                  </a:schemeClr>
-                </a:solidFill>
-                <a:latin typeface="Tahoma"/>
-              </a:rPr>
-              <a:t>={2,3,4,10,11,12}, K</a:t>
-            </a:r>
-            <a:r>
-              <a:rPr lang="en-US" sz="2500" kern="0" baseline="-25000" dirty="0">
-                <a:solidFill>
-                  <a:schemeClr val="accent1">
-                    <a:lumMod val="50000"/>
-                  </a:schemeClr>
-                </a:solidFill>
-                <a:latin typeface="Tahoma"/>
-              </a:rPr>
-              <a:t>2</a:t>
-            </a:r>
-            <a:r>
-              <a:rPr lang="en-US" sz="2500" kern="0" dirty="0">
-                <a:solidFill>
-                  <a:schemeClr val="accent1">
-                    <a:lumMod val="50000"/>
-                  </a:schemeClr>
-                </a:solidFill>
-                <a:latin typeface="Tahoma"/>
-              </a:rPr>
-              <a:t>={20,25,30}, m</a:t>
-            </a:r>
-            <a:r>
-              <a:rPr lang="en-US" sz="2500" kern="0" baseline="-25000" dirty="0">
-                <a:solidFill>
-                  <a:schemeClr val="accent1">
-                    <a:lumMod val="50000"/>
-                  </a:schemeClr>
-                </a:solidFill>
-                <a:latin typeface="Tahoma"/>
-              </a:rPr>
-              <a:t>1</a:t>
-            </a:r>
-            <a:r>
-              <a:rPr lang="en-US" sz="2500" kern="0" dirty="0">
-                <a:solidFill>
-                  <a:schemeClr val="accent1">
-                    <a:lumMod val="50000"/>
-                  </a:schemeClr>
-                </a:solidFill>
-                <a:latin typeface="Tahoma"/>
-              </a:rPr>
-              <a:t>=7, m</a:t>
-            </a:r>
-            <a:r>
-              <a:rPr lang="en-US" sz="2500" kern="0" baseline="-25000" dirty="0">
-                <a:solidFill>
-                  <a:schemeClr val="accent1">
-                    <a:lumMod val="50000"/>
-                  </a:schemeClr>
-                </a:solidFill>
-                <a:latin typeface="Tahoma"/>
-              </a:rPr>
-              <a:t>2</a:t>
-            </a:r>
-            <a:r>
-              <a:rPr lang="en-US" sz="2500" kern="0" dirty="0">
-                <a:solidFill>
-                  <a:schemeClr val="accent1">
-                    <a:lumMod val="50000"/>
-                  </a:schemeClr>
-                </a:solidFill>
-                <a:latin typeface="Tahoma"/>
-              </a:rPr>
-              <a:t>=25</a:t>
-            </a:r>
-          </a:p>
-          <a:p>
-            <a:pPr marL="343309" indent="-343309" defTabSz="913901" eaLnBrk="1" hangingPunct="1">
-              <a:lnSpc>
-                <a:spcPct val="120000"/>
-              </a:lnSpc>
-              <a:spcBef>
-                <a:spcPct val="20000"/>
-              </a:spcBef>
-              <a:buClr>
-                <a:srgbClr val="3333CC"/>
-              </a:buClr>
-              <a:buSzPct val="60000"/>
-              <a:buFont typeface="Wingdings" pitchFamily="2" charset="2"/>
-              <a:buChar char="n"/>
-              <a:defRPr/>
-            </a:pPr>
-            <a:r>
-              <a:rPr lang="en-US" sz="2500" kern="0" dirty="0">
-                <a:solidFill>
-                  <a:schemeClr val="accent1">
-                    <a:lumMod val="50000"/>
-                  </a:schemeClr>
-                </a:solidFill>
-                <a:latin typeface="Tahoma"/>
-              </a:rPr>
-              <a:t>K</a:t>
-            </a:r>
-            <a:r>
-              <a:rPr lang="en-US" sz="2500" kern="0" baseline="-25000" dirty="0">
-                <a:solidFill>
-                  <a:schemeClr val="accent1">
-                    <a:lumMod val="50000"/>
-                  </a:schemeClr>
-                </a:solidFill>
-                <a:latin typeface="Tahoma"/>
-              </a:rPr>
-              <a:t>1</a:t>
-            </a:r>
-            <a:r>
-              <a:rPr lang="en-US" sz="2500" kern="0" dirty="0">
-                <a:solidFill>
-                  <a:schemeClr val="accent1">
-                    <a:lumMod val="50000"/>
-                  </a:schemeClr>
-                </a:solidFill>
-                <a:latin typeface="Tahoma"/>
-              </a:rPr>
-              <a:t>={2,3,4,10,11,12}, K</a:t>
-            </a:r>
-            <a:r>
-              <a:rPr lang="en-US" sz="2500" kern="0" baseline="-25000" dirty="0">
-                <a:solidFill>
-                  <a:schemeClr val="accent1">
-                    <a:lumMod val="50000"/>
-                  </a:schemeClr>
-                </a:solidFill>
-                <a:latin typeface="Tahoma"/>
-              </a:rPr>
-              <a:t>2</a:t>
-            </a:r>
-            <a:r>
-              <a:rPr lang="en-US" sz="2500" kern="0" dirty="0">
-                <a:solidFill>
-                  <a:schemeClr val="accent1">
-                    <a:lumMod val="50000"/>
-                  </a:schemeClr>
-                </a:solidFill>
-                <a:latin typeface="Tahoma"/>
-              </a:rPr>
-              <a:t>={20,25,30}, m</a:t>
-            </a:r>
-            <a:r>
-              <a:rPr lang="en-US" sz="2500" kern="0" baseline="-25000" dirty="0">
-                <a:solidFill>
-                  <a:schemeClr val="accent1">
-                    <a:lumMod val="50000"/>
-                  </a:schemeClr>
-                </a:solidFill>
-                <a:latin typeface="Tahoma"/>
-              </a:rPr>
-              <a:t>1</a:t>
-            </a:r>
-            <a:r>
-              <a:rPr lang="en-US" sz="2500" kern="0" dirty="0">
-                <a:solidFill>
-                  <a:schemeClr val="accent1">
-                    <a:lumMod val="50000"/>
-                  </a:schemeClr>
-                </a:solidFill>
-                <a:latin typeface="Tahoma"/>
-              </a:rPr>
-              <a:t>=7, m</a:t>
-            </a:r>
-            <a:r>
-              <a:rPr lang="en-US" sz="2500" kern="0" baseline="-25000" dirty="0">
-                <a:solidFill>
-                  <a:schemeClr val="accent1">
-                    <a:lumMod val="50000"/>
-                  </a:schemeClr>
-                </a:solidFill>
-                <a:latin typeface="Tahoma"/>
-              </a:rPr>
-              <a:t>2</a:t>
-            </a:r>
-            <a:r>
-              <a:rPr lang="en-US" sz="2500" kern="0" dirty="0">
-                <a:solidFill>
-                  <a:schemeClr val="accent1">
-                    <a:lumMod val="50000"/>
-                  </a:schemeClr>
-                </a:solidFill>
-                <a:latin typeface="Tahoma"/>
-              </a:rPr>
-              <a:t>=25</a:t>
-            </a:r>
-          </a:p>
-          <a:p>
-            <a:pPr marL="1142774" lvl="2" indent="-228874" defTabSz="913901" eaLnBrk="1" hangingPunct="1">
-              <a:lnSpc>
-                <a:spcPct val="120000"/>
-              </a:lnSpc>
-              <a:spcBef>
-                <a:spcPct val="20000"/>
-              </a:spcBef>
-              <a:buClr>
-                <a:srgbClr val="3333CC"/>
-              </a:buClr>
-              <a:buSzPct val="50000"/>
-              <a:buFont typeface="Wingdings" pitchFamily="2" charset="2"/>
-              <a:buChar char="n"/>
-              <a:defRPr/>
-            </a:pPr>
-            <a:r>
-              <a:rPr lang="en-US" sz="2800" b="1" kern="0" dirty="0">
-                <a:solidFill>
-                  <a:schemeClr val="accent1">
-                    <a:lumMod val="50000"/>
-                  </a:schemeClr>
-                </a:solidFill>
-                <a:latin typeface="Tahoma"/>
-              </a:rPr>
-              <a:t>Stop</a:t>
-            </a:r>
-            <a:r>
-              <a:rPr lang="en-US" sz="2800" kern="0" dirty="0">
-                <a:solidFill>
-                  <a:schemeClr val="accent1">
-                    <a:lumMod val="50000"/>
-                  </a:schemeClr>
-                </a:solidFill>
-                <a:latin typeface="Tahoma"/>
-              </a:rPr>
-              <a:t>, since the clusters and the means found in all subsequent iterations will be the same</a:t>
-            </a:r>
-            <a:r>
-              <a:rPr lang="en-US" sz="2000" kern="0" dirty="0">
-                <a:solidFill>
-                  <a:schemeClr val="accent1">
-                    <a:lumMod val="50000"/>
-                  </a:schemeClr>
-                </a:solidFill>
-                <a:latin typeface="Tahoma"/>
-              </a:rPr>
-              <a:t>.</a:t>
-            </a:r>
-          </a:p>
-        </p:txBody>
-      </p:sp>
-      <p:sp>
-        <p:nvSpPr>
-          <p:cNvPr id="8" name="TextBox 7">
-            <a:extLst>
-              <a:ext uri="{FF2B5EF4-FFF2-40B4-BE49-F238E27FC236}">
-                <a16:creationId xmlns:a16="http://schemas.microsoft.com/office/drawing/2014/main" id="{CD1A68E6-617C-457A-9AB7-506F513A500E}"/>
-              </a:ext>
-            </a:extLst>
-          </p:cNvPr>
-          <p:cNvSpPr txBox="1"/>
-          <p:nvPr/>
-        </p:nvSpPr>
-        <p:spPr>
-          <a:xfrm>
-            <a:off x="1715247" y="294249"/>
-            <a:ext cx="8669293" cy="646331"/>
-          </a:xfrm>
-          <a:prstGeom prst="rect">
-            <a:avLst/>
-          </a:prstGeom>
-          <a:noFill/>
-        </p:spPr>
-        <p:txBody>
-          <a:bodyPr wrap="square" rtlCol="0">
-            <a:spAutoFit/>
-          </a:bodyPr>
-          <a:lstStyle/>
-          <a:p>
-            <a:pPr algn="ctr"/>
-            <a:r>
-              <a:rPr lang="en-US" sz="3600" dirty="0">
-                <a:solidFill>
-                  <a:schemeClr val="accent1">
-                    <a:lumMod val="50000"/>
-                  </a:schemeClr>
-                </a:solidFill>
-              </a:rPr>
-              <a:t>Example of K-Means, What is Happening?</a:t>
-            </a:r>
-          </a:p>
-        </p:txBody>
-      </p:sp>
     </p:spTree>
     <p:extLst>
       <p:ext uri="{BB962C8B-B14F-4D97-AF65-F5344CB8AC3E}">
-        <p14:creationId xmlns:p14="http://schemas.microsoft.com/office/powerpoint/2010/main" val="1809130840"/>
+        <p14:creationId xmlns:p14="http://schemas.microsoft.com/office/powerpoint/2010/main" val="2683212711"/>
       </p:ext>
     </p:extLst>
   </p:cSld>
@@ -8089,123 +7145,6 @@
       </p:grpSpPr>
       <p:sp>
         <p:nvSpPr>
-          <p:cNvPr id="4" name="Slide Number Placeholder 3">
-            <a:extLst>
-              <a:ext uri="{FF2B5EF4-FFF2-40B4-BE49-F238E27FC236}">
-                <a16:creationId xmlns:a16="http://schemas.microsoft.com/office/drawing/2014/main" id="{9C9FFE13-F397-4340-AE28-9AE96E56F414}"/>
-              </a:ext>
-            </a:extLst>
-          </p:cNvPr>
-          <p:cNvSpPr>
-            <a:spLocks noGrp="1"/>
-          </p:cNvSpPr>
-          <p:nvPr>
-            <p:ph type="sldNum" sz="quarter" idx="12"/>
-          </p:nvPr>
-        </p:nvSpPr>
-        <p:spPr/>
-        <p:txBody>
-          <a:bodyPr/>
-          <a:lstStyle/>
-          <a:p>
-            <a:fld id="{5ACD0CF0-90CC-9C41-A77B-2776398A8C8B}" type="slidenum">
-              <a:rPr lang="en-US" smtClean="0"/>
-              <a:pPr/>
-              <a:t>14</a:t>
-            </a:fld>
-            <a:endParaRPr lang="en-US"/>
-          </a:p>
-        </p:txBody>
-      </p:sp>
-      <p:sp>
-        <p:nvSpPr>
-          <p:cNvPr id="5" name="Rectangle 4">
-            <a:extLst>
-              <a:ext uri="{FF2B5EF4-FFF2-40B4-BE49-F238E27FC236}">
-                <a16:creationId xmlns:a16="http://schemas.microsoft.com/office/drawing/2014/main" id="{BBD9ADDE-BA09-449C-A1B4-28422D7C76D2}"/>
-              </a:ext>
-            </a:extLst>
-          </p:cNvPr>
-          <p:cNvSpPr/>
-          <p:nvPr/>
-        </p:nvSpPr>
-        <p:spPr>
-          <a:xfrm>
-            <a:off x="1504950" y="2334186"/>
-            <a:ext cx="9315450" cy="1839632"/>
-          </a:xfrm>
-          <a:prstGeom prst="rect">
-            <a:avLst/>
-          </a:prstGeom>
-        </p:spPr>
-        <p:style>
-          <a:lnRef idx="2">
-            <a:schemeClr val="accent1">
-              <a:shade val="50000"/>
-            </a:schemeClr>
-          </a:lnRef>
-          <a:fillRef idx="1">
-            <a:schemeClr val="accent1"/>
-          </a:fillRef>
-          <a:effectRef idx="0">
-            <a:schemeClr val="accent1"/>
-          </a:effectRef>
-          <a:fontRef idx="minor">
-            <a:schemeClr val="lt1"/>
-          </a:fontRef>
-        </p:style>
-        <p:txBody>
-          <a:bodyPr rtlCol="0" anchor="ctr"/>
-          <a:lstStyle/>
-          <a:p>
-            <a:pPr marL="0" indent="0" algn="ctr">
-              <a:buNone/>
-            </a:pPr>
-            <a:r>
-              <a:rPr lang="en-US" sz="3200" b="1" dirty="0">
-                <a:solidFill>
-                  <a:schemeClr val="bg1"/>
-                </a:solidFill>
-                <a:latin typeface="Aharoni" panose="02010803020104030203" pitchFamily="2" charset="-79"/>
-                <a:cs typeface="Aharoni" panose="02010803020104030203" pitchFamily="2" charset="-79"/>
-              </a:rPr>
-              <a:t>Machine Learning is a general use technology what does that mean?</a:t>
-            </a:r>
-          </a:p>
-        </p:txBody>
-      </p:sp>
-    </p:spTree>
-    <p:extLst>
-      <p:ext uri="{BB962C8B-B14F-4D97-AF65-F5344CB8AC3E}">
-        <p14:creationId xmlns:p14="http://schemas.microsoft.com/office/powerpoint/2010/main" val="1367715098"/>
-      </p:ext>
-    </p:extLst>
-  </p:cSld>
-  <p:clrMapOvr>
-    <a:masterClrMapping/>
-  </p:clrMapOvr>
-</p:sld>
-</file>
-
-<file path=ppt/slides/slide15.xml><?xml version="1.0" encoding="utf-8"?>
-<p:sld xmlns:a="http://schemas.openxmlformats.org/drawingml/2006/main" xmlns:r="http://schemas.openxmlformats.org/officeDocument/2006/relationships" xmlns:p="http://schemas.openxmlformats.org/presentationml/2006/main">
-  <p:cSld>
-    <p:spTree>
-      <p:nvGrpSpPr>
-        <p:cNvPr id="1" name=""/>
-        <p:cNvGrpSpPr/>
-        <p:nvPr/>
-      </p:nvGrpSpPr>
-      <p:grpSpPr>
-        <a:xfrm>
-          <a:off x="0" y="0"/>
-          <a:ext cx="0" cy="0"/>
-          <a:chOff x="0" y="0"/>
-          <a:chExt cx="0" cy="0"/>
-        </a:xfrm>
-      </p:grpSpPr>
-      <p:sp>
-        <p:nvSpPr>
           <p:cNvPr id="2" name="Title 1"/>
           <p:cNvSpPr>
             <a:spLocks noGrp="1"/>
@@ -8214,7 +7153,12 @@
             <p:ph type="title"/>
           </p:nvPr>
         </p:nvSpPr>
-        <p:spPr/>
+        <p:spPr>
+          <a:xfrm>
+            <a:off x="80554" y="1"/>
+            <a:ext cx="10515600" cy="523874"/>
+          </a:xfrm>
+        </p:spPr>
         <p:txBody>
           <a:bodyPr/>
           <a:lstStyle/>
@@ -8244,8 +7188,8 @@
         </p:nvSpPr>
         <p:spPr>
           <a:xfrm>
-            <a:off x="-37289" y="761548"/>
-            <a:ext cx="10515600" cy="4890315"/>
+            <a:off x="229411" y="731521"/>
+            <a:ext cx="10515600" cy="5734502"/>
           </a:xfrm>
         </p:spPr>
         <p:txBody>
@@ -8254,8 +7198,20 @@
           </a:bodyPr>
           <a:lstStyle/>
           <a:p>
-            <a:r>
-              <a:rPr lang="en-US" sz="3200" dirty="0">
+            <a:pPr marL="0" indent="0">
+              <a:buNone/>
+            </a:pPr>
+            <a:endParaRPr lang="en-US" sz="2000" dirty="0">
+              <a:solidFill>
+                <a:srgbClr val="002060"/>
+              </a:solidFill>
+              <a:latin typeface="Times New Roman" panose="02020603050405020304" pitchFamily="18" charset="0"/>
+              <a:cs typeface="Times New Roman" panose="02020603050405020304" pitchFamily="18" charset="0"/>
+            </a:endParaRPr>
+          </a:p>
+          <a:p>
+            <a:r>
+              <a:rPr lang="en-US" dirty="0">
                 <a:solidFill>
                   <a:srgbClr val="002060"/>
                 </a:solidFill>
@@ -8271,79 +7227,17 @@
                 </a:solidFill>
                 <a:latin typeface="Times New Roman" panose="02020603050405020304" pitchFamily="18" charset="0"/>
                 <a:cs typeface="Times New Roman" panose="02020603050405020304" pitchFamily="18" charset="0"/>
+                <a:hlinkClick r:id="rId2"/>
               </a:rPr>
-              <a:t>A </a:t>
-            </a:r>
-            <a:r>
-              <a:rPr lang="en-US" b="1" dirty="0">
-                <a:solidFill>
-                  <a:srgbClr val="C00000"/>
-                </a:solidFill>
-                <a:latin typeface="Times New Roman" panose="02020603050405020304" pitchFamily="18" charset="0"/>
-                <a:cs typeface="Times New Roman" panose="02020603050405020304" pitchFamily="18" charset="0"/>
-              </a:rPr>
-              <a:t>general-purpose technology</a:t>
-            </a:r>
-            <a:r>
-              <a:rPr lang="en-US" dirty="0">
-                <a:solidFill>
-                  <a:srgbClr val="C00000"/>
-                </a:solidFill>
-                <a:latin typeface="Times New Roman" panose="02020603050405020304" pitchFamily="18" charset="0"/>
-                <a:cs typeface="Times New Roman" panose="02020603050405020304" pitchFamily="18" charset="0"/>
-              </a:rPr>
-              <a:t> </a:t>
-            </a:r>
-            <a:r>
-              <a:rPr lang="en-US" dirty="0">
-                <a:solidFill>
-                  <a:srgbClr val="002060"/>
-                </a:solidFill>
-                <a:latin typeface="Times New Roman" panose="02020603050405020304" pitchFamily="18" charset="0"/>
-                <a:cs typeface="Times New Roman" panose="02020603050405020304" pitchFamily="18" charset="0"/>
-              </a:rPr>
-              <a:t>or</a:t>
-            </a:r>
-            <a:r>
-              <a:rPr lang="en-US" dirty="0">
-                <a:solidFill>
-                  <a:srgbClr val="C00000"/>
-                </a:solidFill>
-                <a:latin typeface="Times New Roman" panose="02020603050405020304" pitchFamily="18" charset="0"/>
-                <a:cs typeface="Times New Roman" panose="02020603050405020304" pitchFamily="18" charset="0"/>
-              </a:rPr>
-              <a:t> </a:t>
-            </a:r>
-            <a:r>
-              <a:rPr lang="en-US" b="1" dirty="0">
-                <a:solidFill>
-                  <a:srgbClr val="C00000"/>
-                </a:solidFill>
-                <a:latin typeface="Times New Roman" panose="02020603050405020304" pitchFamily="18" charset="0"/>
-                <a:cs typeface="Times New Roman" panose="02020603050405020304" pitchFamily="18" charset="0"/>
-              </a:rPr>
-              <a:t>GPT</a:t>
-            </a:r>
-            <a:r>
-              <a:rPr lang="en-US" dirty="0">
-                <a:solidFill>
-                  <a:srgbClr val="C00000"/>
-                </a:solidFill>
-                <a:latin typeface="Times New Roman" panose="02020603050405020304" pitchFamily="18" charset="0"/>
-                <a:cs typeface="Times New Roman" panose="02020603050405020304" pitchFamily="18" charset="0"/>
-              </a:rPr>
-              <a:t> </a:t>
-            </a:r>
-            <a:r>
-              <a:rPr lang="en-US" dirty="0">
-                <a:solidFill>
-                  <a:srgbClr val="002060"/>
-                </a:solidFill>
-                <a:latin typeface="Times New Roman" panose="02020603050405020304" pitchFamily="18" charset="0"/>
-                <a:cs typeface="Times New Roman" panose="02020603050405020304" pitchFamily="18" charset="0"/>
-              </a:rPr>
-              <a:t>is a term coined to describe a new method of producing and inventing that is important enough to have a protracted aggregate impact.</a:t>
-            </a:r>
+              <a:t>Twitter Data Usage</a:t>
+            </a:r>
+            <a:endParaRPr lang="en-US" dirty="0">
+              <a:solidFill>
+                <a:srgbClr val="002060"/>
+              </a:solidFill>
+              <a:latin typeface="Times New Roman" panose="02020603050405020304" pitchFamily="18" charset="0"/>
+              <a:cs typeface="Times New Roman" panose="02020603050405020304" pitchFamily="18" charset="0"/>
+            </a:endParaRPr>
           </a:p>
           <a:p>
             <a:pPr marL="0" indent="0">
@@ -8366,84 +7260,11 @@
                 <a:latin typeface="Times New Roman" panose="02020603050405020304" pitchFamily="18" charset="0"/>
                 <a:cs typeface="Times New Roman" panose="02020603050405020304" pitchFamily="18" charset="0"/>
               </a:rPr>
-              <a:t> Similar to electricity or the internet, in that it can be applied across domains and work to improve market outcomes. </a:t>
-            </a:r>
-          </a:p>
-        </p:txBody>
-      </p:sp>
-      <p:sp>
-        <p:nvSpPr>
-          <p:cNvPr id="5" name="Slide Number Placeholder 4"/>
-          <p:cNvSpPr>
-            <a:spLocks noGrp="1"/>
-          </p:cNvSpPr>
-          <p:nvPr>
-            <p:ph type="sldNum" sz="quarter" idx="12"/>
-          </p:nvPr>
-        </p:nvSpPr>
-        <p:spPr/>
-        <p:txBody>
-          <a:bodyPr/>
-          <a:lstStyle/>
-          <a:p>
-            <a:fld id="{5ACD0CF0-90CC-9C41-A77B-2776398A8C8B}" type="slidenum">
-              <a:rPr lang="en-US" smtClean="0"/>
-              <a:t>15</a:t>
-            </a:fld>
-            <a:endParaRPr lang="en-US" dirty="0"/>
-          </a:p>
-        </p:txBody>
-      </p:sp>
-    </p:spTree>
-    <p:extLst>
-      <p:ext uri="{BB962C8B-B14F-4D97-AF65-F5344CB8AC3E}">
-        <p14:creationId xmlns:p14="http://schemas.microsoft.com/office/powerpoint/2010/main" val="2683212711"/>
-      </p:ext>
-    </p:extLst>
-  </p:cSld>
-  <p:clrMapOvr>
-    <a:masterClrMapping/>
-  </p:clrMapOvr>
-</p:sld>
-</file>
-
-<file path=ppt/slides/slide16.xml><?xml version="1.0" encoding="utf-8"?>
-<p:sld xmlns:a="http://schemas.openxmlformats.org/drawingml/2006/main" xmlns:r="http://schemas.openxmlformats.org/officeDocument/2006/relationships" xmlns:p="http://schemas.openxmlformats.org/presentationml/2006/main">
-  <p:cSld>
-    <p:spTree>
-      <p:nvGrpSpPr>
-        <p:cNvPr id="1" name=""/>
-        <p:cNvGrpSpPr/>
-        <p:nvPr/>
-      </p:nvGrpSpPr>
-      <p:grpSpPr>
-        <a:xfrm>
-          <a:off x="0" y="0"/>
-          <a:ext cx="0" cy="0"/>
-          <a:chOff x="0" y="0"/>
-          <a:chExt cx="0" cy="0"/>
-        </a:xfrm>
-      </p:grpSpPr>
-      <p:sp>
-        <p:nvSpPr>
-          <p:cNvPr id="2" name="Title 1"/>
-          <p:cNvSpPr>
-            <a:spLocks noGrp="1"/>
-          </p:cNvSpPr>
-          <p:nvPr>
-            <p:ph type="title"/>
-          </p:nvPr>
-        </p:nvSpPr>
-        <p:spPr>
-          <a:xfrm>
-            <a:off x="80554" y="1"/>
-            <a:ext cx="10515600" cy="523874"/>
-          </a:xfrm>
-        </p:spPr>
-        <p:txBody>
-          <a:bodyPr/>
-          <a:lstStyle/>
-          <a:p>
+              <a:t> Error rates on ImageNet (10,000 labelled images) have been driven down from 30% in 2010 to less than 3% today. </a:t>
+            </a:r>
+          </a:p>
+          <a:p>
+            <a:pPr lvl="1"/>
             <a:r>
               <a:rPr lang="en-US" dirty="0">
                 <a:solidFill>
@@ -8452,58 +7273,11 @@
                 <a:latin typeface="Times New Roman" panose="02020603050405020304" pitchFamily="18" charset="0"/>
                 <a:cs typeface="Times New Roman" panose="02020603050405020304" pitchFamily="18" charset="0"/>
               </a:rPr>
-              <a:t>Machine Learning Overview </a:t>
-            </a:r>
-          </a:p>
-        </p:txBody>
-      </p:sp>
-      <p:sp>
-        <p:nvSpPr>
-          <p:cNvPr id="3" name="Content Placeholder 2"/>
-          <p:cNvSpPr>
-            <a:spLocks noGrp="1"/>
-          </p:cNvSpPr>
-          <p:nvPr>
-            <p:ph idx="1"/>
-          </p:nvPr>
-        </p:nvSpPr>
-        <p:spPr>
-          <a:xfrm>
-            <a:off x="229411" y="731521"/>
-            <a:ext cx="10515600" cy="5734502"/>
-          </a:xfrm>
-        </p:spPr>
-        <p:txBody>
-          <a:bodyPr>
-            <a:normAutofit/>
-          </a:bodyPr>
-          <a:lstStyle/>
-          <a:p>
-            <a:pPr marL="0" indent="0">
-              <a:buNone/>
-            </a:pPr>
-            <a:endParaRPr lang="en-US" sz="2000" dirty="0">
-              <a:solidFill>
-                <a:srgbClr val="002060"/>
-              </a:solidFill>
-              <a:latin typeface="Times New Roman" panose="02020603050405020304" pitchFamily="18" charset="0"/>
-              <a:cs typeface="Times New Roman" panose="02020603050405020304" pitchFamily="18" charset="0"/>
-            </a:endParaRPr>
-          </a:p>
-          <a:p>
-            <a:r>
-              <a:rPr lang="en-US" dirty="0">
-                <a:solidFill>
-                  <a:srgbClr val="002060"/>
-                </a:solidFill>
-                <a:latin typeface="Times New Roman" panose="02020603050405020304" pitchFamily="18" charset="0"/>
-                <a:cs typeface="Times New Roman" panose="02020603050405020304" pitchFamily="18" charset="0"/>
-              </a:rPr>
-              <a:t> Facebook moved from phrase-based translations to DNNs for roughly 4.5 billion language translations each day</a:t>
-            </a:r>
-          </a:p>
-          <a:p>
-            <a:pPr marL="0" indent="0">
+              <a:t> Below 5% is important why? </a:t>
+            </a:r>
+          </a:p>
+          <a:p>
+            <a:pPr marL="457200" lvl="1" indent="0">
               <a:buNone/>
             </a:pPr>
             <a:endParaRPr lang="en-US" dirty="0">
@@ -8523,20 +7297,7 @@
                 <a:latin typeface="Times New Roman" panose="02020603050405020304" pitchFamily="18" charset="0"/>
                 <a:cs typeface="Times New Roman" panose="02020603050405020304" pitchFamily="18" charset="0"/>
               </a:rPr>
-              <a:t> Error rates on ImageNet (10,000 labelled images) have been driven down from 30% in 2010 to less than 3% today. </a:t>
-            </a:r>
-          </a:p>
-          <a:p>
-            <a:pPr lvl="1"/>
-            <a:r>
-              <a:rPr lang="en-US" dirty="0">
-                <a:solidFill>
-                  <a:srgbClr val="002060"/>
-                </a:solidFill>
-                <a:latin typeface="Times New Roman" panose="02020603050405020304" pitchFamily="18" charset="0"/>
-                <a:cs typeface="Times New Roman" panose="02020603050405020304" pitchFamily="18" charset="0"/>
-              </a:rPr>
-              <a:t> 5% is important because that’s typically the human error rate </a:t>
+              <a:t> Chess: Deep Blue (IBM AI) searched some 200 million positions per second, Kasparov was searching not more than 5–10 positions probably, per second. Yet he played almost at the same level….why?</a:t>
             </a:r>
           </a:p>
         </p:txBody>
@@ -8564,7 +7325,7 @@
                 <a:latin typeface="Times New Roman" panose="02020603050405020304" pitchFamily="18" charset="0"/>
                 <a:cs typeface="Times New Roman" panose="02020603050405020304" pitchFamily="18" charset="0"/>
               </a:rPr>
-              <a:t>16</a:t>
+              <a:t>14</a:t>
             </a:fld>
             <a:endParaRPr lang="en-US" dirty="0">
               <a:solidFill>
@@ -8777,6 +7538,67 @@
                       </p:childTnLst>
                     </p:cTn>
                   </p:par>
+                  <p:par>
+                    <p:cTn id="18" fill="hold">
+                      <p:stCondLst>
+                        <p:cond delay="indefinite"/>
+                      </p:stCondLst>
+                      <p:childTnLst>
+                        <p:par>
+                          <p:cTn id="19" fill="hold">
+                            <p:stCondLst>
+                              <p:cond delay="0"/>
+                            </p:stCondLst>
+                            <p:childTnLst>
+                              <p:par>
+                                <p:cTn id="20" presetID="22" presetClass="entr" presetSubtype="4" fill="hold" nodeType="clickEffect">
+                                  <p:stCondLst>
+                                    <p:cond delay="0"/>
+                                  </p:stCondLst>
+                                  <p:childTnLst>
+                                    <p:set>
+                                      <p:cBhvr>
+                                        <p:cTn id="21" dur="1" fill="hold">
+                                          <p:stCondLst>
+                                            <p:cond delay="0"/>
+                                          </p:stCondLst>
+                                        </p:cTn>
+                                        <p:tgtEl>
+                                          <p:spTgt spid="3">
+                                            <p:txEl>
+                                              <p:pRg st="6" end="6"/>
+                                            </p:txEl>
+                                          </p:spTgt>
+                                        </p:tgtEl>
+                                        <p:attrNameLst>
+                                          <p:attrName>style.visibility</p:attrName>
+                                        </p:attrNameLst>
+                                      </p:cBhvr>
+                                      <p:to>
+                                        <p:strVal val="visible"/>
+                                      </p:to>
+                                    </p:set>
+                                    <p:animEffect transition="in" filter="wipe(down)">
+                                      <p:cBhvr>
+                                        <p:cTn id="22" dur="500"/>
+                                        <p:tgtEl>
+                                          <p:spTgt spid="3">
+                                            <p:txEl>
+                                              <p:pRg st="6" end="6"/>
+                                            </p:txEl>
+                                          </p:spTgt>
+                                        </p:tgtEl>
+                                      </p:cBhvr>
+                                    </p:animEffect>
+                                  </p:childTnLst>
+                                </p:cTn>
+                              </p:par>
+                            </p:childTnLst>
+                          </p:cTn>
+                        </p:par>
+                      </p:childTnLst>
+                    </p:cTn>
+                  </p:par>
                 </p:childTnLst>
               </p:cTn>
               <p:prevCondLst>
@@ -8802,7 +7624,7 @@
 </p:sld>
 </file>
 
-<file path=ppt/slides/slide17.xml><?xml version="1.0" encoding="utf-8"?>
+<file path=ppt/slides/slide15.xml><?xml version="1.0" encoding="utf-8"?>
 <p:sld xmlns:a="http://schemas.openxmlformats.org/drawingml/2006/main" xmlns:r="http://schemas.openxmlformats.org/officeDocument/2006/relationships" xmlns:p="http://schemas.openxmlformats.org/presentationml/2006/main">
   <p:cSld>
     <p:spTree>
@@ -8993,7 +7815,7 @@
                 <a:latin typeface="Times New Roman" panose="02020603050405020304" pitchFamily="18" charset="0"/>
                 <a:cs typeface="Times New Roman" panose="02020603050405020304" pitchFamily="18" charset="0"/>
               </a:rPr>
-              <a:t>17</a:t>
+              <a:t>15</a:t>
             </a:fld>
             <a:endParaRPr lang="en-US" dirty="0">
               <a:latin typeface="Times New Roman" panose="02020603050405020304" pitchFamily="18" charset="0"/>
@@ -9217,7 +8039,7 @@
 </p:sld>
 </file>
 
-<file path=ppt/slides/slide18.xml><?xml version="1.0" encoding="utf-8"?>
+<file path=ppt/slides/slide16.xml><?xml version="1.0" encoding="utf-8"?>
 <p:sld xmlns:a="http://schemas.openxmlformats.org/drawingml/2006/main" xmlns:r="http://schemas.openxmlformats.org/officeDocument/2006/relationships" xmlns:p="http://schemas.openxmlformats.org/presentationml/2006/main">
   <p:cSld>
     <p:spTree>
@@ -9274,8 +8096,8 @@
         </p:nvSpPr>
         <p:spPr>
           <a:xfrm>
-            <a:off x="-37290" y="761548"/>
-            <a:ext cx="12229289" cy="4890315"/>
+            <a:off x="180760" y="770474"/>
+            <a:ext cx="11537628" cy="4890315"/>
           </a:xfrm>
         </p:spPr>
         <p:txBody>
@@ -9444,7 +8266,7 @@
                 <a:latin typeface="Times New Roman" panose="02020603050405020304" pitchFamily="18" charset="0"/>
                 <a:cs typeface="Times New Roman" panose="02020603050405020304" pitchFamily="18" charset="0"/>
               </a:rPr>
-              <a:t>18</a:t>
+              <a:t>16</a:t>
             </a:fld>
             <a:endParaRPr lang="en-US" dirty="0">
               <a:latin typeface="Times New Roman" panose="02020603050405020304" pitchFamily="18" charset="0"/>
@@ -9726,7 +8548,7 @@
 </p:sld>
 </file>
 
-<file path=ppt/slides/slide19.xml><?xml version="1.0" encoding="utf-8"?>
+<file path=ppt/slides/slide17.xml><?xml version="1.0" encoding="utf-8"?>
 <p:sld xmlns:a="http://schemas.openxmlformats.org/drawingml/2006/main" xmlns:r="http://schemas.openxmlformats.org/officeDocument/2006/relationships" xmlns:p="http://schemas.openxmlformats.org/presentationml/2006/main">
   <p:cSld>
     <p:spTree>
@@ -10165,7 +8987,7 @@
                 <a:latin typeface="Times New Roman" panose="02020603050405020304" pitchFamily="18" charset="0"/>
                 <a:cs typeface="Times New Roman" panose="02020603050405020304" pitchFamily="18" charset="0"/>
               </a:rPr>
-              <a:t>19</a:t>
+              <a:t>17</a:t>
             </a:fld>
             <a:endParaRPr lang="en-US" dirty="0">
               <a:solidFill>
@@ -11160,7 +9982,7 @@
 </p:sld>
 </file>
 
-<file path=ppt/slides/slide2.xml><?xml version="1.0" encoding="utf-8"?>
+<file path=ppt/slides/slide18.xml><?xml version="1.0" encoding="utf-8"?>
 <p:sld xmlns:a="http://schemas.openxmlformats.org/drawingml/2006/main" xmlns:r="http://schemas.openxmlformats.org/officeDocument/2006/relationships" xmlns:p="http://schemas.openxmlformats.org/presentationml/2006/main">
   <p:cSld>
     <p:spTree>
@@ -11179,565 +10001,6 @@
       </p:grpSpPr>
       <p:sp>
         <p:nvSpPr>
-          <p:cNvPr id="2" name="Title 2">
-            <a:extLst>
-              <a:ext uri="{FF2B5EF4-FFF2-40B4-BE49-F238E27FC236}">
-                <a16:creationId xmlns:a16="http://schemas.microsoft.com/office/drawing/2014/main" id="{92047E6C-6715-426C-A211-24190871C084}"/>
-              </a:ext>
-            </a:extLst>
-          </p:cNvPr>
-          <p:cNvSpPr>
-            <a:spLocks noGrp="1"/>
-          </p:cNvSpPr>
-          <p:nvPr>
-            <p:ph type="title"/>
-          </p:nvPr>
-        </p:nvSpPr>
-        <p:spPr>
-          <a:xfrm>
-            <a:off x="1026190" y="129415"/>
-            <a:ext cx="10515600" cy="731520"/>
-          </a:xfrm>
-        </p:spPr>
-        <p:txBody>
-          <a:bodyPr/>
-          <a:lstStyle/>
-          <a:p>
-            <a:r>
-              <a:rPr lang="en-US" dirty="0">
-                <a:solidFill>
-                  <a:schemeClr val="accent1">
-                    <a:lumMod val="50000"/>
-                  </a:schemeClr>
-                </a:solidFill>
-                <a:latin typeface="Times New Roman" panose="02020603050405020304" pitchFamily="18" charset="0"/>
-                <a:cs typeface="Times New Roman" panose="02020603050405020304" pitchFamily="18" charset="0"/>
-              </a:rPr>
-              <a:t>Themes</a:t>
-            </a:r>
-          </a:p>
-        </p:txBody>
-      </p:sp>
-      <p:sp>
-        <p:nvSpPr>
-          <p:cNvPr id="3" name="Rectangle 2">
-            <a:extLst>
-              <a:ext uri="{FF2B5EF4-FFF2-40B4-BE49-F238E27FC236}">
-                <a16:creationId xmlns:a16="http://schemas.microsoft.com/office/drawing/2014/main" id="{38208AF5-BD02-48FF-A8F9-588555427821}"/>
-              </a:ext>
-            </a:extLst>
-          </p:cNvPr>
-          <p:cNvSpPr/>
-          <p:nvPr/>
-        </p:nvSpPr>
-        <p:spPr>
-          <a:xfrm>
-            <a:off x="2133601" y="962026"/>
-            <a:ext cx="8434387" cy="947737"/>
-          </a:xfrm>
-          <a:prstGeom prst="rect">
-            <a:avLst/>
-          </a:prstGeom>
-        </p:spPr>
-        <p:style>
-          <a:lnRef idx="2">
-            <a:schemeClr val="accent1">
-              <a:shade val="50000"/>
-            </a:schemeClr>
-          </a:lnRef>
-          <a:fillRef idx="1">
-            <a:schemeClr val="accent1"/>
-          </a:fillRef>
-          <a:effectRef idx="0">
-            <a:schemeClr val="accent1"/>
-          </a:effectRef>
-          <a:fontRef idx="minor">
-            <a:schemeClr val="lt1"/>
-          </a:fontRef>
-        </p:style>
-        <p:txBody>
-          <a:bodyPr rtlCol="0" anchor="ctr"/>
-          <a:lstStyle/>
-          <a:p>
-            <a:pPr algn="ctr"/>
-            <a:r>
-              <a:rPr lang="en-US" sz="3200" b="1" dirty="0">
-                <a:latin typeface="Aharoni" panose="020B0604020202020204" pitchFamily="2" charset="-79"/>
-                <a:cs typeface="Aharoni" panose="020B0604020202020204" pitchFamily="2" charset="-79"/>
-              </a:rPr>
-              <a:t>Machine Learning Lifecycle</a:t>
-            </a:r>
-          </a:p>
-        </p:txBody>
-      </p:sp>
-      <p:sp>
-        <p:nvSpPr>
-          <p:cNvPr id="4" name="Rectangle 3">
-            <a:extLst>
-              <a:ext uri="{FF2B5EF4-FFF2-40B4-BE49-F238E27FC236}">
-                <a16:creationId xmlns:a16="http://schemas.microsoft.com/office/drawing/2014/main" id="{929390F1-1D43-4820-AE12-B85ED7F349A2}"/>
-              </a:ext>
-            </a:extLst>
-          </p:cNvPr>
-          <p:cNvSpPr/>
-          <p:nvPr/>
-        </p:nvSpPr>
-        <p:spPr>
-          <a:xfrm>
-            <a:off x="2133599" y="2633663"/>
-            <a:ext cx="8434387" cy="947737"/>
-          </a:xfrm>
-          <a:prstGeom prst="rect">
-            <a:avLst/>
-          </a:prstGeom>
-        </p:spPr>
-        <p:style>
-          <a:lnRef idx="2">
-            <a:schemeClr val="accent1">
-              <a:shade val="50000"/>
-            </a:schemeClr>
-          </a:lnRef>
-          <a:fillRef idx="1">
-            <a:schemeClr val="accent1"/>
-          </a:fillRef>
-          <a:effectRef idx="0">
-            <a:schemeClr val="accent1"/>
-          </a:effectRef>
-          <a:fontRef idx="minor">
-            <a:schemeClr val="lt1"/>
-          </a:fontRef>
-        </p:style>
-        <p:txBody>
-          <a:bodyPr rtlCol="0" anchor="ctr"/>
-          <a:lstStyle/>
-          <a:p>
-            <a:pPr algn="ctr"/>
-            <a:r>
-              <a:rPr lang="en-US" sz="3200" b="1" dirty="0">
-                <a:latin typeface="Aharoni" panose="020B0604020202020204" pitchFamily="2" charset="-79"/>
-                <a:cs typeface="Aharoni" panose="020B0604020202020204" pitchFamily="2" charset="-79"/>
-              </a:rPr>
-              <a:t>Are you ready for Machine Learning?</a:t>
-            </a:r>
-          </a:p>
-        </p:txBody>
-      </p:sp>
-      <p:sp>
-        <p:nvSpPr>
-          <p:cNvPr id="6" name="Rectangle 5">
-            <a:extLst>
-              <a:ext uri="{FF2B5EF4-FFF2-40B4-BE49-F238E27FC236}">
-                <a16:creationId xmlns:a16="http://schemas.microsoft.com/office/drawing/2014/main" id="{1B678477-FFA9-4D02-A4BE-4691A1FB4479}"/>
-              </a:ext>
-            </a:extLst>
-          </p:cNvPr>
-          <p:cNvSpPr/>
-          <p:nvPr/>
-        </p:nvSpPr>
-        <p:spPr>
-          <a:xfrm>
-            <a:off x="2133599" y="4305300"/>
-            <a:ext cx="8434387" cy="947737"/>
-          </a:xfrm>
-          <a:prstGeom prst="rect">
-            <a:avLst/>
-          </a:prstGeom>
-        </p:spPr>
-        <p:style>
-          <a:lnRef idx="2">
-            <a:schemeClr val="accent1">
-              <a:shade val="50000"/>
-            </a:schemeClr>
-          </a:lnRef>
-          <a:fillRef idx="1">
-            <a:schemeClr val="accent1"/>
-          </a:fillRef>
-          <a:effectRef idx="0">
-            <a:schemeClr val="accent1"/>
-          </a:effectRef>
-          <a:fontRef idx="minor">
-            <a:schemeClr val="lt1"/>
-          </a:fontRef>
-        </p:style>
-        <p:txBody>
-          <a:bodyPr rtlCol="0" anchor="ctr"/>
-          <a:lstStyle/>
-          <a:p>
-            <a:pPr algn="ctr"/>
-            <a:r>
-              <a:rPr lang="en-US" sz="3200" b="1" dirty="0">
-                <a:latin typeface="Aharoni" panose="020B0604020202020204" pitchFamily="2" charset="-79"/>
-                <a:cs typeface="Aharoni" panose="020B0604020202020204" pitchFamily="2" charset="-79"/>
-              </a:rPr>
-              <a:t>Terms and Phases </a:t>
-            </a:r>
-          </a:p>
-        </p:txBody>
-      </p:sp>
-    </p:spTree>
-    <p:extLst>
-      <p:ext uri="{BB962C8B-B14F-4D97-AF65-F5344CB8AC3E}">
-        <p14:creationId xmlns:p14="http://schemas.microsoft.com/office/powerpoint/2010/main" val="1421763699"/>
-      </p:ext>
-    </p:extLst>
-  </p:cSld>
-  <p:clrMapOvr>
-    <a:masterClrMapping/>
-  </p:clrMapOvr>
-  <p:timing>
-    <p:tnLst>
-      <p:par>
-        <p:cTn id="1" dur="indefinite" restart="never" nodeType="tmRoot">
-          <p:childTnLst>
-            <p:seq concurrent="1" nextAc="seek">
-              <p:cTn id="2" dur="indefinite" nodeType="mainSeq">
-                <p:childTnLst>
-                  <p:par>
-                    <p:cTn id="3" fill="hold">
-                      <p:stCondLst>
-                        <p:cond delay="indefinite"/>
-                      </p:stCondLst>
-                      <p:childTnLst>
-                        <p:par>
-                          <p:cTn id="4" fill="hold">
-                            <p:stCondLst>
-                              <p:cond delay="0"/>
-                            </p:stCondLst>
-                            <p:childTnLst>
-                              <p:par>
-                                <p:cTn id="5" presetID="42" presetClass="entr" presetSubtype="0" fill="hold" grpId="0" nodeType="clickEffect">
-                                  <p:stCondLst>
-                                    <p:cond delay="0"/>
-                                  </p:stCondLst>
-                                  <p:childTnLst>
-                                    <p:set>
-                                      <p:cBhvr>
-                                        <p:cTn id="6" dur="1" fill="hold">
-                                          <p:stCondLst>
-                                            <p:cond delay="0"/>
-                                          </p:stCondLst>
-                                        </p:cTn>
-                                        <p:tgtEl>
-                                          <p:spTgt spid="3"/>
-                                        </p:tgtEl>
-                                        <p:attrNameLst>
-                                          <p:attrName>style.visibility</p:attrName>
-                                        </p:attrNameLst>
-                                      </p:cBhvr>
-                                      <p:to>
-                                        <p:strVal val="visible"/>
-                                      </p:to>
-                                    </p:set>
-                                    <p:animEffect transition="in" filter="fade">
-                                      <p:cBhvr>
-                                        <p:cTn id="7" dur="1000"/>
-                                        <p:tgtEl>
-                                          <p:spTgt spid="3"/>
-                                        </p:tgtEl>
-                                      </p:cBhvr>
-                                    </p:animEffect>
-                                    <p:anim calcmode="lin" valueType="num">
-                                      <p:cBhvr>
-                                        <p:cTn id="8" dur="1000" fill="hold"/>
-                                        <p:tgtEl>
-                                          <p:spTgt spid="3"/>
-                                        </p:tgtEl>
-                                        <p:attrNameLst>
-                                          <p:attrName>ppt_x</p:attrName>
-                                        </p:attrNameLst>
-                                      </p:cBhvr>
-                                      <p:tavLst>
-                                        <p:tav tm="0">
-                                          <p:val>
-                                            <p:strVal val="#ppt_x"/>
-                                          </p:val>
-                                        </p:tav>
-                                        <p:tav tm="100000">
-                                          <p:val>
-                                            <p:strVal val="#ppt_x"/>
-                                          </p:val>
-                                        </p:tav>
-                                      </p:tavLst>
-                                    </p:anim>
-                                    <p:anim calcmode="lin" valueType="num">
-                                      <p:cBhvr>
-                                        <p:cTn id="9" dur="1000" fill="hold"/>
-                                        <p:tgtEl>
-                                          <p:spTgt spid="3"/>
-                                        </p:tgtEl>
-                                        <p:attrNameLst>
-                                          <p:attrName>ppt_y</p:attrName>
-                                        </p:attrNameLst>
-                                      </p:cBhvr>
-                                      <p:tavLst>
-                                        <p:tav tm="0">
-                                          <p:val>
-                                            <p:strVal val="#ppt_y+.1"/>
-                                          </p:val>
-                                        </p:tav>
-                                        <p:tav tm="100000">
-                                          <p:val>
-                                            <p:strVal val="#ppt_y"/>
-                                          </p:val>
-                                        </p:tav>
-                                      </p:tavLst>
-                                    </p:anim>
-                                  </p:childTnLst>
-                                </p:cTn>
-                              </p:par>
-                            </p:childTnLst>
-                          </p:cTn>
-                        </p:par>
-                      </p:childTnLst>
-                    </p:cTn>
-                  </p:par>
-                  <p:par>
-                    <p:cTn id="10" fill="hold">
-                      <p:stCondLst>
-                        <p:cond delay="indefinite"/>
-                      </p:stCondLst>
-                      <p:childTnLst>
-                        <p:par>
-                          <p:cTn id="11" fill="hold">
-                            <p:stCondLst>
-                              <p:cond delay="0"/>
-                            </p:stCondLst>
-                            <p:childTnLst>
-                              <p:par>
-                                <p:cTn id="12" presetID="42" presetClass="entr" presetSubtype="0" fill="hold" grpId="0" nodeType="clickEffect">
-                                  <p:stCondLst>
-                                    <p:cond delay="0"/>
-                                  </p:stCondLst>
-                                  <p:childTnLst>
-                                    <p:set>
-                                      <p:cBhvr>
-                                        <p:cTn id="13" dur="1" fill="hold">
-                                          <p:stCondLst>
-                                            <p:cond delay="0"/>
-                                          </p:stCondLst>
-                                        </p:cTn>
-                                        <p:tgtEl>
-                                          <p:spTgt spid="4"/>
-                                        </p:tgtEl>
-                                        <p:attrNameLst>
-                                          <p:attrName>style.visibility</p:attrName>
-                                        </p:attrNameLst>
-                                      </p:cBhvr>
-                                      <p:to>
-                                        <p:strVal val="visible"/>
-                                      </p:to>
-                                    </p:set>
-                                    <p:animEffect transition="in" filter="fade">
-                                      <p:cBhvr>
-                                        <p:cTn id="14" dur="1000"/>
-                                        <p:tgtEl>
-                                          <p:spTgt spid="4"/>
-                                        </p:tgtEl>
-                                      </p:cBhvr>
-                                    </p:animEffect>
-                                    <p:anim calcmode="lin" valueType="num">
-                                      <p:cBhvr>
-                                        <p:cTn id="15" dur="1000" fill="hold"/>
-                                        <p:tgtEl>
-                                          <p:spTgt spid="4"/>
-                                        </p:tgtEl>
-                                        <p:attrNameLst>
-                                          <p:attrName>ppt_x</p:attrName>
-                                        </p:attrNameLst>
-                                      </p:cBhvr>
-                                      <p:tavLst>
-                                        <p:tav tm="0">
-                                          <p:val>
-                                            <p:strVal val="#ppt_x"/>
-                                          </p:val>
-                                        </p:tav>
-                                        <p:tav tm="100000">
-                                          <p:val>
-                                            <p:strVal val="#ppt_x"/>
-                                          </p:val>
-                                        </p:tav>
-                                      </p:tavLst>
-                                    </p:anim>
-                                    <p:anim calcmode="lin" valueType="num">
-                                      <p:cBhvr>
-                                        <p:cTn id="16" dur="1000" fill="hold"/>
-                                        <p:tgtEl>
-                                          <p:spTgt spid="4"/>
-                                        </p:tgtEl>
-                                        <p:attrNameLst>
-                                          <p:attrName>ppt_y</p:attrName>
-                                        </p:attrNameLst>
-                                      </p:cBhvr>
-                                      <p:tavLst>
-                                        <p:tav tm="0">
-                                          <p:val>
-                                            <p:strVal val="#ppt_y+.1"/>
-                                          </p:val>
-                                        </p:tav>
-                                        <p:tav tm="100000">
-                                          <p:val>
-                                            <p:strVal val="#ppt_y"/>
-                                          </p:val>
-                                        </p:tav>
-                                      </p:tavLst>
-                                    </p:anim>
-                                  </p:childTnLst>
-                                </p:cTn>
-                              </p:par>
-                            </p:childTnLst>
-                          </p:cTn>
-                        </p:par>
-                      </p:childTnLst>
-                    </p:cTn>
-                  </p:par>
-                  <p:par>
-                    <p:cTn id="17" fill="hold">
-                      <p:stCondLst>
-                        <p:cond delay="indefinite"/>
-                      </p:stCondLst>
-                      <p:childTnLst>
-                        <p:par>
-                          <p:cTn id="18" fill="hold">
-                            <p:stCondLst>
-                              <p:cond delay="0"/>
-                            </p:stCondLst>
-                            <p:childTnLst>
-                              <p:par>
-                                <p:cTn id="19" presetID="42" presetClass="entr" presetSubtype="0" fill="hold" grpId="0" nodeType="clickEffect">
-                                  <p:stCondLst>
-                                    <p:cond delay="0"/>
-                                  </p:stCondLst>
-                                  <p:childTnLst>
-                                    <p:set>
-                                      <p:cBhvr>
-                                        <p:cTn id="20" dur="1" fill="hold">
-                                          <p:stCondLst>
-                                            <p:cond delay="0"/>
-                                          </p:stCondLst>
-                                        </p:cTn>
-                                        <p:tgtEl>
-                                          <p:spTgt spid="6"/>
-                                        </p:tgtEl>
-                                        <p:attrNameLst>
-                                          <p:attrName>style.visibility</p:attrName>
-                                        </p:attrNameLst>
-                                      </p:cBhvr>
-                                      <p:to>
-                                        <p:strVal val="visible"/>
-                                      </p:to>
-                                    </p:set>
-                                    <p:animEffect transition="in" filter="fade">
-                                      <p:cBhvr>
-                                        <p:cTn id="21" dur="1000"/>
-                                        <p:tgtEl>
-                                          <p:spTgt spid="6"/>
-                                        </p:tgtEl>
-                                      </p:cBhvr>
-                                    </p:animEffect>
-                                    <p:anim calcmode="lin" valueType="num">
-                                      <p:cBhvr>
-                                        <p:cTn id="22" dur="1000" fill="hold"/>
-                                        <p:tgtEl>
-                                          <p:spTgt spid="6"/>
-                                        </p:tgtEl>
-                                        <p:attrNameLst>
-                                          <p:attrName>ppt_x</p:attrName>
-                                        </p:attrNameLst>
-                                      </p:cBhvr>
-                                      <p:tavLst>
-                                        <p:tav tm="0">
-                                          <p:val>
-                                            <p:strVal val="#ppt_x"/>
-                                          </p:val>
-                                        </p:tav>
-                                        <p:tav tm="100000">
-                                          <p:val>
-                                            <p:strVal val="#ppt_x"/>
-                                          </p:val>
-                                        </p:tav>
-                                      </p:tavLst>
-                                    </p:anim>
-                                    <p:anim calcmode="lin" valueType="num">
-                                      <p:cBhvr>
-                                        <p:cTn id="23" dur="1000" fill="hold"/>
-                                        <p:tgtEl>
-                                          <p:spTgt spid="6"/>
-                                        </p:tgtEl>
-                                        <p:attrNameLst>
-                                          <p:attrName>ppt_y</p:attrName>
-                                        </p:attrNameLst>
-                                      </p:cBhvr>
-                                      <p:tavLst>
-                                        <p:tav tm="0">
-                                          <p:val>
-                                            <p:strVal val="#ppt_y+.1"/>
-                                          </p:val>
-                                        </p:tav>
-                                        <p:tav tm="100000">
-                                          <p:val>
-                                            <p:strVal val="#ppt_y"/>
-                                          </p:val>
-                                        </p:tav>
-                                      </p:tavLst>
-                                    </p:anim>
-                                  </p:childTnLst>
-                                </p:cTn>
-                              </p:par>
-                            </p:childTnLst>
-                          </p:cTn>
-                        </p:par>
-                      </p:childTnLst>
-                    </p:cTn>
-                  </p:par>
-                </p:childTnLst>
-              </p:cTn>
-              <p:prevCondLst>
-                <p:cond evt="onPrev" delay="0">
-                  <p:tgtEl>
-                    <p:sldTgt/>
-                  </p:tgtEl>
-                </p:cond>
-              </p:prevCondLst>
-              <p:nextCondLst>
-                <p:cond evt="onNext" delay="0">
-                  <p:tgtEl>
-                    <p:sldTgt/>
-                  </p:tgtEl>
-                </p:cond>
-              </p:nextCondLst>
-            </p:seq>
-          </p:childTnLst>
-        </p:cTn>
-      </p:par>
-    </p:tnLst>
-    <p:bldLst>
-      <p:bldP spid="3" grpId="0" animBg="1"/>
-      <p:bldP spid="4" grpId="0" animBg="1"/>
-      <p:bldP spid="6" grpId="0" animBg="1"/>
-    </p:bldLst>
-  </p:timing>
-</p:sld>
-</file>
-
-<file path=ppt/slides/slide20.xml><?xml version="1.0" encoding="utf-8"?>
-<p:sld xmlns:a="http://schemas.openxmlformats.org/drawingml/2006/main" xmlns:r="http://schemas.openxmlformats.org/officeDocument/2006/relationships" xmlns:p="http://schemas.openxmlformats.org/presentationml/2006/main">
-  <p:cSld>
-    <p:spTree>
-      <p:nvGrpSpPr>
-        <p:cNvPr id="1" name=""/>
-        <p:cNvGrpSpPr/>
-        <p:nvPr/>
-      </p:nvGrpSpPr>
-      <p:grpSpPr>
-        <a:xfrm>
-          <a:off x="0" y="0"/>
-          <a:ext cx="0" cy="0"/>
-          <a:chOff x="0" y="0"/>
-          <a:chExt cx="0" cy="0"/>
-        </a:xfrm>
-      </p:grpSpPr>
-      <p:sp>
-        <p:nvSpPr>
           <p:cNvPr id="2" name="Title 1"/>
           <p:cNvSpPr>
             <a:spLocks noGrp="1"/>
@@ -11910,7 +10173,7 @@
                 <a:latin typeface="Times New Roman" panose="02020603050405020304" pitchFamily="18" charset="0"/>
                 <a:cs typeface="Times New Roman" panose="02020603050405020304" pitchFamily="18" charset="0"/>
               </a:rPr>
-              <a:t>20</a:t>
+              <a:t>18</a:t>
             </a:fld>
             <a:endParaRPr lang="en-US" dirty="0">
               <a:solidFill>
@@ -12426,6 +10689,936 @@
 </p:sld>
 </file>
 
+<file path=ppt/slides/slide19.xml><?xml version="1.0" encoding="utf-8"?>
+<p:sld xmlns:a="http://schemas.openxmlformats.org/drawingml/2006/main" xmlns:r="http://schemas.openxmlformats.org/officeDocument/2006/relationships" xmlns:p="http://schemas.openxmlformats.org/presentationml/2006/main">
+  <p:cSld>
+    <p:spTree>
+      <p:nvGrpSpPr>
+        <p:cNvPr id="1" name=""/>
+        <p:cNvGrpSpPr/>
+        <p:nvPr/>
+      </p:nvGrpSpPr>
+      <p:grpSpPr>
+        <a:xfrm>
+          <a:off x="0" y="0"/>
+          <a:ext cx="0" cy="0"/>
+          <a:chOff x="0" y="0"/>
+          <a:chExt cx="0" cy="0"/>
+        </a:xfrm>
+      </p:grpSpPr>
+      <p:sp>
+        <p:nvSpPr>
+          <p:cNvPr id="2" name="Title 1">
+            <a:extLst>
+              <a:ext uri="{FF2B5EF4-FFF2-40B4-BE49-F238E27FC236}">
+                <a16:creationId xmlns:a16="http://schemas.microsoft.com/office/drawing/2014/main" id="{361DB4EB-4A72-4DA9-ACEE-1D308D3585DF}"/>
+              </a:ext>
+            </a:extLst>
+          </p:cNvPr>
+          <p:cNvSpPr>
+            <a:spLocks noGrp="1"/>
+          </p:cNvSpPr>
+          <p:nvPr>
+            <p:ph type="title"/>
+          </p:nvPr>
+        </p:nvSpPr>
+        <p:spPr>
+          <a:xfrm>
+            <a:off x="80554" y="1"/>
+            <a:ext cx="11968424" cy="731520"/>
+          </a:xfrm>
+        </p:spPr>
+        <p:txBody>
+          <a:bodyPr vert="horz" lIns="91440" tIns="45720" rIns="91440" bIns="45720" rtlCol="0" anchor="ctr">
+            <a:normAutofit/>
+          </a:bodyPr>
+          <a:lstStyle/>
+          <a:p>
+            <a:r>
+              <a:rPr lang="en-US" dirty="0">
+                <a:solidFill>
+                  <a:srgbClr val="002060"/>
+                </a:solidFill>
+                <a:latin typeface="Times New Roman" panose="02020603050405020304" pitchFamily="18" charset="0"/>
+                <a:cs typeface="Times New Roman" panose="02020603050405020304" pitchFamily="18" charset="0"/>
+              </a:rPr>
+              <a:t>How do machines learn?</a:t>
+            </a:r>
+          </a:p>
+        </p:txBody>
+      </p:sp>
+      <p:sp>
+        <p:nvSpPr>
+          <p:cNvPr id="3" name="Content Placeholder 2">
+            <a:extLst>
+              <a:ext uri="{FF2B5EF4-FFF2-40B4-BE49-F238E27FC236}">
+                <a16:creationId xmlns:a16="http://schemas.microsoft.com/office/drawing/2014/main" id="{EF6DA0BD-E586-40D5-8EB2-9E45B5B312CE}"/>
+              </a:ext>
+            </a:extLst>
+          </p:cNvPr>
+          <p:cNvSpPr>
+            <a:spLocks noGrp="1"/>
+          </p:cNvSpPr>
+          <p:nvPr>
+            <p:ph idx="1"/>
+          </p:nvPr>
+        </p:nvSpPr>
+        <p:spPr>
+          <a:xfrm>
+            <a:off x="460382" y="765603"/>
+            <a:ext cx="10515600" cy="4351338"/>
+          </a:xfrm>
+        </p:spPr>
+        <p:txBody>
+          <a:bodyPr>
+            <a:normAutofit/>
+          </a:bodyPr>
+          <a:lstStyle/>
+          <a:p>
+            <a:r>
+              <a:rPr lang="en-US" sz="3200" dirty="0">
+                <a:solidFill>
+                  <a:srgbClr val="002060"/>
+                </a:solidFill>
+                <a:latin typeface="Times New Roman" panose="02020603050405020304" pitchFamily="18" charset="0"/>
+                <a:cs typeface="Times New Roman" panose="02020603050405020304" pitchFamily="18" charset="0"/>
+              </a:rPr>
+              <a:t> The basic machine learning process can be divided into three parts.</a:t>
+            </a:r>
+          </a:p>
+          <a:p>
+            <a:pPr lvl="1"/>
+            <a:r>
+              <a:rPr lang="en-US" sz="2800" dirty="0">
+                <a:solidFill>
+                  <a:srgbClr val="002060"/>
+                </a:solidFill>
+                <a:latin typeface="Times New Roman" panose="02020603050405020304" pitchFamily="18" charset="0"/>
+                <a:cs typeface="Times New Roman" panose="02020603050405020304" pitchFamily="18" charset="0"/>
+              </a:rPr>
+              <a:t> </a:t>
+            </a:r>
+            <a:r>
+              <a:rPr lang="en-US" sz="3200" dirty="0">
+                <a:solidFill>
+                  <a:srgbClr val="002060"/>
+                </a:solidFill>
+                <a:latin typeface="Times New Roman" panose="02020603050405020304" pitchFamily="18" charset="0"/>
+                <a:cs typeface="Times New Roman" panose="02020603050405020304" pitchFamily="18" charset="0"/>
+              </a:rPr>
+              <a:t>Data Input: Past data or information is utilized as a basis for future decision-making</a:t>
+            </a:r>
+          </a:p>
+          <a:p>
+            <a:pPr lvl="1"/>
+            <a:r>
+              <a:rPr lang="en-US" sz="3200" dirty="0">
+                <a:solidFill>
+                  <a:srgbClr val="002060"/>
+                </a:solidFill>
+                <a:latin typeface="Times New Roman" panose="02020603050405020304" pitchFamily="18" charset="0"/>
+                <a:cs typeface="Times New Roman" panose="02020603050405020304" pitchFamily="18" charset="0"/>
+              </a:rPr>
+              <a:t>  Abstraction: The input data is represented in a broader way through the underlying algorithm</a:t>
+            </a:r>
+          </a:p>
+          <a:p>
+            <a:pPr lvl="1"/>
+            <a:r>
+              <a:rPr lang="en-US" sz="3200" dirty="0">
+                <a:solidFill>
+                  <a:srgbClr val="002060"/>
+                </a:solidFill>
+                <a:latin typeface="Times New Roman" panose="02020603050405020304" pitchFamily="18" charset="0"/>
+                <a:cs typeface="Times New Roman" panose="02020603050405020304" pitchFamily="18" charset="0"/>
+              </a:rPr>
+              <a:t>  Generalization: The abstracted representation is generalized to form a framework for making decisions</a:t>
+            </a:r>
+          </a:p>
+          <a:p>
+            <a:pPr>
+              <a:buFont typeface="Wingdings" panose="05000000000000000000" pitchFamily="2" charset="2"/>
+              <a:buChar char="v"/>
+            </a:pPr>
+            <a:endParaRPr lang="en-US" sz="3200" dirty="0"/>
+          </a:p>
+        </p:txBody>
+      </p:sp>
+      <p:sp>
+        <p:nvSpPr>
+          <p:cNvPr id="4" name="Slide Number Placeholder 3">
+            <a:extLst>
+              <a:ext uri="{FF2B5EF4-FFF2-40B4-BE49-F238E27FC236}">
+                <a16:creationId xmlns:a16="http://schemas.microsoft.com/office/drawing/2014/main" id="{53EB977B-F126-4F73-9EA4-D63C7693D85E}"/>
+              </a:ext>
+            </a:extLst>
+          </p:cNvPr>
+          <p:cNvSpPr>
+            <a:spLocks noGrp="1"/>
+          </p:cNvSpPr>
+          <p:nvPr>
+            <p:ph type="sldNum" sz="quarter" idx="12"/>
+          </p:nvPr>
+        </p:nvSpPr>
+        <p:spPr/>
+        <p:txBody>
+          <a:bodyPr/>
+          <a:lstStyle/>
+          <a:p>
+            <a:fld id="{5ACD0CF0-90CC-9C41-A77B-2776398A8C8B}" type="slidenum">
+              <a:rPr lang="en-US" smtClean="0"/>
+              <a:pPr/>
+              <a:t>19</a:t>
+            </a:fld>
+            <a:endParaRPr lang="en-US"/>
+          </a:p>
+        </p:txBody>
+      </p:sp>
+      <p:sp>
+        <p:nvSpPr>
+          <p:cNvPr id="5" name="TextBox 4">
+            <a:extLst>
+              <a:ext uri="{FF2B5EF4-FFF2-40B4-BE49-F238E27FC236}">
+                <a16:creationId xmlns:a16="http://schemas.microsoft.com/office/drawing/2014/main" id="{2F265792-4812-40F4-BBC6-1AD707E36E35}"/>
+              </a:ext>
+            </a:extLst>
+          </p:cNvPr>
+          <p:cNvSpPr txBox="1"/>
+          <p:nvPr/>
+        </p:nvSpPr>
+        <p:spPr>
+          <a:xfrm>
+            <a:off x="253218" y="5791132"/>
+            <a:ext cx="11099409" cy="646331"/>
+          </a:xfrm>
+          <a:prstGeom prst="rect">
+            <a:avLst/>
+          </a:prstGeom>
+          <a:noFill/>
+        </p:spPr>
+        <p:txBody>
+          <a:bodyPr wrap="square" rtlCol="0">
+            <a:spAutoFit/>
+          </a:bodyPr>
+          <a:lstStyle/>
+          <a:p>
+            <a:r>
+              <a:rPr lang="en-US" dirty="0"/>
+              <a:t>(reference Introduction to ML by </a:t>
+            </a:r>
+            <a:r>
+              <a:rPr lang="en-US" dirty="0">
+                <a:hlinkClick r:id="rId2"/>
+              </a:rPr>
+              <a:t>Subramanian </a:t>
+            </a:r>
+            <a:r>
+              <a:rPr lang="en-US" dirty="0" err="1">
+                <a:hlinkClick r:id="rId2"/>
+              </a:rPr>
+              <a:t>Chandramouli</a:t>
+            </a:r>
+            <a:r>
+              <a:rPr lang="en-US" dirty="0"/>
+              <a:t>, </a:t>
+            </a:r>
+            <a:r>
+              <a:rPr lang="en-US" dirty="0" err="1">
+                <a:hlinkClick r:id="rId3"/>
+              </a:rPr>
+              <a:t>Saikat</a:t>
+            </a:r>
+            <a:r>
+              <a:rPr lang="en-US" dirty="0">
+                <a:hlinkClick r:id="rId3"/>
+              </a:rPr>
+              <a:t> </a:t>
+            </a:r>
+            <a:r>
+              <a:rPr lang="en-US" dirty="0" err="1">
+                <a:hlinkClick r:id="rId3"/>
+              </a:rPr>
+              <a:t>Dutt</a:t>
+            </a:r>
+            <a:r>
+              <a:rPr lang="en-US" dirty="0"/>
+              <a:t>, </a:t>
+            </a:r>
+            <a:r>
+              <a:rPr lang="en-US" dirty="0">
+                <a:hlinkClick r:id="rId4"/>
+              </a:rPr>
+              <a:t>Amit Kumar Das</a:t>
+            </a:r>
+            <a:r>
+              <a:rPr lang="en-US" dirty="0"/>
+              <a:t> (https://learning.oreilly.com/library/view/machine-learning/9789389588132/xhtml/chapter001.xhtml#ch1_1)</a:t>
+            </a:r>
+          </a:p>
+        </p:txBody>
+      </p:sp>
+    </p:spTree>
+    <p:extLst>
+      <p:ext uri="{BB962C8B-B14F-4D97-AF65-F5344CB8AC3E}">
+        <p14:creationId xmlns:p14="http://schemas.microsoft.com/office/powerpoint/2010/main" val="1240406095"/>
+      </p:ext>
+    </p:extLst>
+  </p:cSld>
+  <p:clrMapOvr>
+    <a:masterClrMapping/>
+  </p:clrMapOvr>
+</p:sld>
+</file>
+
+<file path=ppt/slides/slide2.xml><?xml version="1.0" encoding="utf-8"?>
+<p:sld xmlns:a="http://schemas.openxmlformats.org/drawingml/2006/main" xmlns:r="http://schemas.openxmlformats.org/officeDocument/2006/relationships" xmlns:p="http://schemas.openxmlformats.org/presentationml/2006/main">
+  <p:cSld>
+    <p:spTree>
+      <p:nvGrpSpPr>
+        <p:cNvPr id="1" name=""/>
+        <p:cNvGrpSpPr/>
+        <p:nvPr/>
+      </p:nvGrpSpPr>
+      <p:grpSpPr>
+        <a:xfrm>
+          <a:off x="0" y="0"/>
+          <a:ext cx="0" cy="0"/>
+          <a:chOff x="0" y="0"/>
+          <a:chExt cx="0" cy="0"/>
+        </a:xfrm>
+      </p:grpSpPr>
+      <p:sp>
+        <p:nvSpPr>
+          <p:cNvPr id="2" name="Title 2">
+            <a:extLst>
+              <a:ext uri="{FF2B5EF4-FFF2-40B4-BE49-F238E27FC236}">
+                <a16:creationId xmlns:a16="http://schemas.microsoft.com/office/drawing/2014/main" id="{92047E6C-6715-426C-A211-24190871C084}"/>
+              </a:ext>
+            </a:extLst>
+          </p:cNvPr>
+          <p:cNvSpPr>
+            <a:spLocks noGrp="1"/>
+          </p:cNvSpPr>
+          <p:nvPr>
+            <p:ph type="title"/>
+          </p:nvPr>
+        </p:nvSpPr>
+        <p:spPr>
+          <a:xfrm>
+            <a:off x="1026190" y="129415"/>
+            <a:ext cx="10515600" cy="731520"/>
+          </a:xfrm>
+        </p:spPr>
+        <p:txBody>
+          <a:bodyPr/>
+          <a:lstStyle/>
+          <a:p>
+            <a:r>
+              <a:rPr lang="en-US" dirty="0">
+                <a:solidFill>
+                  <a:schemeClr val="accent1">
+                    <a:lumMod val="50000"/>
+                  </a:schemeClr>
+                </a:solidFill>
+                <a:latin typeface="Times New Roman" panose="02020603050405020304" pitchFamily="18" charset="0"/>
+                <a:cs typeface="Times New Roman" panose="02020603050405020304" pitchFamily="18" charset="0"/>
+              </a:rPr>
+              <a:t>Themes</a:t>
+            </a:r>
+          </a:p>
+        </p:txBody>
+      </p:sp>
+      <p:sp>
+        <p:nvSpPr>
+          <p:cNvPr id="3" name="Rectangle 2">
+            <a:extLst>
+              <a:ext uri="{FF2B5EF4-FFF2-40B4-BE49-F238E27FC236}">
+                <a16:creationId xmlns:a16="http://schemas.microsoft.com/office/drawing/2014/main" id="{38208AF5-BD02-48FF-A8F9-588555427821}"/>
+              </a:ext>
+            </a:extLst>
+          </p:cNvPr>
+          <p:cNvSpPr/>
+          <p:nvPr/>
+        </p:nvSpPr>
+        <p:spPr>
+          <a:xfrm>
+            <a:off x="2133601" y="962026"/>
+            <a:ext cx="8434387" cy="947737"/>
+          </a:xfrm>
+          <a:prstGeom prst="rect">
+            <a:avLst/>
+          </a:prstGeom>
+        </p:spPr>
+        <p:style>
+          <a:lnRef idx="2">
+            <a:schemeClr val="accent1">
+              <a:shade val="50000"/>
+            </a:schemeClr>
+          </a:lnRef>
+          <a:fillRef idx="1">
+            <a:schemeClr val="accent1"/>
+          </a:fillRef>
+          <a:effectRef idx="0">
+            <a:schemeClr val="accent1"/>
+          </a:effectRef>
+          <a:fontRef idx="minor">
+            <a:schemeClr val="lt1"/>
+          </a:fontRef>
+        </p:style>
+        <p:txBody>
+          <a:bodyPr rtlCol="0" anchor="ctr"/>
+          <a:lstStyle/>
+          <a:p>
+            <a:pPr algn="ctr"/>
+            <a:r>
+              <a:rPr lang="en-US" sz="3200" b="1" dirty="0">
+                <a:latin typeface="Aharoni" panose="020B0604020202020204" pitchFamily="2" charset="-79"/>
+                <a:cs typeface="Aharoni" panose="020B0604020202020204" pitchFamily="2" charset="-79"/>
+              </a:rPr>
+              <a:t>Machine Learning Lifecycle</a:t>
+            </a:r>
+          </a:p>
+        </p:txBody>
+      </p:sp>
+      <p:sp>
+        <p:nvSpPr>
+          <p:cNvPr id="4" name="Rectangle 3">
+            <a:extLst>
+              <a:ext uri="{FF2B5EF4-FFF2-40B4-BE49-F238E27FC236}">
+                <a16:creationId xmlns:a16="http://schemas.microsoft.com/office/drawing/2014/main" id="{929390F1-1D43-4820-AE12-B85ED7F349A2}"/>
+              </a:ext>
+            </a:extLst>
+          </p:cNvPr>
+          <p:cNvSpPr/>
+          <p:nvPr/>
+        </p:nvSpPr>
+        <p:spPr>
+          <a:xfrm>
+            <a:off x="2133599" y="2633663"/>
+            <a:ext cx="8434387" cy="947737"/>
+          </a:xfrm>
+          <a:prstGeom prst="rect">
+            <a:avLst/>
+          </a:prstGeom>
+        </p:spPr>
+        <p:style>
+          <a:lnRef idx="2">
+            <a:schemeClr val="accent1">
+              <a:shade val="50000"/>
+            </a:schemeClr>
+          </a:lnRef>
+          <a:fillRef idx="1">
+            <a:schemeClr val="accent1"/>
+          </a:fillRef>
+          <a:effectRef idx="0">
+            <a:schemeClr val="accent1"/>
+          </a:effectRef>
+          <a:fontRef idx="minor">
+            <a:schemeClr val="lt1"/>
+          </a:fontRef>
+        </p:style>
+        <p:txBody>
+          <a:bodyPr rtlCol="0" anchor="ctr"/>
+          <a:lstStyle/>
+          <a:p>
+            <a:pPr algn="ctr"/>
+            <a:r>
+              <a:rPr lang="en-US" sz="3200" b="1" dirty="0">
+                <a:latin typeface="Aharoni" panose="020B0604020202020204" pitchFamily="2" charset="-79"/>
+                <a:cs typeface="Aharoni" panose="020B0604020202020204" pitchFamily="2" charset="-79"/>
+              </a:rPr>
+              <a:t>Are you ready for Machine Learning?</a:t>
+            </a:r>
+          </a:p>
+        </p:txBody>
+      </p:sp>
+      <p:sp>
+        <p:nvSpPr>
+          <p:cNvPr id="6" name="Rectangle 5">
+            <a:extLst>
+              <a:ext uri="{FF2B5EF4-FFF2-40B4-BE49-F238E27FC236}">
+                <a16:creationId xmlns:a16="http://schemas.microsoft.com/office/drawing/2014/main" id="{1B678477-FFA9-4D02-A4BE-4691A1FB4479}"/>
+              </a:ext>
+            </a:extLst>
+          </p:cNvPr>
+          <p:cNvSpPr/>
+          <p:nvPr/>
+        </p:nvSpPr>
+        <p:spPr>
+          <a:xfrm>
+            <a:off x="2133599" y="4305300"/>
+            <a:ext cx="8434387" cy="947737"/>
+          </a:xfrm>
+          <a:prstGeom prst="rect">
+            <a:avLst/>
+          </a:prstGeom>
+        </p:spPr>
+        <p:style>
+          <a:lnRef idx="2">
+            <a:schemeClr val="accent1">
+              <a:shade val="50000"/>
+            </a:schemeClr>
+          </a:lnRef>
+          <a:fillRef idx="1">
+            <a:schemeClr val="accent1"/>
+          </a:fillRef>
+          <a:effectRef idx="0">
+            <a:schemeClr val="accent1"/>
+          </a:effectRef>
+          <a:fontRef idx="minor">
+            <a:schemeClr val="lt1"/>
+          </a:fontRef>
+        </p:style>
+        <p:txBody>
+          <a:bodyPr rtlCol="0" anchor="ctr"/>
+          <a:lstStyle/>
+          <a:p>
+            <a:pPr algn="ctr"/>
+            <a:r>
+              <a:rPr lang="en-US" sz="3200" b="1" dirty="0">
+                <a:latin typeface="Aharoni" panose="020B0604020202020204" pitchFamily="2" charset="-79"/>
+                <a:cs typeface="Aharoni" panose="020B0604020202020204" pitchFamily="2" charset="-79"/>
+              </a:rPr>
+              <a:t>Terms and Phases </a:t>
+            </a:r>
+          </a:p>
+        </p:txBody>
+      </p:sp>
+    </p:spTree>
+    <p:extLst>
+      <p:ext uri="{BB962C8B-B14F-4D97-AF65-F5344CB8AC3E}">
+        <p14:creationId xmlns:p14="http://schemas.microsoft.com/office/powerpoint/2010/main" val="1421763699"/>
+      </p:ext>
+    </p:extLst>
+  </p:cSld>
+  <p:clrMapOvr>
+    <a:masterClrMapping/>
+  </p:clrMapOvr>
+  <p:timing>
+    <p:tnLst>
+      <p:par>
+        <p:cTn id="1" dur="indefinite" restart="never" nodeType="tmRoot">
+          <p:childTnLst>
+            <p:seq concurrent="1" nextAc="seek">
+              <p:cTn id="2" dur="indefinite" nodeType="mainSeq">
+                <p:childTnLst>
+                  <p:par>
+                    <p:cTn id="3" fill="hold">
+                      <p:stCondLst>
+                        <p:cond delay="indefinite"/>
+                      </p:stCondLst>
+                      <p:childTnLst>
+                        <p:par>
+                          <p:cTn id="4" fill="hold">
+                            <p:stCondLst>
+                              <p:cond delay="0"/>
+                            </p:stCondLst>
+                            <p:childTnLst>
+                              <p:par>
+                                <p:cTn id="5" presetID="42" presetClass="entr" presetSubtype="0" fill="hold" grpId="0" nodeType="clickEffect">
+                                  <p:stCondLst>
+                                    <p:cond delay="0"/>
+                                  </p:stCondLst>
+                                  <p:childTnLst>
+                                    <p:set>
+                                      <p:cBhvr>
+                                        <p:cTn id="6" dur="1" fill="hold">
+                                          <p:stCondLst>
+                                            <p:cond delay="0"/>
+                                          </p:stCondLst>
+                                        </p:cTn>
+                                        <p:tgtEl>
+                                          <p:spTgt spid="3"/>
+                                        </p:tgtEl>
+                                        <p:attrNameLst>
+                                          <p:attrName>style.visibility</p:attrName>
+                                        </p:attrNameLst>
+                                      </p:cBhvr>
+                                      <p:to>
+                                        <p:strVal val="visible"/>
+                                      </p:to>
+                                    </p:set>
+                                    <p:animEffect transition="in" filter="fade">
+                                      <p:cBhvr>
+                                        <p:cTn id="7" dur="1000"/>
+                                        <p:tgtEl>
+                                          <p:spTgt spid="3"/>
+                                        </p:tgtEl>
+                                      </p:cBhvr>
+                                    </p:animEffect>
+                                    <p:anim calcmode="lin" valueType="num">
+                                      <p:cBhvr>
+                                        <p:cTn id="8" dur="1000" fill="hold"/>
+                                        <p:tgtEl>
+                                          <p:spTgt spid="3"/>
+                                        </p:tgtEl>
+                                        <p:attrNameLst>
+                                          <p:attrName>ppt_x</p:attrName>
+                                        </p:attrNameLst>
+                                      </p:cBhvr>
+                                      <p:tavLst>
+                                        <p:tav tm="0">
+                                          <p:val>
+                                            <p:strVal val="#ppt_x"/>
+                                          </p:val>
+                                        </p:tav>
+                                        <p:tav tm="100000">
+                                          <p:val>
+                                            <p:strVal val="#ppt_x"/>
+                                          </p:val>
+                                        </p:tav>
+                                      </p:tavLst>
+                                    </p:anim>
+                                    <p:anim calcmode="lin" valueType="num">
+                                      <p:cBhvr>
+                                        <p:cTn id="9" dur="1000" fill="hold"/>
+                                        <p:tgtEl>
+                                          <p:spTgt spid="3"/>
+                                        </p:tgtEl>
+                                        <p:attrNameLst>
+                                          <p:attrName>ppt_y</p:attrName>
+                                        </p:attrNameLst>
+                                      </p:cBhvr>
+                                      <p:tavLst>
+                                        <p:tav tm="0">
+                                          <p:val>
+                                            <p:strVal val="#ppt_y+.1"/>
+                                          </p:val>
+                                        </p:tav>
+                                        <p:tav tm="100000">
+                                          <p:val>
+                                            <p:strVal val="#ppt_y"/>
+                                          </p:val>
+                                        </p:tav>
+                                      </p:tavLst>
+                                    </p:anim>
+                                  </p:childTnLst>
+                                </p:cTn>
+                              </p:par>
+                            </p:childTnLst>
+                          </p:cTn>
+                        </p:par>
+                      </p:childTnLst>
+                    </p:cTn>
+                  </p:par>
+                  <p:par>
+                    <p:cTn id="10" fill="hold">
+                      <p:stCondLst>
+                        <p:cond delay="indefinite"/>
+                      </p:stCondLst>
+                      <p:childTnLst>
+                        <p:par>
+                          <p:cTn id="11" fill="hold">
+                            <p:stCondLst>
+                              <p:cond delay="0"/>
+                            </p:stCondLst>
+                            <p:childTnLst>
+                              <p:par>
+                                <p:cTn id="12" presetID="42" presetClass="entr" presetSubtype="0" fill="hold" grpId="0" nodeType="clickEffect">
+                                  <p:stCondLst>
+                                    <p:cond delay="0"/>
+                                  </p:stCondLst>
+                                  <p:childTnLst>
+                                    <p:set>
+                                      <p:cBhvr>
+                                        <p:cTn id="13" dur="1" fill="hold">
+                                          <p:stCondLst>
+                                            <p:cond delay="0"/>
+                                          </p:stCondLst>
+                                        </p:cTn>
+                                        <p:tgtEl>
+                                          <p:spTgt spid="4"/>
+                                        </p:tgtEl>
+                                        <p:attrNameLst>
+                                          <p:attrName>style.visibility</p:attrName>
+                                        </p:attrNameLst>
+                                      </p:cBhvr>
+                                      <p:to>
+                                        <p:strVal val="visible"/>
+                                      </p:to>
+                                    </p:set>
+                                    <p:animEffect transition="in" filter="fade">
+                                      <p:cBhvr>
+                                        <p:cTn id="14" dur="1000"/>
+                                        <p:tgtEl>
+                                          <p:spTgt spid="4"/>
+                                        </p:tgtEl>
+                                      </p:cBhvr>
+                                    </p:animEffect>
+                                    <p:anim calcmode="lin" valueType="num">
+                                      <p:cBhvr>
+                                        <p:cTn id="15" dur="1000" fill="hold"/>
+                                        <p:tgtEl>
+                                          <p:spTgt spid="4"/>
+                                        </p:tgtEl>
+                                        <p:attrNameLst>
+                                          <p:attrName>ppt_x</p:attrName>
+                                        </p:attrNameLst>
+                                      </p:cBhvr>
+                                      <p:tavLst>
+                                        <p:tav tm="0">
+                                          <p:val>
+                                            <p:strVal val="#ppt_x"/>
+                                          </p:val>
+                                        </p:tav>
+                                        <p:tav tm="100000">
+                                          <p:val>
+                                            <p:strVal val="#ppt_x"/>
+                                          </p:val>
+                                        </p:tav>
+                                      </p:tavLst>
+                                    </p:anim>
+                                    <p:anim calcmode="lin" valueType="num">
+                                      <p:cBhvr>
+                                        <p:cTn id="16" dur="1000" fill="hold"/>
+                                        <p:tgtEl>
+                                          <p:spTgt spid="4"/>
+                                        </p:tgtEl>
+                                        <p:attrNameLst>
+                                          <p:attrName>ppt_y</p:attrName>
+                                        </p:attrNameLst>
+                                      </p:cBhvr>
+                                      <p:tavLst>
+                                        <p:tav tm="0">
+                                          <p:val>
+                                            <p:strVal val="#ppt_y+.1"/>
+                                          </p:val>
+                                        </p:tav>
+                                        <p:tav tm="100000">
+                                          <p:val>
+                                            <p:strVal val="#ppt_y"/>
+                                          </p:val>
+                                        </p:tav>
+                                      </p:tavLst>
+                                    </p:anim>
+                                  </p:childTnLst>
+                                </p:cTn>
+                              </p:par>
+                            </p:childTnLst>
+                          </p:cTn>
+                        </p:par>
+                      </p:childTnLst>
+                    </p:cTn>
+                  </p:par>
+                  <p:par>
+                    <p:cTn id="17" fill="hold">
+                      <p:stCondLst>
+                        <p:cond delay="indefinite"/>
+                      </p:stCondLst>
+                      <p:childTnLst>
+                        <p:par>
+                          <p:cTn id="18" fill="hold">
+                            <p:stCondLst>
+                              <p:cond delay="0"/>
+                            </p:stCondLst>
+                            <p:childTnLst>
+                              <p:par>
+                                <p:cTn id="19" presetID="42" presetClass="entr" presetSubtype="0" fill="hold" grpId="0" nodeType="clickEffect">
+                                  <p:stCondLst>
+                                    <p:cond delay="0"/>
+                                  </p:stCondLst>
+                                  <p:childTnLst>
+                                    <p:set>
+                                      <p:cBhvr>
+                                        <p:cTn id="20" dur="1" fill="hold">
+                                          <p:stCondLst>
+                                            <p:cond delay="0"/>
+                                          </p:stCondLst>
+                                        </p:cTn>
+                                        <p:tgtEl>
+                                          <p:spTgt spid="6"/>
+                                        </p:tgtEl>
+                                        <p:attrNameLst>
+                                          <p:attrName>style.visibility</p:attrName>
+                                        </p:attrNameLst>
+                                      </p:cBhvr>
+                                      <p:to>
+                                        <p:strVal val="visible"/>
+                                      </p:to>
+                                    </p:set>
+                                    <p:animEffect transition="in" filter="fade">
+                                      <p:cBhvr>
+                                        <p:cTn id="21" dur="1000"/>
+                                        <p:tgtEl>
+                                          <p:spTgt spid="6"/>
+                                        </p:tgtEl>
+                                      </p:cBhvr>
+                                    </p:animEffect>
+                                    <p:anim calcmode="lin" valueType="num">
+                                      <p:cBhvr>
+                                        <p:cTn id="22" dur="1000" fill="hold"/>
+                                        <p:tgtEl>
+                                          <p:spTgt spid="6"/>
+                                        </p:tgtEl>
+                                        <p:attrNameLst>
+                                          <p:attrName>ppt_x</p:attrName>
+                                        </p:attrNameLst>
+                                      </p:cBhvr>
+                                      <p:tavLst>
+                                        <p:tav tm="0">
+                                          <p:val>
+                                            <p:strVal val="#ppt_x"/>
+                                          </p:val>
+                                        </p:tav>
+                                        <p:tav tm="100000">
+                                          <p:val>
+                                            <p:strVal val="#ppt_x"/>
+                                          </p:val>
+                                        </p:tav>
+                                      </p:tavLst>
+                                    </p:anim>
+                                    <p:anim calcmode="lin" valueType="num">
+                                      <p:cBhvr>
+                                        <p:cTn id="23" dur="1000" fill="hold"/>
+                                        <p:tgtEl>
+                                          <p:spTgt spid="6"/>
+                                        </p:tgtEl>
+                                        <p:attrNameLst>
+                                          <p:attrName>ppt_y</p:attrName>
+                                        </p:attrNameLst>
+                                      </p:cBhvr>
+                                      <p:tavLst>
+                                        <p:tav tm="0">
+                                          <p:val>
+                                            <p:strVal val="#ppt_y+.1"/>
+                                          </p:val>
+                                        </p:tav>
+                                        <p:tav tm="100000">
+                                          <p:val>
+                                            <p:strVal val="#ppt_y"/>
+                                          </p:val>
+                                        </p:tav>
+                                      </p:tavLst>
+                                    </p:anim>
+                                  </p:childTnLst>
+                                </p:cTn>
+                              </p:par>
+                            </p:childTnLst>
+                          </p:cTn>
+                        </p:par>
+                      </p:childTnLst>
+                    </p:cTn>
+                  </p:par>
+                </p:childTnLst>
+              </p:cTn>
+              <p:prevCondLst>
+                <p:cond evt="onPrev" delay="0">
+                  <p:tgtEl>
+                    <p:sldTgt/>
+                  </p:tgtEl>
+                </p:cond>
+              </p:prevCondLst>
+              <p:nextCondLst>
+                <p:cond evt="onNext" delay="0">
+                  <p:tgtEl>
+                    <p:sldTgt/>
+                  </p:tgtEl>
+                </p:cond>
+              </p:nextCondLst>
+            </p:seq>
+          </p:childTnLst>
+        </p:cTn>
+      </p:par>
+    </p:tnLst>
+    <p:bldLst>
+      <p:bldP spid="3" grpId="0" animBg="1"/>
+      <p:bldP spid="4" grpId="0" animBg="1"/>
+      <p:bldP spid="6" grpId="0" animBg="1"/>
+    </p:bldLst>
+  </p:timing>
+</p:sld>
+</file>
+
+<file path=ppt/slides/slide20.xml><?xml version="1.0" encoding="utf-8"?>
+<p:sld xmlns:a="http://schemas.openxmlformats.org/drawingml/2006/main" xmlns:r="http://schemas.openxmlformats.org/officeDocument/2006/relationships" xmlns:p="http://schemas.openxmlformats.org/presentationml/2006/main">
+  <p:cSld>
+    <p:spTree>
+      <p:nvGrpSpPr>
+        <p:cNvPr id="1" name=""/>
+        <p:cNvGrpSpPr/>
+        <p:nvPr/>
+      </p:nvGrpSpPr>
+      <p:grpSpPr>
+        <a:xfrm>
+          <a:off x="0" y="0"/>
+          <a:ext cx="0" cy="0"/>
+          <a:chOff x="0" y="0"/>
+          <a:chExt cx="0" cy="0"/>
+        </a:xfrm>
+      </p:grpSpPr>
+      <p:sp>
+        <p:nvSpPr>
+          <p:cNvPr id="4" name="Slide Number Placeholder 3">
+            <a:extLst>
+              <a:ext uri="{FF2B5EF4-FFF2-40B4-BE49-F238E27FC236}">
+                <a16:creationId xmlns:a16="http://schemas.microsoft.com/office/drawing/2014/main" id="{E306B3DE-AFD2-4135-A3E3-D4A19796E064}"/>
+              </a:ext>
+            </a:extLst>
+          </p:cNvPr>
+          <p:cNvSpPr>
+            <a:spLocks noGrp="1"/>
+          </p:cNvSpPr>
+          <p:nvPr>
+            <p:ph type="sldNum" sz="quarter" idx="12"/>
+          </p:nvPr>
+        </p:nvSpPr>
+        <p:spPr/>
+        <p:txBody>
+          <a:bodyPr/>
+          <a:lstStyle/>
+          <a:p>
+            <a:fld id="{5ACD0CF0-90CC-9C41-A77B-2776398A8C8B}" type="slidenum">
+              <a:rPr lang="en-US" smtClean="0"/>
+              <a:pPr/>
+              <a:t>20</a:t>
+            </a:fld>
+            <a:endParaRPr lang="en-US"/>
+          </a:p>
+        </p:txBody>
+      </p:sp>
+      <p:pic>
+        <p:nvPicPr>
+          <p:cNvPr id="6" name="Picture 5" descr="A picture containing text&#10;&#10;Description automatically generated">
+            <a:extLst>
+              <a:ext uri="{FF2B5EF4-FFF2-40B4-BE49-F238E27FC236}">
+                <a16:creationId xmlns:a16="http://schemas.microsoft.com/office/drawing/2014/main" id="{77C10472-D418-410D-9968-4AF70ACF18B2}"/>
+              </a:ext>
+            </a:extLst>
+          </p:cNvPr>
+          <p:cNvPicPr>
+            <a:picLocks noChangeAspect="1"/>
+          </p:cNvPicPr>
+          <p:nvPr/>
+        </p:nvPicPr>
+        <p:blipFill>
+          <a:blip r:embed="rId2"/>
+          <a:stretch>
+            <a:fillRect/>
+          </a:stretch>
+        </p:blipFill>
+        <p:spPr>
+          <a:xfrm>
+            <a:off x="1580621" y="2011679"/>
+            <a:ext cx="9262757" cy="2131256"/>
+          </a:xfrm>
+          <a:prstGeom prst="rect">
+            <a:avLst/>
+          </a:prstGeom>
+        </p:spPr>
+      </p:pic>
+    </p:spTree>
+    <p:extLst>
+      <p:ext uri="{BB962C8B-B14F-4D97-AF65-F5344CB8AC3E}">
+        <p14:creationId xmlns:p14="http://schemas.microsoft.com/office/powerpoint/2010/main" val="2557705440"/>
+      </p:ext>
+    </p:extLst>
+  </p:cSld>
+  <p:clrMapOvr>
+    <a:masterClrMapping/>
+  </p:clrMapOvr>
+</p:sld>
+</file>
+
 <file path=ppt/slides/slide21.xml><?xml version="1.0" encoding="utf-8"?>
 <p:sld xmlns:a="http://schemas.openxmlformats.org/drawingml/2006/main" xmlns:r="http://schemas.openxmlformats.org/officeDocument/2006/relationships" xmlns:p="http://schemas.openxmlformats.org/presentationml/2006/main">
   <p:cSld>
@@ -16518,8 +15711,8 @@
         </p:nvSpPr>
         <p:spPr>
           <a:xfrm>
-            <a:off x="80554" y="804930"/>
-            <a:ext cx="10515600" cy="4301326"/>
+            <a:off x="-37289" y="565779"/>
+            <a:ext cx="10515600" cy="6017901"/>
           </a:xfrm>
         </p:spPr>
         <p:txBody>
@@ -16528,79 +15721,92 @@
           </a:bodyPr>
           <a:lstStyle/>
           <a:p>
-            <a:pPr lvl="1"/>
-            <a:r>
-              <a:rPr lang="en-US" dirty="0"/>
-              <a:t> Learning Difficulty – How complex or vague is the target variable? </a:t>
-            </a:r>
-          </a:p>
-          <a:p>
-            <a:pPr lvl="2"/>
-            <a:r>
-              <a:rPr lang="en-US" dirty="0"/>
-              <a:t> Are there imbalances in the classes?</a:t>
-            </a:r>
-          </a:p>
-          <a:p>
-            <a:pPr lvl="2"/>
-            <a:r>
-              <a:rPr lang="en-US" dirty="0"/>
-              <a:t> Does the data clearly link to the problem? </a:t>
-            </a:r>
-          </a:p>
-          <a:p>
-            <a:pPr lvl="2"/>
-            <a:r>
-              <a:rPr lang="en-US" dirty="0"/>
-              <a:t> Has this data been used in the past, to what success?</a:t>
-            </a:r>
-          </a:p>
-          <a:p>
-            <a:pPr lvl="2"/>
-            <a:r>
-              <a:rPr lang="en-US" dirty="0"/>
-              <a:t> Is the target difficult to measure or break into smaller components?  </a:t>
-            </a:r>
-          </a:p>
-          <a:p>
             <a:pPr marL="457200" lvl="1" indent="0">
               <a:buNone/>
             </a:pPr>
-            <a:endParaRPr lang="en-US" dirty="0"/>
+            <a:endParaRPr lang="en-US" sz="2800" dirty="0"/>
           </a:p>
           <a:p>
             <a:pPr lvl="1"/>
             <a:r>
-              <a:rPr lang="en-US" dirty="0"/>
+              <a:rPr lang="en-US" sz="2800" dirty="0"/>
               <a:t> Data to Concept – Does the data available support the algo target and goal</a:t>
             </a:r>
           </a:p>
           <a:p>
             <a:pPr lvl="2"/>
             <a:r>
-              <a:rPr lang="en-US" dirty="0"/>
+              <a:rPr lang="en-US" sz="2400" dirty="0"/>
               <a:t> How difficult is the data to gather?</a:t>
             </a:r>
           </a:p>
           <a:p>
             <a:pPr lvl="2"/>
             <a:r>
-              <a:rPr lang="en-US" dirty="0"/>
+              <a:rPr lang="en-US" sz="2400" dirty="0"/>
               <a:t> Is the data large enough? </a:t>
             </a:r>
           </a:p>
           <a:p>
             <a:pPr lvl="2"/>
             <a:r>
-              <a:rPr lang="en-US" dirty="0"/>
+              <a:rPr lang="en-US" sz="2400" dirty="0"/>
               <a:t> What is the rate of change of the data? </a:t>
             </a:r>
           </a:p>
           <a:p>
             <a:pPr lvl="2"/>
             <a:r>
-              <a:rPr lang="en-US" dirty="0"/>
-              <a:t> Do we believe this is the correct source and data content to address the problem? </a:t>
+              <a:rPr lang="en-US" sz="2400" dirty="0"/>
+              <a:t> Do we believe this is the correct source and data content to address the problem?</a:t>
+            </a:r>
+          </a:p>
+          <a:p>
+            <a:pPr marL="914400" lvl="2" indent="0">
+              <a:buNone/>
+            </a:pPr>
+            <a:endParaRPr lang="en-US" sz="2400" dirty="0"/>
+          </a:p>
+          <a:p>
+            <a:pPr lvl="1"/>
+            <a:r>
+              <a:rPr lang="en-US" sz="2800" dirty="0"/>
+              <a:t> Learning Difficulty – How complex or vague is the target variable? </a:t>
+            </a:r>
+          </a:p>
+          <a:p>
+            <a:pPr lvl="2"/>
+            <a:r>
+              <a:rPr lang="en-US" sz="2400" dirty="0"/>
+              <a:t> Are there imbalances in the classes?</a:t>
+            </a:r>
+          </a:p>
+          <a:p>
+            <a:pPr lvl="2"/>
+            <a:r>
+              <a:rPr lang="en-US" sz="2400" dirty="0"/>
+              <a:t> Does the data clearly link to the problem? </a:t>
+            </a:r>
+          </a:p>
+          <a:p>
+            <a:pPr lvl="2"/>
+            <a:r>
+              <a:rPr lang="en-US" sz="2400" dirty="0"/>
+              <a:t> Has this data been used in the past, to what success?</a:t>
+            </a:r>
+          </a:p>
+          <a:p>
+            <a:pPr lvl="2"/>
+            <a:r>
+              <a:rPr lang="en-US" sz="2400" dirty="0"/>
+              <a:t> Is the target difficult to measure or break into smaller components?  </a:t>
+            </a:r>
+          </a:p>
+          <a:p>
+            <a:pPr lvl="2"/>
+            <a:r>
+              <a:rPr lang="en-US" sz="2400" dirty="0"/>
+              <a:t> What risk level are you willing to accept given the question?</a:t>
             </a:r>
           </a:p>
         </p:txBody>
@@ -22006,6 +21212,897 @@
 </p:sld>
 </file>
 
+<file path=ppt/slides/slide47.xml><?xml version="1.0" encoding="utf-8"?>
+<p:sld xmlns:a="http://schemas.openxmlformats.org/drawingml/2006/main" xmlns:r="http://schemas.openxmlformats.org/officeDocument/2006/relationships" xmlns:p="http://schemas.openxmlformats.org/presentationml/2006/main" show="0">
+  <p:cSld>
+    <p:spTree>
+      <p:nvGrpSpPr>
+        <p:cNvPr id="1" name=""/>
+        <p:cNvGrpSpPr/>
+        <p:nvPr/>
+      </p:nvGrpSpPr>
+      <p:grpSpPr>
+        <a:xfrm>
+          <a:off x="0" y="0"/>
+          <a:ext cx="0" cy="0"/>
+          <a:chOff x="0" y="0"/>
+          <a:chExt cx="0" cy="0"/>
+        </a:xfrm>
+      </p:grpSpPr>
+      <p:sp>
+        <p:nvSpPr>
+          <p:cNvPr id="5" name="Slide Number Placeholder 4">
+            <a:extLst>
+              <a:ext uri="{FF2B5EF4-FFF2-40B4-BE49-F238E27FC236}">
+                <a16:creationId xmlns:a16="http://schemas.microsoft.com/office/drawing/2014/main" id="{40A8C93C-2B59-4D4D-972C-D9811E7A01C8}"/>
+              </a:ext>
+            </a:extLst>
+          </p:cNvPr>
+          <p:cNvSpPr>
+            <a:spLocks noGrp="1"/>
+          </p:cNvSpPr>
+          <p:nvPr>
+            <p:ph type="sldNum" sz="quarter" idx="4"/>
+          </p:nvPr>
+        </p:nvSpPr>
+        <p:spPr/>
+        <p:txBody>
+          <a:bodyPr/>
+          <a:lstStyle/>
+          <a:p>
+            <a:fld id="{A2644288-DBB5-B146-A4C9-3FE617AA0A71}" type="slidenum">
+              <a:rPr lang="en-US" smtClean="0"/>
+              <a:pPr/>
+              <a:t>47</a:t>
+            </a:fld>
+            <a:endParaRPr lang="en-US" dirty="0"/>
+          </a:p>
+        </p:txBody>
+      </p:sp>
+      <p:sp>
+        <p:nvSpPr>
+          <p:cNvPr id="7" name="Rectangle 3">
+            <a:extLst>
+              <a:ext uri="{FF2B5EF4-FFF2-40B4-BE49-F238E27FC236}">
+                <a16:creationId xmlns:a16="http://schemas.microsoft.com/office/drawing/2014/main" id="{E19A70A2-C308-42AC-B6FE-E0944A34C9B5}"/>
+              </a:ext>
+            </a:extLst>
+          </p:cNvPr>
+          <p:cNvSpPr txBox="1">
+            <a:spLocks noChangeArrowheads="1"/>
+          </p:cNvSpPr>
+          <p:nvPr/>
+        </p:nvSpPr>
+        <p:spPr bwMode="auto">
+          <a:xfrm>
+            <a:off x="1391477" y="1214560"/>
+            <a:ext cx="9144001" cy="5026025"/>
+          </a:xfrm>
+          <a:prstGeom prst="rect">
+            <a:avLst/>
+          </a:prstGeom>
+          <a:solidFill>
+            <a:schemeClr val="bg1"/>
+          </a:solidFill>
+          <a:ln w="9525">
+            <a:noFill/>
+            <a:miter lim="800000"/>
+            <a:headEnd/>
+            <a:tailEnd/>
+          </a:ln>
+        </p:spPr>
+        <p:txBody>
+          <a:bodyPr lIns="91395" tIns="45695" rIns="91395" bIns="45695"/>
+          <a:lstStyle/>
+          <a:p>
+            <a:pPr marL="343309" indent="-343309" defTabSz="913901" eaLnBrk="1" hangingPunct="1">
+              <a:lnSpc>
+                <a:spcPct val="120000"/>
+              </a:lnSpc>
+              <a:spcBef>
+                <a:spcPct val="20000"/>
+              </a:spcBef>
+              <a:buClr>
+                <a:srgbClr val="3333CC"/>
+              </a:buClr>
+              <a:buSzPct val="60000"/>
+              <a:buFont typeface="Wingdings" pitchFamily="2" charset="2"/>
+              <a:buChar char="n"/>
+              <a:defRPr/>
+            </a:pPr>
+            <a:r>
+              <a:rPr lang="en-US" sz="2600" kern="0" dirty="0">
+                <a:solidFill>
+                  <a:schemeClr val="accent1">
+                    <a:lumMod val="50000"/>
+                  </a:schemeClr>
+                </a:solidFill>
+                <a:latin typeface="Tahoma"/>
+              </a:rPr>
+              <a:t>Given  </a:t>
+            </a:r>
+            <a:r>
+              <a:rPr lang="en-US" sz="2600" b="1" i="1" kern="0" dirty="0">
+                <a:solidFill>
+                  <a:schemeClr val="accent1">
+                    <a:lumMod val="50000"/>
+                  </a:schemeClr>
+                </a:solidFill>
+                <a:latin typeface="Tahoma"/>
+              </a:rPr>
+              <a:t>D </a:t>
+            </a:r>
+            <a:r>
+              <a:rPr lang="en-US" sz="2600" kern="0" dirty="0">
+                <a:solidFill>
+                  <a:schemeClr val="accent1">
+                    <a:lumMod val="50000"/>
+                  </a:schemeClr>
+                </a:solidFill>
+                <a:latin typeface="Tahoma"/>
+              </a:rPr>
+              <a:t>:{2,4,10,12,3,11,20,25,30},  and  k=2 clusters</a:t>
+            </a:r>
+          </a:p>
+          <a:p>
+            <a:pPr marL="343309" indent="-343309" defTabSz="913901" eaLnBrk="1" hangingPunct="1">
+              <a:lnSpc>
+                <a:spcPct val="120000"/>
+              </a:lnSpc>
+              <a:spcBef>
+                <a:spcPct val="20000"/>
+              </a:spcBef>
+              <a:buClr>
+                <a:srgbClr val="3333CC"/>
+              </a:buClr>
+              <a:buSzPct val="60000"/>
+              <a:buFont typeface="Wingdings" pitchFamily="2" charset="2"/>
+              <a:buChar char="n"/>
+              <a:defRPr/>
+            </a:pPr>
+            <a:r>
+              <a:rPr lang="en-US" sz="2600" kern="0" dirty="0">
+                <a:solidFill>
+                  <a:schemeClr val="accent1">
+                    <a:lumMod val="50000"/>
+                  </a:schemeClr>
+                </a:solidFill>
+                <a:latin typeface="Tahoma"/>
+              </a:rPr>
+              <a:t>Randomly assign the means:  m</a:t>
+            </a:r>
+            <a:r>
+              <a:rPr lang="en-US" sz="2600" kern="0" baseline="-25000" dirty="0">
+                <a:solidFill>
+                  <a:schemeClr val="accent1">
+                    <a:lumMod val="50000"/>
+                  </a:schemeClr>
+                </a:solidFill>
+                <a:latin typeface="Tahoma"/>
+              </a:rPr>
+              <a:t>1</a:t>
+            </a:r>
+            <a:r>
+              <a:rPr lang="en-US" sz="2600" kern="0" dirty="0">
+                <a:solidFill>
+                  <a:schemeClr val="accent1">
+                    <a:lumMod val="50000"/>
+                  </a:schemeClr>
+                </a:solidFill>
+                <a:latin typeface="Tahoma"/>
+              </a:rPr>
+              <a:t>=3, m</a:t>
+            </a:r>
+            <a:r>
+              <a:rPr lang="en-US" sz="2600" kern="0" baseline="-25000" dirty="0">
+                <a:solidFill>
+                  <a:schemeClr val="accent1">
+                    <a:lumMod val="50000"/>
+                  </a:schemeClr>
+                </a:solidFill>
+                <a:latin typeface="Tahoma"/>
+              </a:rPr>
+              <a:t>2</a:t>
+            </a:r>
+            <a:r>
+              <a:rPr lang="en-US" sz="2600" kern="0" dirty="0">
+                <a:solidFill>
+                  <a:schemeClr val="accent1">
+                    <a:lumMod val="50000"/>
+                  </a:schemeClr>
+                </a:solidFill>
+                <a:latin typeface="Tahoma"/>
+              </a:rPr>
+              <a:t>=4</a:t>
+            </a:r>
+          </a:p>
+          <a:p>
+            <a:pPr marL="343309" indent="-343309" defTabSz="913901" eaLnBrk="1" hangingPunct="1">
+              <a:lnSpc>
+                <a:spcPct val="120000"/>
+              </a:lnSpc>
+              <a:spcBef>
+                <a:spcPct val="20000"/>
+              </a:spcBef>
+              <a:buClr>
+                <a:srgbClr val="3333CC"/>
+              </a:buClr>
+              <a:buSzPct val="60000"/>
+              <a:buFont typeface="Wingdings" pitchFamily="2" charset="2"/>
+              <a:buChar char="n"/>
+              <a:defRPr/>
+            </a:pPr>
+            <a:r>
+              <a:rPr lang="en-US" sz="2500" kern="0" dirty="0">
+                <a:solidFill>
+                  <a:schemeClr val="accent1">
+                    <a:lumMod val="50000"/>
+                  </a:schemeClr>
+                </a:solidFill>
+                <a:latin typeface="Tahoma"/>
+              </a:rPr>
+              <a:t>K</a:t>
+            </a:r>
+            <a:r>
+              <a:rPr lang="en-US" sz="2500" kern="0" baseline="-25000" dirty="0">
+                <a:solidFill>
+                  <a:schemeClr val="accent1">
+                    <a:lumMod val="50000"/>
+                  </a:schemeClr>
+                </a:solidFill>
+                <a:latin typeface="Tahoma"/>
+              </a:rPr>
+              <a:t>1</a:t>
+            </a:r>
+            <a:r>
+              <a:rPr lang="en-US" sz="2500" kern="0" dirty="0">
+                <a:solidFill>
+                  <a:schemeClr val="accent1">
+                    <a:lumMod val="50000"/>
+                  </a:schemeClr>
+                </a:solidFill>
+                <a:latin typeface="Tahoma"/>
+              </a:rPr>
+              <a:t>={2,3}, K</a:t>
+            </a:r>
+            <a:r>
+              <a:rPr lang="en-US" sz="2500" kern="0" baseline="-25000" dirty="0">
+                <a:solidFill>
+                  <a:schemeClr val="accent1">
+                    <a:lumMod val="50000"/>
+                  </a:schemeClr>
+                </a:solidFill>
+                <a:latin typeface="Tahoma"/>
+              </a:rPr>
+              <a:t>2</a:t>
+            </a:r>
+            <a:r>
+              <a:rPr lang="en-US" sz="2500" kern="0" dirty="0">
+                <a:solidFill>
+                  <a:schemeClr val="accent1">
+                    <a:lumMod val="50000"/>
+                  </a:schemeClr>
+                </a:solidFill>
+                <a:latin typeface="Tahoma"/>
+              </a:rPr>
+              <a:t>={4,10,12,11,20,25,30}, m</a:t>
+            </a:r>
+            <a:r>
+              <a:rPr lang="en-US" sz="2500" kern="0" baseline="-25000" dirty="0">
+                <a:solidFill>
+                  <a:schemeClr val="accent1">
+                    <a:lumMod val="50000"/>
+                  </a:schemeClr>
+                </a:solidFill>
+                <a:latin typeface="Tahoma"/>
+              </a:rPr>
+              <a:t>1</a:t>
+            </a:r>
+            <a:r>
+              <a:rPr lang="en-US" sz="2500" kern="0" dirty="0">
+                <a:solidFill>
+                  <a:schemeClr val="accent1">
+                    <a:lumMod val="50000"/>
+                  </a:schemeClr>
+                </a:solidFill>
+                <a:latin typeface="Tahoma"/>
+              </a:rPr>
+              <a:t>=2.5, m</a:t>
+            </a:r>
+            <a:r>
+              <a:rPr lang="en-US" sz="2500" kern="0" baseline="-25000" dirty="0">
+                <a:solidFill>
+                  <a:schemeClr val="accent1">
+                    <a:lumMod val="50000"/>
+                  </a:schemeClr>
+                </a:solidFill>
+                <a:latin typeface="Tahoma"/>
+              </a:rPr>
+              <a:t>2</a:t>
+            </a:r>
+            <a:r>
+              <a:rPr lang="en-US" sz="2500" kern="0" dirty="0">
+                <a:solidFill>
+                  <a:schemeClr val="accent1">
+                    <a:lumMod val="50000"/>
+                  </a:schemeClr>
+                </a:solidFill>
+                <a:latin typeface="Tahoma"/>
+              </a:rPr>
+              <a:t>=16</a:t>
+            </a:r>
+          </a:p>
+          <a:p>
+            <a:pPr marL="343309" indent="-343309" defTabSz="913901" eaLnBrk="1" hangingPunct="1">
+              <a:lnSpc>
+                <a:spcPct val="120000"/>
+              </a:lnSpc>
+              <a:spcBef>
+                <a:spcPct val="20000"/>
+              </a:spcBef>
+              <a:buClr>
+                <a:srgbClr val="3333CC"/>
+              </a:buClr>
+              <a:buSzPct val="60000"/>
+              <a:buFont typeface="Wingdings" pitchFamily="2" charset="2"/>
+              <a:buChar char="n"/>
+              <a:defRPr/>
+            </a:pPr>
+            <a:r>
+              <a:rPr lang="en-US" sz="2500" kern="0" dirty="0">
+                <a:solidFill>
+                  <a:schemeClr val="accent1">
+                    <a:lumMod val="50000"/>
+                  </a:schemeClr>
+                </a:solidFill>
+                <a:latin typeface="Tahoma"/>
+              </a:rPr>
+              <a:t>K</a:t>
+            </a:r>
+            <a:r>
+              <a:rPr lang="en-US" sz="2500" kern="0" baseline="-25000" dirty="0">
+                <a:solidFill>
+                  <a:schemeClr val="accent1">
+                    <a:lumMod val="50000"/>
+                  </a:schemeClr>
+                </a:solidFill>
+                <a:latin typeface="Tahoma"/>
+              </a:rPr>
+              <a:t>1</a:t>
+            </a:r>
+            <a:r>
+              <a:rPr lang="en-US" sz="2500" kern="0" dirty="0">
+                <a:solidFill>
+                  <a:schemeClr val="accent1">
+                    <a:lumMod val="50000"/>
+                  </a:schemeClr>
+                </a:solidFill>
+                <a:latin typeface="Tahoma"/>
+              </a:rPr>
+              <a:t>={2,3,4}, K</a:t>
+            </a:r>
+            <a:r>
+              <a:rPr lang="en-US" sz="2500" kern="0" baseline="-25000" dirty="0">
+                <a:solidFill>
+                  <a:schemeClr val="accent1">
+                    <a:lumMod val="50000"/>
+                  </a:schemeClr>
+                </a:solidFill>
+                <a:latin typeface="Tahoma"/>
+              </a:rPr>
+              <a:t>2</a:t>
+            </a:r>
+            <a:r>
+              <a:rPr lang="en-US" sz="2500" kern="0" dirty="0">
+                <a:solidFill>
+                  <a:schemeClr val="accent1">
+                    <a:lumMod val="50000"/>
+                  </a:schemeClr>
+                </a:solidFill>
+                <a:latin typeface="Tahoma"/>
+              </a:rPr>
+              <a:t>={10,12,11,20,25,30}, m</a:t>
+            </a:r>
+            <a:r>
+              <a:rPr lang="en-US" sz="2500" kern="0" baseline="-25000" dirty="0">
+                <a:solidFill>
+                  <a:schemeClr val="accent1">
+                    <a:lumMod val="50000"/>
+                  </a:schemeClr>
+                </a:solidFill>
+                <a:latin typeface="Tahoma"/>
+              </a:rPr>
+              <a:t>1</a:t>
+            </a:r>
+            <a:r>
+              <a:rPr lang="en-US" sz="2500" kern="0" dirty="0">
+                <a:solidFill>
+                  <a:schemeClr val="accent1">
+                    <a:lumMod val="50000"/>
+                  </a:schemeClr>
+                </a:solidFill>
+                <a:latin typeface="Tahoma"/>
+              </a:rPr>
+              <a:t>=3, m</a:t>
+            </a:r>
+            <a:r>
+              <a:rPr lang="en-US" sz="2500" kern="0" baseline="-25000" dirty="0">
+                <a:solidFill>
+                  <a:schemeClr val="accent1">
+                    <a:lumMod val="50000"/>
+                  </a:schemeClr>
+                </a:solidFill>
+                <a:latin typeface="Tahoma"/>
+              </a:rPr>
+              <a:t>2</a:t>
+            </a:r>
+            <a:r>
+              <a:rPr lang="en-US" sz="2500" kern="0" dirty="0">
+                <a:solidFill>
+                  <a:schemeClr val="accent1">
+                    <a:lumMod val="50000"/>
+                  </a:schemeClr>
+                </a:solidFill>
+                <a:latin typeface="Tahoma"/>
+              </a:rPr>
+              <a:t>=18</a:t>
+            </a:r>
+          </a:p>
+          <a:p>
+            <a:pPr marL="343309" indent="-343309" defTabSz="913901" eaLnBrk="1" hangingPunct="1">
+              <a:lnSpc>
+                <a:spcPct val="120000"/>
+              </a:lnSpc>
+              <a:spcBef>
+                <a:spcPct val="20000"/>
+              </a:spcBef>
+              <a:buClr>
+                <a:srgbClr val="3333CC"/>
+              </a:buClr>
+              <a:buSzPct val="60000"/>
+              <a:buFont typeface="Wingdings" pitchFamily="2" charset="2"/>
+              <a:buChar char="n"/>
+              <a:defRPr/>
+            </a:pPr>
+            <a:r>
+              <a:rPr lang="en-US" sz="2500" kern="0" dirty="0">
+                <a:solidFill>
+                  <a:schemeClr val="accent1">
+                    <a:lumMod val="50000"/>
+                  </a:schemeClr>
+                </a:solidFill>
+                <a:latin typeface="Tahoma"/>
+              </a:rPr>
+              <a:t>K</a:t>
+            </a:r>
+            <a:r>
+              <a:rPr lang="en-US" sz="2500" kern="0" baseline="-25000" dirty="0">
+                <a:solidFill>
+                  <a:schemeClr val="accent1">
+                    <a:lumMod val="50000"/>
+                  </a:schemeClr>
+                </a:solidFill>
+                <a:latin typeface="Tahoma"/>
+              </a:rPr>
+              <a:t>1</a:t>
+            </a:r>
+            <a:r>
+              <a:rPr lang="en-US" sz="2500" kern="0" dirty="0">
+                <a:solidFill>
+                  <a:schemeClr val="accent1">
+                    <a:lumMod val="50000"/>
+                  </a:schemeClr>
+                </a:solidFill>
+                <a:latin typeface="Tahoma"/>
+              </a:rPr>
+              <a:t>={2,3,4,10}, K</a:t>
+            </a:r>
+            <a:r>
+              <a:rPr lang="en-US" sz="2500" kern="0" baseline="-25000" dirty="0">
+                <a:solidFill>
+                  <a:schemeClr val="accent1">
+                    <a:lumMod val="50000"/>
+                  </a:schemeClr>
+                </a:solidFill>
+                <a:latin typeface="Tahoma"/>
+              </a:rPr>
+              <a:t>2</a:t>
+            </a:r>
+            <a:r>
+              <a:rPr lang="en-US" sz="2500" kern="0" dirty="0">
+                <a:solidFill>
+                  <a:schemeClr val="accent1">
+                    <a:lumMod val="50000"/>
+                  </a:schemeClr>
+                </a:solidFill>
+                <a:latin typeface="Tahoma"/>
+              </a:rPr>
+              <a:t>={12,11,20,25,30}, m</a:t>
+            </a:r>
+            <a:r>
+              <a:rPr lang="en-US" sz="2500" kern="0" baseline="-25000" dirty="0">
+                <a:solidFill>
+                  <a:schemeClr val="accent1">
+                    <a:lumMod val="50000"/>
+                  </a:schemeClr>
+                </a:solidFill>
+                <a:latin typeface="Tahoma"/>
+              </a:rPr>
+              <a:t>1</a:t>
+            </a:r>
+            <a:r>
+              <a:rPr lang="en-US" sz="2500" kern="0" dirty="0">
+                <a:solidFill>
+                  <a:schemeClr val="accent1">
+                    <a:lumMod val="50000"/>
+                  </a:schemeClr>
+                </a:solidFill>
+                <a:latin typeface="Tahoma"/>
+              </a:rPr>
+              <a:t>=4.75, m</a:t>
+            </a:r>
+            <a:r>
+              <a:rPr lang="en-US" sz="2500" kern="0" baseline="-25000" dirty="0">
+                <a:solidFill>
+                  <a:schemeClr val="accent1">
+                    <a:lumMod val="50000"/>
+                  </a:schemeClr>
+                </a:solidFill>
+                <a:latin typeface="Tahoma"/>
+              </a:rPr>
+              <a:t>2</a:t>
+            </a:r>
+            <a:r>
+              <a:rPr lang="en-US" sz="2500" kern="0" dirty="0">
+                <a:solidFill>
+                  <a:schemeClr val="accent1">
+                    <a:lumMod val="50000"/>
+                  </a:schemeClr>
+                </a:solidFill>
+                <a:latin typeface="Tahoma"/>
+              </a:rPr>
+              <a:t>=19.6</a:t>
+            </a:r>
+          </a:p>
+          <a:p>
+            <a:pPr marL="343309" indent="-343309" defTabSz="913901" eaLnBrk="1" hangingPunct="1">
+              <a:lnSpc>
+                <a:spcPct val="120000"/>
+              </a:lnSpc>
+              <a:spcBef>
+                <a:spcPct val="20000"/>
+              </a:spcBef>
+              <a:buClr>
+                <a:srgbClr val="3333CC"/>
+              </a:buClr>
+              <a:buSzPct val="60000"/>
+              <a:buFont typeface="Wingdings" pitchFamily="2" charset="2"/>
+              <a:buChar char="n"/>
+              <a:defRPr/>
+            </a:pPr>
+            <a:r>
+              <a:rPr lang="en-US" sz="2500" kern="0" dirty="0">
+                <a:solidFill>
+                  <a:schemeClr val="accent1">
+                    <a:lumMod val="50000"/>
+                  </a:schemeClr>
+                </a:solidFill>
+                <a:latin typeface="Tahoma"/>
+              </a:rPr>
+              <a:t>K</a:t>
+            </a:r>
+            <a:r>
+              <a:rPr lang="en-US" sz="2500" kern="0" baseline="-25000" dirty="0">
+                <a:solidFill>
+                  <a:schemeClr val="accent1">
+                    <a:lumMod val="50000"/>
+                  </a:schemeClr>
+                </a:solidFill>
+                <a:latin typeface="Tahoma"/>
+              </a:rPr>
+              <a:t>1</a:t>
+            </a:r>
+            <a:r>
+              <a:rPr lang="en-US" sz="2500" kern="0" dirty="0">
+                <a:solidFill>
+                  <a:schemeClr val="accent1">
+                    <a:lumMod val="50000"/>
+                  </a:schemeClr>
+                </a:solidFill>
+                <a:latin typeface="Tahoma"/>
+              </a:rPr>
+              <a:t>={2,3,4,10,11,12}, K</a:t>
+            </a:r>
+            <a:r>
+              <a:rPr lang="en-US" sz="2500" kern="0" baseline="-25000" dirty="0">
+                <a:solidFill>
+                  <a:schemeClr val="accent1">
+                    <a:lumMod val="50000"/>
+                  </a:schemeClr>
+                </a:solidFill>
+                <a:latin typeface="Tahoma"/>
+              </a:rPr>
+              <a:t>2</a:t>
+            </a:r>
+            <a:r>
+              <a:rPr lang="en-US" sz="2500" kern="0" dirty="0">
+                <a:solidFill>
+                  <a:schemeClr val="accent1">
+                    <a:lumMod val="50000"/>
+                  </a:schemeClr>
+                </a:solidFill>
+                <a:latin typeface="Tahoma"/>
+              </a:rPr>
+              <a:t>={20,25,30}, m</a:t>
+            </a:r>
+            <a:r>
+              <a:rPr lang="en-US" sz="2500" kern="0" baseline="-25000" dirty="0">
+                <a:solidFill>
+                  <a:schemeClr val="accent1">
+                    <a:lumMod val="50000"/>
+                  </a:schemeClr>
+                </a:solidFill>
+                <a:latin typeface="Tahoma"/>
+              </a:rPr>
+              <a:t>1</a:t>
+            </a:r>
+            <a:r>
+              <a:rPr lang="en-US" sz="2500" kern="0" dirty="0">
+                <a:solidFill>
+                  <a:schemeClr val="accent1">
+                    <a:lumMod val="50000"/>
+                  </a:schemeClr>
+                </a:solidFill>
+                <a:latin typeface="Tahoma"/>
+              </a:rPr>
+              <a:t>=7, m</a:t>
+            </a:r>
+            <a:r>
+              <a:rPr lang="en-US" sz="2500" kern="0" baseline="-25000" dirty="0">
+                <a:solidFill>
+                  <a:schemeClr val="accent1">
+                    <a:lumMod val="50000"/>
+                  </a:schemeClr>
+                </a:solidFill>
+                <a:latin typeface="Tahoma"/>
+              </a:rPr>
+              <a:t>2</a:t>
+            </a:r>
+            <a:r>
+              <a:rPr lang="en-US" sz="2500" kern="0" dirty="0">
+                <a:solidFill>
+                  <a:schemeClr val="accent1">
+                    <a:lumMod val="50000"/>
+                  </a:schemeClr>
+                </a:solidFill>
+                <a:latin typeface="Tahoma"/>
+              </a:rPr>
+              <a:t>=25</a:t>
+            </a:r>
+          </a:p>
+          <a:p>
+            <a:pPr marL="343309" indent="-343309" defTabSz="913901" eaLnBrk="1" hangingPunct="1">
+              <a:lnSpc>
+                <a:spcPct val="120000"/>
+              </a:lnSpc>
+              <a:spcBef>
+                <a:spcPct val="20000"/>
+              </a:spcBef>
+              <a:buClr>
+                <a:srgbClr val="3333CC"/>
+              </a:buClr>
+              <a:buSzPct val="60000"/>
+              <a:buFont typeface="Wingdings" pitchFamily="2" charset="2"/>
+              <a:buChar char="n"/>
+              <a:defRPr/>
+            </a:pPr>
+            <a:r>
+              <a:rPr lang="en-US" sz="2500" kern="0" dirty="0">
+                <a:solidFill>
+                  <a:schemeClr val="accent1">
+                    <a:lumMod val="50000"/>
+                  </a:schemeClr>
+                </a:solidFill>
+                <a:latin typeface="Tahoma"/>
+              </a:rPr>
+              <a:t>K</a:t>
+            </a:r>
+            <a:r>
+              <a:rPr lang="en-US" sz="2500" kern="0" baseline="-25000" dirty="0">
+                <a:solidFill>
+                  <a:schemeClr val="accent1">
+                    <a:lumMod val="50000"/>
+                  </a:schemeClr>
+                </a:solidFill>
+                <a:latin typeface="Tahoma"/>
+              </a:rPr>
+              <a:t>1</a:t>
+            </a:r>
+            <a:r>
+              <a:rPr lang="en-US" sz="2500" kern="0" dirty="0">
+                <a:solidFill>
+                  <a:schemeClr val="accent1">
+                    <a:lumMod val="50000"/>
+                  </a:schemeClr>
+                </a:solidFill>
+                <a:latin typeface="Tahoma"/>
+              </a:rPr>
+              <a:t>={2,3,4,10,11,12}, K</a:t>
+            </a:r>
+            <a:r>
+              <a:rPr lang="en-US" sz="2500" kern="0" baseline="-25000" dirty="0">
+                <a:solidFill>
+                  <a:schemeClr val="accent1">
+                    <a:lumMod val="50000"/>
+                  </a:schemeClr>
+                </a:solidFill>
+                <a:latin typeface="Tahoma"/>
+              </a:rPr>
+              <a:t>2</a:t>
+            </a:r>
+            <a:r>
+              <a:rPr lang="en-US" sz="2500" kern="0" dirty="0">
+                <a:solidFill>
+                  <a:schemeClr val="accent1">
+                    <a:lumMod val="50000"/>
+                  </a:schemeClr>
+                </a:solidFill>
+                <a:latin typeface="Tahoma"/>
+              </a:rPr>
+              <a:t>={20,25,30}, m</a:t>
+            </a:r>
+            <a:r>
+              <a:rPr lang="en-US" sz="2500" kern="0" baseline="-25000" dirty="0">
+                <a:solidFill>
+                  <a:schemeClr val="accent1">
+                    <a:lumMod val="50000"/>
+                  </a:schemeClr>
+                </a:solidFill>
+                <a:latin typeface="Tahoma"/>
+              </a:rPr>
+              <a:t>1</a:t>
+            </a:r>
+            <a:r>
+              <a:rPr lang="en-US" sz="2500" kern="0" dirty="0">
+                <a:solidFill>
+                  <a:schemeClr val="accent1">
+                    <a:lumMod val="50000"/>
+                  </a:schemeClr>
+                </a:solidFill>
+                <a:latin typeface="Tahoma"/>
+              </a:rPr>
+              <a:t>=7, m</a:t>
+            </a:r>
+            <a:r>
+              <a:rPr lang="en-US" sz="2500" kern="0" baseline="-25000" dirty="0">
+                <a:solidFill>
+                  <a:schemeClr val="accent1">
+                    <a:lumMod val="50000"/>
+                  </a:schemeClr>
+                </a:solidFill>
+                <a:latin typeface="Tahoma"/>
+              </a:rPr>
+              <a:t>2</a:t>
+            </a:r>
+            <a:r>
+              <a:rPr lang="en-US" sz="2500" kern="0" dirty="0">
+                <a:solidFill>
+                  <a:schemeClr val="accent1">
+                    <a:lumMod val="50000"/>
+                  </a:schemeClr>
+                </a:solidFill>
+                <a:latin typeface="Tahoma"/>
+              </a:rPr>
+              <a:t>=25</a:t>
+            </a:r>
+          </a:p>
+          <a:p>
+            <a:pPr marL="1142774" lvl="2" indent="-228874" defTabSz="913901" eaLnBrk="1" hangingPunct="1">
+              <a:lnSpc>
+                <a:spcPct val="120000"/>
+              </a:lnSpc>
+              <a:spcBef>
+                <a:spcPct val="20000"/>
+              </a:spcBef>
+              <a:buClr>
+                <a:srgbClr val="3333CC"/>
+              </a:buClr>
+              <a:buSzPct val="50000"/>
+              <a:buFont typeface="Wingdings" pitchFamily="2" charset="2"/>
+              <a:buChar char="n"/>
+              <a:defRPr/>
+            </a:pPr>
+            <a:r>
+              <a:rPr lang="en-US" sz="2800" b="1" kern="0" dirty="0">
+                <a:solidFill>
+                  <a:schemeClr val="accent1">
+                    <a:lumMod val="50000"/>
+                  </a:schemeClr>
+                </a:solidFill>
+                <a:latin typeface="Tahoma"/>
+              </a:rPr>
+              <a:t>Stop</a:t>
+            </a:r>
+            <a:r>
+              <a:rPr lang="en-US" sz="2800" kern="0" dirty="0">
+                <a:solidFill>
+                  <a:schemeClr val="accent1">
+                    <a:lumMod val="50000"/>
+                  </a:schemeClr>
+                </a:solidFill>
+                <a:latin typeface="Tahoma"/>
+              </a:rPr>
+              <a:t>, since the clusters and the means found in all subsequent iterations will be the same</a:t>
+            </a:r>
+            <a:r>
+              <a:rPr lang="en-US" sz="2000" kern="0" dirty="0">
+                <a:solidFill>
+                  <a:schemeClr val="accent1">
+                    <a:lumMod val="50000"/>
+                  </a:schemeClr>
+                </a:solidFill>
+                <a:latin typeface="Tahoma"/>
+              </a:rPr>
+              <a:t>.</a:t>
+            </a:r>
+          </a:p>
+        </p:txBody>
+      </p:sp>
+      <p:sp>
+        <p:nvSpPr>
+          <p:cNvPr id="8" name="TextBox 7">
+            <a:extLst>
+              <a:ext uri="{FF2B5EF4-FFF2-40B4-BE49-F238E27FC236}">
+                <a16:creationId xmlns:a16="http://schemas.microsoft.com/office/drawing/2014/main" id="{CD1A68E6-617C-457A-9AB7-506F513A500E}"/>
+              </a:ext>
+            </a:extLst>
+          </p:cNvPr>
+          <p:cNvSpPr txBox="1"/>
+          <p:nvPr/>
+        </p:nvSpPr>
+        <p:spPr>
+          <a:xfrm>
+            <a:off x="1715247" y="294249"/>
+            <a:ext cx="8669293" cy="646331"/>
+          </a:xfrm>
+          <a:prstGeom prst="rect">
+            <a:avLst/>
+          </a:prstGeom>
+          <a:noFill/>
+        </p:spPr>
+        <p:txBody>
+          <a:bodyPr wrap="square" rtlCol="0">
+            <a:spAutoFit/>
+          </a:bodyPr>
+          <a:lstStyle/>
+          <a:p>
+            <a:pPr algn="ctr"/>
+            <a:r>
+              <a:rPr lang="en-US" sz="3600" dirty="0">
+                <a:solidFill>
+                  <a:schemeClr val="accent1">
+                    <a:lumMod val="50000"/>
+                  </a:schemeClr>
+                </a:solidFill>
+              </a:rPr>
+              <a:t>Example of K-Means, What is Happening?</a:t>
+            </a:r>
+          </a:p>
+        </p:txBody>
+      </p:sp>
+    </p:spTree>
+    <p:extLst>
+      <p:ext uri="{BB962C8B-B14F-4D97-AF65-F5344CB8AC3E}">
+        <p14:creationId xmlns:p14="http://schemas.microsoft.com/office/powerpoint/2010/main" val="1809130840"/>
+      </p:ext>
+    </p:extLst>
+  </p:cSld>
+  <p:clrMapOvr>
+    <a:masterClrMapping/>
+  </p:clrMapOvr>
+</p:sld>
+</file>
+
 <file path=ppt/slides/slide5.xml><?xml version="1.0" encoding="utf-8"?>
 <p:sld xmlns:a="http://schemas.openxmlformats.org/drawingml/2006/main" xmlns:r="http://schemas.openxmlformats.org/officeDocument/2006/relationships" xmlns:p="http://schemas.openxmlformats.org/presentationml/2006/main">
   <p:cSld>
@@ -22131,378 +22228,6 @@
 </file>
 
 <file path=ppt/slides/slide6.xml><?xml version="1.0" encoding="utf-8"?>
-<p:sld xmlns:a="http://schemas.openxmlformats.org/drawingml/2006/main" xmlns:r="http://schemas.openxmlformats.org/officeDocument/2006/relationships" xmlns:p="http://schemas.openxmlformats.org/presentationml/2006/main" showMasterSp="0" show="0">
-  <p:cSld>
-    <p:bg>
-      <p:bgPr>
-        <a:solidFill>
-          <a:srgbClr val="FFFFFF"/>
-        </a:solidFill>
-        <a:effectLst/>
-      </p:bgPr>
-    </p:bg>
-    <p:spTree>
-      <p:nvGrpSpPr>
-        <p:cNvPr id="1" name=""/>
-        <p:cNvGrpSpPr/>
-        <p:nvPr/>
-      </p:nvGrpSpPr>
-      <p:grpSpPr>
-        <a:xfrm>
-          <a:off x="0" y="0"/>
-          <a:ext cx="0" cy="0"/>
-          <a:chOff x="0" y="0"/>
-          <a:chExt cx="0" cy="0"/>
-        </a:xfrm>
-      </p:grpSpPr>
-      <p:sp>
-        <p:nvSpPr>
-          <p:cNvPr id="2" name="Footer Placeholder 1">
-            <a:extLst>
-              <a:ext uri="{FF2B5EF4-FFF2-40B4-BE49-F238E27FC236}">
-                <a16:creationId xmlns:a16="http://schemas.microsoft.com/office/drawing/2014/main" id="{805B8BA9-54D4-4E30-8037-15FB525686A5}"/>
-              </a:ext>
-            </a:extLst>
-          </p:cNvPr>
-          <p:cNvSpPr>
-            <a:spLocks noGrp="1"/>
-          </p:cNvSpPr>
-          <p:nvPr>
-            <p:ph type="ftr" sz="quarter" idx="11"/>
-          </p:nvPr>
-        </p:nvSpPr>
-        <p:spPr/>
-        <p:txBody>
-          <a:bodyPr/>
-          <a:lstStyle/>
-          <a:p>
-            <a:endParaRPr lang="en-US"/>
-          </a:p>
-        </p:txBody>
-      </p:sp>
-      <p:sp>
-        <p:nvSpPr>
-          <p:cNvPr id="3" name="Slide Number Placeholder 2">
-            <a:extLst>
-              <a:ext uri="{FF2B5EF4-FFF2-40B4-BE49-F238E27FC236}">
-                <a16:creationId xmlns:a16="http://schemas.microsoft.com/office/drawing/2014/main" id="{9B46D631-7BE1-4B3A-B1AF-28C32AFE3C09}"/>
-              </a:ext>
-            </a:extLst>
-          </p:cNvPr>
-          <p:cNvSpPr>
-            <a:spLocks noGrp="1"/>
-          </p:cNvSpPr>
-          <p:nvPr>
-            <p:ph type="sldNum" sz="quarter" idx="12"/>
-          </p:nvPr>
-        </p:nvSpPr>
-        <p:spPr/>
-        <p:txBody>
-          <a:bodyPr/>
-          <a:lstStyle/>
-          <a:p>
-            <a:fld id="{5ACD0CF0-90CC-9C41-A77B-2776398A8C8B}" type="slidenum">
-              <a:rPr lang="en-US" smtClean="0"/>
-              <a:t>6</a:t>
-            </a:fld>
-            <a:endParaRPr lang="en-US"/>
-          </a:p>
-        </p:txBody>
-      </p:sp>
-      <p:pic>
-        <p:nvPicPr>
-          <p:cNvPr id="5" name="Picture 4">
-            <a:extLst>
-              <a:ext uri="{FF2B5EF4-FFF2-40B4-BE49-F238E27FC236}">
-                <a16:creationId xmlns:a16="http://schemas.microsoft.com/office/drawing/2014/main" id="{0D45AD7D-EA8C-49E0-B069-1E09BC54F2E9}"/>
-              </a:ext>
-            </a:extLst>
-          </p:cNvPr>
-          <p:cNvPicPr>
-            <a:picLocks/>
-          </p:cNvPicPr>
-          <p:nvPr>
-            <p:custDataLst>
-              <p:tags r:id="rId2"/>
-            </p:custDataLst>
-          </p:nvPr>
-        </p:nvPicPr>
-        <p:blipFill>
-          <a:blip r:embed="rId7"/>
-          <a:stretch>
-            <a:fillRect/>
-          </a:stretch>
-        </p:blipFill>
-        <p:spPr>
-          <a:xfrm>
-            <a:off x="5486400" y="602187"/>
-            <a:ext cx="1219200" cy="510126"/>
-          </a:xfrm>
-          <a:prstGeom prst="rect">
-            <a:avLst/>
-          </a:prstGeom>
-        </p:spPr>
-      </p:pic>
-      <p:sp>
-        <p:nvSpPr>
-          <p:cNvPr id="6" name="Rectangle 5">
-            <a:extLst>
-              <a:ext uri="{FF2B5EF4-FFF2-40B4-BE49-F238E27FC236}">
-                <a16:creationId xmlns:a16="http://schemas.microsoft.com/office/drawing/2014/main" id="{DEF8E994-724E-476B-A3F0-D61C047C77FA}"/>
-              </a:ext>
-            </a:extLst>
-          </p:cNvPr>
-          <p:cNvSpPr/>
-          <p:nvPr>
-            <p:custDataLst>
-              <p:tags r:id="rId3"/>
-            </p:custDataLst>
-          </p:nvPr>
-        </p:nvSpPr>
-        <p:spPr>
-          <a:xfrm>
-            <a:off x="0" y="1714500"/>
-            <a:ext cx="12192000" cy="3429000"/>
-          </a:xfrm>
-          <a:prstGeom prst="rect">
-            <a:avLst/>
-          </a:prstGeom>
-          <a:solidFill>
-            <a:srgbClr val="FFFFFF"/>
-          </a:solidFill>
-          <a:ln>
-            <a:solidFill>
-              <a:srgbClr val="FFFFFF"/>
-            </a:solidFill>
-          </a:ln>
-        </p:spPr>
-        <p:style>
-          <a:lnRef idx="2">
-            <a:schemeClr val="accent1">
-              <a:shade val="50000"/>
-            </a:schemeClr>
-          </a:lnRef>
-          <a:fillRef idx="1">
-            <a:schemeClr val="accent1"/>
-          </a:fillRef>
-          <a:effectRef idx="0">
-            <a:schemeClr val="accent1"/>
-          </a:effectRef>
-          <a:fontRef idx="minor">
-            <a:schemeClr val="lt1"/>
-          </a:fontRef>
-        </p:style>
-        <p:txBody>
-          <a:bodyPr rtlCol="0" anchor="ctr"/>
-          <a:lstStyle/>
-          <a:p>
-            <a:pPr algn="ctr"/>
-            <a:r>
-              <a:rPr lang="en-US" sz="3600" dirty="0">
-                <a:solidFill>
-                  <a:srgbClr val="424242"/>
-                </a:solidFill>
-              </a:rPr>
-              <a:t>What is Machine Learning? </a:t>
-            </a:r>
-          </a:p>
-        </p:txBody>
-      </p:sp>
-      <p:sp>
-        <p:nvSpPr>
-          <p:cNvPr id="7" name="Rectangle 6">
-            <a:extLst>
-              <a:ext uri="{FF2B5EF4-FFF2-40B4-BE49-F238E27FC236}">
-                <a16:creationId xmlns:a16="http://schemas.microsoft.com/office/drawing/2014/main" id="{DF60042A-C5CB-490D-AC14-99E00C48ED32}"/>
-              </a:ext>
-            </a:extLst>
-          </p:cNvPr>
-          <p:cNvSpPr/>
-          <p:nvPr>
-            <p:custDataLst>
-              <p:tags r:id="rId4"/>
-            </p:custDataLst>
-          </p:nvPr>
-        </p:nvSpPr>
-        <p:spPr>
-          <a:xfrm>
-            <a:off x="0" y="5143500"/>
-            <a:ext cx="12192000" cy="1714500"/>
-          </a:xfrm>
-          <a:prstGeom prst="rect">
-            <a:avLst/>
-          </a:prstGeom>
-          <a:solidFill>
-            <a:srgbClr val="FFFFFF"/>
-          </a:solidFill>
-          <a:ln w="12700" cap="flat" cmpd="sng" algn="ctr">
-            <a:noFill/>
-            <a:prstDash val="solid"/>
-            <a:miter lim="800000"/>
-          </a:ln>
-          <a:effectLst/>
-          <a:extLst>
-            <a:ext uri="{91240B29-F687-4F45-9708-019B960494DF}">
-              <a14:hiddenLine xmlns:a14="http://schemas.microsoft.com/office/drawing/2010/main" w="12700" cap="flat" cmpd="sng" algn="ctr">
-                <a:solidFill>
-                  <a:schemeClr val="accent1">
-                    <a:shade val="50000"/>
-                  </a:schemeClr>
-                </a:solidFill>
-                <a:prstDash val="solid"/>
-                <a:miter lim="800000"/>
-              </a14:hiddenLine>
-            </a:ext>
-          </a:extLst>
-        </p:spPr>
-        <p:style>
-          <a:lnRef idx="2">
-            <a:schemeClr val="accent1">
-              <a:shade val="50000"/>
-            </a:schemeClr>
-          </a:lnRef>
-          <a:fillRef idx="1">
-            <a:schemeClr val="accent1"/>
-          </a:fillRef>
-          <a:effectRef idx="0">
-            <a:schemeClr val="accent1"/>
-          </a:effectRef>
-          <a:fontRef idx="minor">
-            <a:schemeClr val="lt1"/>
-          </a:fontRef>
-        </p:style>
-        <p:txBody>
-          <a:bodyPr rtlCol="0" anchor="ctr"/>
-          <a:lstStyle/>
-          <a:p>
-            <a:pPr algn="ctr"/>
-            <a:r>
-              <a:rPr lang="en-US" sz="1300" b="1">
-                <a:solidFill>
-                  <a:srgbClr val="39AC37"/>
-                </a:solidFill>
-              </a:rPr>
-              <a:t>ⓘ</a:t>
-            </a:r>
-            <a:r>
-              <a:rPr lang="en-US" sz="1400">
-                <a:solidFill>
-                  <a:srgbClr val="424242"/>
-                </a:solidFill>
-              </a:rPr>
-              <a:t> Start presenting to display the poll results on this slide.</a:t>
-            </a:r>
-          </a:p>
-        </p:txBody>
-      </p:sp>
-      <p:sp>
-        <p:nvSpPr>
-          <p:cNvPr id="8" name="Rectangle 7">
-            <a:extLst>
-              <a:ext uri="{FF2B5EF4-FFF2-40B4-BE49-F238E27FC236}">
-                <a16:creationId xmlns:a16="http://schemas.microsoft.com/office/drawing/2014/main" id="{6E76B945-1E8C-40A6-9BF0-95FBAB553D2B}"/>
-              </a:ext>
-            </a:extLst>
-          </p:cNvPr>
-          <p:cNvSpPr/>
-          <p:nvPr/>
-        </p:nvSpPr>
-        <p:spPr>
-          <a:xfrm>
-            <a:off x="241300" y="278595"/>
-            <a:ext cx="2425700" cy="833718"/>
-          </a:xfrm>
-          <a:prstGeom prst="rect">
-            <a:avLst/>
-          </a:prstGeom>
-        </p:spPr>
-        <p:style>
-          <a:lnRef idx="2">
-            <a:schemeClr val="accent1">
-              <a:shade val="50000"/>
-            </a:schemeClr>
-          </a:lnRef>
-          <a:fillRef idx="1">
-            <a:schemeClr val="accent1"/>
-          </a:fillRef>
-          <a:effectRef idx="0">
-            <a:schemeClr val="accent1"/>
-          </a:effectRef>
-          <a:fontRef idx="minor">
-            <a:schemeClr val="lt1"/>
-          </a:fontRef>
-        </p:style>
-        <p:txBody>
-          <a:bodyPr rtlCol="0" anchor="ctr"/>
-          <a:lstStyle/>
-          <a:p>
-            <a:pPr marL="0" indent="0" algn="ctr">
-              <a:buNone/>
-            </a:pPr>
-            <a:r>
-              <a:rPr lang="en-US" sz="3200" b="1" dirty="0">
-                <a:solidFill>
-                  <a:schemeClr val="bg1"/>
-                </a:solidFill>
-                <a:latin typeface="Aharoni" panose="02010803020104030203" pitchFamily="2" charset="-79"/>
-                <a:cs typeface="Aharoni" panose="02010803020104030203" pitchFamily="2" charset="-79"/>
-              </a:rPr>
-              <a:t>SLIDO</a:t>
-            </a:r>
-          </a:p>
-        </p:txBody>
-      </p:sp>
-      <p:pic>
-        <p:nvPicPr>
-          <p:cNvPr id="9" name="Picture 8">
-            <a:extLst>
-              <a:ext uri="{FF2B5EF4-FFF2-40B4-BE49-F238E27FC236}">
-                <a16:creationId xmlns:a16="http://schemas.microsoft.com/office/drawing/2014/main" id="{7EE59401-00AF-4006-A3E2-2BF73F3AA423}"/>
-              </a:ext>
-            </a:extLst>
-          </p:cNvPr>
-          <p:cNvPicPr>
-            <a:picLocks/>
-          </p:cNvPicPr>
-          <p:nvPr>
-            <p:custDataLst>
-              <p:tags r:id="rId5"/>
-            </p:custDataLst>
-          </p:nvPr>
-        </p:nvPicPr>
-        <p:blipFill>
-          <a:blip r:embed="rId8"/>
-          <a:stretch>
-            <a:fillRect/>
-          </a:stretch>
-        </p:blipFill>
-        <p:spPr>
-          <a:xfrm>
-            <a:off x="508000" y="2209800"/>
-            <a:ext cx="2438400" cy="2438400"/>
-          </a:xfrm>
-          <a:prstGeom prst="rect">
-            <a:avLst/>
-          </a:prstGeom>
-        </p:spPr>
-      </p:pic>
-    </p:spTree>
-    <p:custDataLst>
-      <p:tags r:id="rId1"/>
-    </p:custDataLst>
-    <p:extLst>
-      <p:ext uri="{BB962C8B-B14F-4D97-AF65-F5344CB8AC3E}">
-        <p14:creationId xmlns:p14="http://schemas.microsoft.com/office/powerpoint/2010/main" val="1312802864"/>
-      </p:ext>
-    </p:extLst>
-  </p:cSld>
-  <p:clrMapOvr>
-    <a:masterClrMapping/>
-  </p:clrMapOvr>
-</p:sld>
-</file>
-
-<file path=ppt/slides/slide7.xml><?xml version="1.0" encoding="utf-8"?>
 <p:sld xmlns:a="http://schemas.openxmlformats.org/drawingml/2006/main" xmlns:r="http://schemas.openxmlformats.org/officeDocument/2006/relationships" xmlns:p="http://schemas.openxmlformats.org/presentationml/2006/main">
   <p:cSld>
     <p:spTree>
@@ -22543,7 +22268,7 @@
             <a:fld id="{5ACD0CF0-90CC-9C41-A77B-2776398A8C8B}" type="slidenum">
               <a:rPr lang="en-US" smtClean="0"/>
               <a:pPr/>
-              <a:t>7</a:t>
+              <a:t>6</a:t>
             </a:fld>
             <a:endParaRPr lang="en-US"/>
           </a:p>
@@ -23537,7 +23262,7 @@
 </p:sld>
 </file>
 
-<file path=ppt/slides/slide8.xml><?xml version="1.0" encoding="utf-8"?>
+<file path=ppt/slides/slide7.xml><?xml version="1.0" encoding="utf-8"?>
 <p:sld xmlns:a="http://schemas.openxmlformats.org/drawingml/2006/main" xmlns:r="http://schemas.openxmlformats.org/officeDocument/2006/relationships" xmlns:p="http://schemas.openxmlformats.org/presentationml/2006/main">
   <p:cSld>
     <p:spTree>
@@ -24541,7 +24266,7 @@
             <a:fld id="{A2644288-DBB5-B146-A4C9-3FE617AA0A71}" type="slidenum">
               <a:rPr lang="en-US" smtClean="0"/>
               <a:pPr algn="r"/>
-              <a:t>8</a:t>
+              <a:t>7</a:t>
             </a:fld>
             <a:endParaRPr lang="en-US" dirty="0">
               <a:latin typeface="Lato Light"/>
@@ -24563,7 +24288,7 @@
 </p:sld>
 </file>
 
-<file path=ppt/slides/slide9.xml><?xml version="1.0" encoding="utf-8"?>
+<file path=ppt/slides/slide8.xml><?xml version="1.0" encoding="utf-8"?>
 <p:sld xmlns:a="http://schemas.openxmlformats.org/drawingml/2006/main" xmlns:r="http://schemas.openxmlformats.org/officeDocument/2006/relationships" xmlns:p="http://schemas.openxmlformats.org/presentationml/2006/main">
   <p:cSld>
     <p:spTree>
@@ -24631,36 +24356,395 @@
 </p:sld>
 </file>
 
-<file path=ppt/tags/tag1.xml><?xml version="1.0" encoding="utf-8"?>
-<p:tagLst xmlns:a="http://schemas.openxmlformats.org/drawingml/2006/main" xmlns:r="http://schemas.openxmlformats.org/officeDocument/2006/relationships" xmlns:p="http://schemas.openxmlformats.org/presentationml/2006/main">
-  <p:tag name="SLIDO_TYPE" val="Standard"/>
-  <p:tag name="SLIDO_TIMELINE" val="W3sicG9sbFF1ZXN0aW9uVXVpZCI6IjYyY2U0ZjA0LTFjYTQtNDVkMS04OTQxLTgwMDM2MWQ4ZmRiMCIsInNob3dSZXN1bHRzIjp0cnVlLCJzaG93Q29ycmVjdEFuc3dlcnMiOmZhbHNlLCJ2b3RpbmdMb2NrZWQiOmZhbHNlfV0="/>
-</p:tagLst>
-</file>
-
-<file path=ppt/tags/tag2.xml><?xml version="1.0" encoding="utf-8"?>
-<p:tagLst xmlns:a="http://schemas.openxmlformats.org/drawingml/2006/main" xmlns:r="http://schemas.openxmlformats.org/officeDocument/2006/relationships" xmlns:p="http://schemas.openxmlformats.org/presentationml/2006/main">
-  <p:tag name="SLIDO_ELEMENT" val="logo"/>
-</p:tagLst>
-</file>
-
-<file path=ppt/tags/tag3.xml><?xml version="1.0" encoding="utf-8"?>
-<p:tagLst xmlns:a="http://schemas.openxmlformats.org/drawingml/2006/main" xmlns:r="http://schemas.openxmlformats.org/officeDocument/2006/relationships" xmlns:p="http://schemas.openxmlformats.org/presentationml/2006/main">
-  <p:tag name="SLIDO_ELEMENT" val="title"/>
-</p:tagLst>
-</file>
-
-<file path=ppt/tags/tag4.xml><?xml version="1.0" encoding="utf-8"?>
-<p:tagLst xmlns:a="http://schemas.openxmlformats.org/drawingml/2006/main" xmlns:r="http://schemas.openxmlformats.org/officeDocument/2006/relationships" xmlns:p="http://schemas.openxmlformats.org/presentationml/2006/main">
-  <p:tag name="SLIDO_ELEMENT" val="footer"/>
-</p:tagLst>
-</file>
-
-<file path=ppt/tags/tag5.xml><?xml version="1.0" encoding="utf-8"?>
-<p:tagLst xmlns:a="http://schemas.openxmlformats.org/drawingml/2006/main" xmlns:r="http://schemas.openxmlformats.org/officeDocument/2006/relationships" xmlns:p="http://schemas.openxmlformats.org/presentationml/2006/main">
-  <p:tag name="SLIDO_ELEMENT" val="interaction_image"/>
-  <p:tag name="INTERACTION_TYPE" val="WordCloud"/>
-</p:tagLst>
+<file path=ppt/slides/slide9.xml><?xml version="1.0" encoding="utf-8"?>
+<p:sld xmlns:a="http://schemas.openxmlformats.org/drawingml/2006/main" xmlns:r="http://schemas.openxmlformats.org/officeDocument/2006/relationships" xmlns:p="http://schemas.openxmlformats.org/presentationml/2006/main">
+  <p:cSld>
+    <p:spTree>
+      <p:nvGrpSpPr>
+        <p:cNvPr id="1" name=""/>
+        <p:cNvGrpSpPr/>
+        <p:nvPr/>
+      </p:nvGrpSpPr>
+      <p:grpSpPr>
+        <a:xfrm>
+          <a:off x="0" y="0"/>
+          <a:ext cx="0" cy="0"/>
+          <a:chOff x="0" y="0"/>
+          <a:chExt cx="0" cy="0"/>
+        </a:xfrm>
+      </p:grpSpPr>
+      <p:sp>
+        <p:nvSpPr>
+          <p:cNvPr id="2" name="Text Placeholder 1"/>
+          <p:cNvSpPr>
+            <a:spLocks noGrp="1"/>
+          </p:cNvSpPr>
+          <p:nvPr>
+            <p:ph type="body" sz="quarter" idx="15"/>
+          </p:nvPr>
+        </p:nvSpPr>
+        <p:spPr/>
+        <p:txBody>
+          <a:bodyPr/>
+          <a:lstStyle/>
+          <a:p>
+            <a:r>
+              <a:rPr lang="en-US" b="1" dirty="0">
+                <a:latin typeface="Lato Bold"/>
+                <a:cs typeface="Lato Bold"/>
+              </a:rPr>
+              <a:t>Pattern discovery when inputs (x) and outputs (y) are known</a:t>
+            </a:r>
+          </a:p>
+        </p:txBody>
+      </p:sp>
+      <p:sp>
+        <p:nvSpPr>
+          <p:cNvPr id="3" name="Title 2"/>
+          <p:cNvSpPr>
+            <a:spLocks noGrp="1"/>
+          </p:cNvSpPr>
+          <p:nvPr>
+            <p:ph type="title"/>
+          </p:nvPr>
+        </p:nvSpPr>
+        <p:spPr/>
+        <p:txBody>
+          <a:bodyPr/>
+          <a:lstStyle/>
+          <a:p>
+            <a:r>
+              <a:rPr lang="en-US" dirty="0"/>
+              <a:t>Supervised machine learning</a:t>
+            </a:r>
+          </a:p>
+        </p:txBody>
+      </p:sp>
+      <p:cxnSp>
+        <p:nvCxnSpPr>
+          <p:cNvPr id="7" name="Shape 67"/>
+          <p:cNvCxnSpPr/>
+          <p:nvPr/>
+        </p:nvCxnSpPr>
+        <p:spPr>
+          <a:xfrm>
+            <a:off x="4763852" y="3912367"/>
+            <a:ext cx="1396907" cy="0"/>
+          </a:xfrm>
+          <a:prstGeom prst="straightConnector1">
+            <a:avLst/>
+          </a:prstGeom>
+          <a:noFill/>
+          <a:ln w="127000" cap="flat">
+            <a:solidFill>
+              <a:srgbClr val="000000"/>
+            </a:solidFill>
+            <a:prstDash val="solid"/>
+            <a:round/>
+            <a:headEnd type="none" w="lg" len="lg"/>
+            <a:tailEnd type="stealth" w="lg" len="lg"/>
+          </a:ln>
+        </p:spPr>
+      </p:cxnSp>
+      <p:sp>
+        <p:nvSpPr>
+          <p:cNvPr id="23" name="Shape 63"/>
+          <p:cNvSpPr txBox="1"/>
+          <p:nvPr/>
+        </p:nvSpPr>
+        <p:spPr>
+          <a:xfrm>
+            <a:off x="165343" y="3222780"/>
+            <a:ext cx="1908212" cy="830983"/>
+          </a:xfrm>
+          <a:prstGeom prst="rect">
+            <a:avLst/>
+          </a:prstGeom>
+          <a:noFill/>
+          <a:ln>
+            <a:noFill/>
+          </a:ln>
+        </p:spPr>
+        <p:txBody>
+          <a:bodyPr wrap="square" lIns="45713" tIns="45713" rIns="45713" bIns="45713" anchor="ctr" anchorCtr="0">
+            <a:spAutoFit/>
+          </a:bodyPr>
+          <a:lstStyle/>
+          <a:p>
+            <a:pPr algn="ctr"/>
+            <a:r>
+              <a:rPr lang="en" sz="2400" u="sng" dirty="0">
+                <a:solidFill>
+                  <a:schemeClr val="dk1"/>
+                </a:solidFill>
+                <a:latin typeface="Lato Light" panose="020F0502020204030203" pitchFamily="34" charset="0"/>
+                <a:ea typeface="Lato Light" panose="020F0502020204030203" pitchFamily="34" charset="0"/>
+                <a:cs typeface="Lato Light" panose="020F0502020204030203" pitchFamily="34" charset="0"/>
+                <a:sym typeface="Roboto Condensed"/>
+              </a:rPr>
+              <a:t>Input </a:t>
+            </a:r>
+            <a:r>
+              <a:rPr lang="en" sz="2400" i="1" u="sng" dirty="0">
+                <a:solidFill>
+                  <a:schemeClr val="dk1"/>
+                </a:solidFill>
+                <a:latin typeface="Lato Light" panose="020F0502020204030203" pitchFamily="34" charset="0"/>
+                <a:ea typeface="Lato Light" panose="020F0502020204030203" pitchFamily="34" charset="0"/>
+                <a:cs typeface="Lato Light" panose="020F0502020204030203" pitchFamily="34" charset="0"/>
+                <a:sym typeface="Georgia"/>
+              </a:rPr>
+              <a:t>x:</a:t>
+            </a:r>
+          </a:p>
+          <a:p>
+            <a:pPr algn="ctr"/>
+            <a:r>
+              <a:rPr lang="en-US" sz="2400" dirty="0">
+                <a:solidFill>
+                  <a:schemeClr val="dk1"/>
+                </a:solidFill>
+                <a:latin typeface="Lato Light" panose="020F0502020204030203" pitchFamily="34" charset="0"/>
+                <a:ea typeface="Lato Light" panose="020F0502020204030203" pitchFamily="34" charset="0"/>
+                <a:cs typeface="Lato Light" panose="020F0502020204030203" pitchFamily="34" charset="0"/>
+                <a:sym typeface="Roboto Condensed"/>
+              </a:rPr>
+              <a:t>Voter</a:t>
+            </a:r>
+            <a:endParaRPr lang="en" sz="2400" dirty="0">
+              <a:solidFill>
+                <a:schemeClr val="dk1"/>
+              </a:solidFill>
+              <a:latin typeface="Lato Light" panose="020F0502020204030203" pitchFamily="34" charset="0"/>
+              <a:ea typeface="Lato Light" panose="020F0502020204030203" pitchFamily="34" charset="0"/>
+              <a:cs typeface="Lato Light" panose="020F0502020204030203" pitchFamily="34" charset="0"/>
+              <a:sym typeface="Roboto Condensed"/>
+            </a:endParaRPr>
+          </a:p>
+        </p:txBody>
+      </p:sp>
+      <p:sp>
+        <p:nvSpPr>
+          <p:cNvPr id="24" name="Shape 64"/>
+          <p:cNvSpPr txBox="1"/>
+          <p:nvPr/>
+        </p:nvSpPr>
+        <p:spPr>
+          <a:xfrm>
+            <a:off x="9624392" y="3038115"/>
+            <a:ext cx="2124236" cy="1200314"/>
+          </a:xfrm>
+          <a:prstGeom prst="rect">
+            <a:avLst/>
+          </a:prstGeom>
+          <a:noFill/>
+          <a:ln>
+            <a:noFill/>
+          </a:ln>
+        </p:spPr>
+        <p:txBody>
+          <a:bodyPr wrap="square" lIns="45713" tIns="45713" rIns="45713" bIns="45713" anchor="ctr" anchorCtr="0">
+            <a:spAutoFit/>
+          </a:bodyPr>
+          <a:lstStyle/>
+          <a:p>
+            <a:pPr algn="ctr"/>
+            <a:r>
+              <a:rPr lang="en" sz="2400" u="sng" dirty="0">
+                <a:solidFill>
+                  <a:schemeClr val="dk1"/>
+                </a:solidFill>
+                <a:latin typeface="Lato Light" panose="020F0502020204030203" pitchFamily="34" charset="0"/>
+                <a:ea typeface="Lato Light" panose="020F0502020204030203" pitchFamily="34" charset="0"/>
+                <a:cs typeface="Lato Light" panose="020F0502020204030203" pitchFamily="34" charset="0"/>
+                <a:sym typeface="Roboto Condensed"/>
+              </a:rPr>
+              <a:t>Output </a:t>
+            </a:r>
+            <a:r>
+              <a:rPr lang="en" sz="2400" i="1" u="sng" dirty="0">
+                <a:solidFill>
+                  <a:schemeClr val="dk1"/>
+                </a:solidFill>
+                <a:latin typeface="Lato Light" panose="020F0502020204030203" pitchFamily="34" charset="0"/>
+                <a:ea typeface="Lato Light" panose="020F0502020204030203" pitchFamily="34" charset="0"/>
+                <a:cs typeface="Lato Light" panose="020F0502020204030203" pitchFamily="34" charset="0"/>
+                <a:sym typeface="Georgia"/>
+              </a:rPr>
+              <a:t>y:</a:t>
+            </a:r>
+            <a:endParaRPr lang="en" sz="2400" dirty="0">
+              <a:solidFill>
+                <a:schemeClr val="dk1"/>
+              </a:solidFill>
+              <a:latin typeface="Lato Light" panose="020F0502020204030203" pitchFamily="34" charset="0"/>
+              <a:ea typeface="Lato Light" panose="020F0502020204030203" pitchFamily="34" charset="0"/>
+              <a:cs typeface="Lato Light" panose="020F0502020204030203" pitchFamily="34" charset="0"/>
+              <a:sym typeface="Roboto Condensed"/>
+            </a:endParaRPr>
+          </a:p>
+          <a:p>
+            <a:pPr algn="ctr"/>
+            <a:r>
+              <a:rPr lang="en-US" sz="2400" dirty="0">
+                <a:solidFill>
+                  <a:schemeClr val="dk1"/>
+                </a:solidFill>
+                <a:latin typeface="Lato Light" panose="020F0502020204030203" pitchFamily="34" charset="0"/>
+                <a:ea typeface="Lato Light" panose="020F0502020204030203" pitchFamily="34" charset="0"/>
+                <a:cs typeface="Lato Light" panose="020F0502020204030203" pitchFamily="34" charset="0"/>
+                <a:sym typeface="Roboto Condensed"/>
+              </a:rPr>
+              <a:t>Political affiliation</a:t>
+            </a:r>
+            <a:endParaRPr lang="en" sz="2400" dirty="0">
+              <a:solidFill>
+                <a:schemeClr val="dk1"/>
+              </a:solidFill>
+              <a:latin typeface="Lato Light" panose="020F0502020204030203" pitchFamily="34" charset="0"/>
+              <a:ea typeface="Lato Light" panose="020F0502020204030203" pitchFamily="34" charset="0"/>
+              <a:cs typeface="Lato Light" panose="020F0502020204030203" pitchFamily="34" charset="0"/>
+              <a:sym typeface="Georgia"/>
+            </a:endParaRPr>
+          </a:p>
+        </p:txBody>
+      </p:sp>
+      <p:sp>
+        <p:nvSpPr>
+          <p:cNvPr id="25" name="Rectangle 24"/>
+          <p:cNvSpPr/>
+          <p:nvPr/>
+        </p:nvSpPr>
+        <p:spPr>
+          <a:xfrm>
+            <a:off x="623392" y="5481228"/>
+            <a:ext cx="11229716" cy="230832"/>
+          </a:xfrm>
+          <a:prstGeom prst="rect">
+            <a:avLst/>
+          </a:prstGeom>
+        </p:spPr>
+        <p:txBody>
+          <a:bodyPr wrap="square">
+            <a:spAutoFit/>
+          </a:bodyPr>
+          <a:lstStyle/>
+          <a:p>
+            <a:r>
+              <a:rPr lang="en-US" sz="900" u="sng" dirty="0">
+                <a:latin typeface="Lato Light" panose="020F0502020204030203" pitchFamily="34" charset="0"/>
+                <a:ea typeface="Lato Light" panose="020F0502020204030203" pitchFamily="34" charset="0"/>
+                <a:cs typeface="Lato Light" panose="020F0502020204030203" pitchFamily="34" charset="0"/>
+              </a:rPr>
+              <a:t>Examples:</a:t>
+            </a:r>
+            <a:r>
+              <a:rPr lang="en-US" sz="900" dirty="0">
+                <a:latin typeface="Lato Light" panose="020F0502020204030203" pitchFamily="34" charset="0"/>
+                <a:ea typeface="Lato Light" panose="020F0502020204030203" pitchFamily="34" charset="0"/>
+                <a:cs typeface="Lato Light" panose="020F0502020204030203" pitchFamily="34" charset="0"/>
+              </a:rPr>
+              <a:t>  Classification and regression are supervised machine learning </a:t>
+            </a:r>
+            <a:endParaRPr lang="en-US" sz="900" u="sng" dirty="0">
+              <a:latin typeface="Lato Light" panose="020F0502020204030203" pitchFamily="34" charset="0"/>
+              <a:ea typeface="Lato Light" panose="020F0502020204030203" pitchFamily="34" charset="0"/>
+              <a:cs typeface="Lato Light" panose="020F0502020204030203" pitchFamily="34" charset="0"/>
+            </a:endParaRPr>
+          </a:p>
+        </p:txBody>
+      </p:sp>
+      <p:pic>
+        <p:nvPicPr>
+          <p:cNvPr id="4" name="Picture 3"/>
+          <p:cNvPicPr>
+            <a:picLocks noChangeAspect="1"/>
+          </p:cNvPicPr>
+          <p:nvPr/>
+        </p:nvPicPr>
+        <p:blipFill>
+          <a:blip r:embed="rId3"/>
+          <a:stretch>
+            <a:fillRect/>
+          </a:stretch>
+        </p:blipFill>
+        <p:spPr>
+          <a:xfrm>
+            <a:off x="6312024" y="2924944"/>
+            <a:ext cx="3651250" cy="1727200"/>
+          </a:xfrm>
+          <a:prstGeom prst="rect">
+            <a:avLst/>
+          </a:prstGeom>
+        </p:spPr>
+      </p:pic>
+      <p:pic>
+        <p:nvPicPr>
+          <p:cNvPr id="14" name="Picture 13"/>
+          <p:cNvPicPr>
+            <a:picLocks noChangeAspect="1"/>
+          </p:cNvPicPr>
+          <p:nvPr/>
+        </p:nvPicPr>
+        <p:blipFill rotWithShape="1">
+          <a:blip r:embed="rId4"/>
+          <a:srcRect b="12548"/>
+          <a:stretch/>
+        </p:blipFill>
+        <p:spPr>
+          <a:xfrm>
+            <a:off x="2351584" y="3032956"/>
+            <a:ext cx="1800200" cy="1784230"/>
+          </a:xfrm>
+          <a:prstGeom prst="rect">
+            <a:avLst/>
+          </a:prstGeom>
+        </p:spPr>
+      </p:pic>
+      <p:sp>
+        <p:nvSpPr>
+          <p:cNvPr id="13" name="Slide Number Placeholder 2"/>
+          <p:cNvSpPr>
+            <a:spLocks noGrp="1"/>
+          </p:cNvSpPr>
+          <p:nvPr>
+            <p:ph type="sldNum" sz="quarter" idx="4"/>
+          </p:nvPr>
+        </p:nvSpPr>
+        <p:spPr>
+          <a:xfrm>
+            <a:off x="9331106" y="6494594"/>
+            <a:ext cx="2844800" cy="365125"/>
+          </a:xfrm>
+          <a:prstGeom prst="rect">
+            <a:avLst/>
+          </a:prstGeom>
+        </p:spPr>
+        <p:txBody>
+          <a:bodyPr/>
+          <a:lstStyle/>
+          <a:p>
+            <a:pPr algn="r"/>
+            <a:fld id="{A2644288-DBB5-B146-A4C9-3FE617AA0A71}" type="slidenum">
+              <a:rPr lang="en-US"/>
+              <a:pPr algn="r"/>
+              <a:t>9</a:t>
+            </a:fld>
+            <a:endParaRPr lang="en-US" dirty="0"/>
+          </a:p>
+        </p:txBody>
+      </p:sp>
+    </p:spTree>
+    <p:extLst>
+      <p:ext uri="{BB962C8B-B14F-4D97-AF65-F5344CB8AC3E}">
+        <p14:creationId xmlns:p14="http://schemas.microsoft.com/office/powerpoint/2010/main" val="1587074856"/>
+      </p:ext>
+    </p:extLst>
+  </p:cSld>
+  <p:clrMapOvr>
+    <a:masterClrMapping/>
+  </p:clrMapOvr>
+</p:sld>
 </file>
 
 <file path=ppt/theme/theme1.xml><?xml version="1.0" encoding="utf-8"?>
